--- a/slides/Azure fundamentals.pptx
+++ b/slides/Azure fundamentals.pptx
@@ -19,35 +19,37 @@
     <p:sldId id="298" r:id="rId13"/>
     <p:sldId id="299" r:id="rId14"/>
     <p:sldId id="302" r:id="rId15"/>
-    <p:sldId id="291" r:id="rId16"/>
-    <p:sldId id="300" r:id="rId17"/>
-    <p:sldId id="303" r:id="rId18"/>
-    <p:sldId id="304" r:id="rId19"/>
-    <p:sldId id="301" r:id="rId20"/>
-    <p:sldId id="307" r:id="rId21"/>
-    <p:sldId id="306" r:id="rId22"/>
-    <p:sldId id="305" r:id="rId23"/>
-    <p:sldId id="309" r:id="rId24"/>
-    <p:sldId id="310" r:id="rId25"/>
-    <p:sldId id="311" r:id="rId26"/>
-    <p:sldId id="312" r:id="rId27"/>
-    <p:sldId id="313" r:id="rId28"/>
-    <p:sldId id="314" r:id="rId29"/>
-    <p:sldId id="315" r:id="rId30"/>
-    <p:sldId id="316" r:id="rId31"/>
-    <p:sldId id="317" r:id="rId32"/>
-    <p:sldId id="318" r:id="rId33"/>
-    <p:sldId id="320" r:id="rId34"/>
-    <p:sldId id="321" r:id="rId35"/>
-    <p:sldId id="322" r:id="rId36"/>
-    <p:sldId id="324" r:id="rId37"/>
-    <p:sldId id="370" r:id="rId38"/>
-    <p:sldId id="323" r:id="rId39"/>
-    <p:sldId id="372" r:id="rId40"/>
-    <p:sldId id="371" r:id="rId41"/>
-    <p:sldId id="373" r:id="rId42"/>
-    <p:sldId id="374" r:id="rId43"/>
-    <p:sldId id="375" r:id="rId44"/>
+    <p:sldId id="377" r:id="rId16"/>
+    <p:sldId id="376" r:id="rId17"/>
+    <p:sldId id="291" r:id="rId18"/>
+    <p:sldId id="300" r:id="rId19"/>
+    <p:sldId id="303" r:id="rId20"/>
+    <p:sldId id="304" r:id="rId21"/>
+    <p:sldId id="301" r:id="rId22"/>
+    <p:sldId id="307" r:id="rId23"/>
+    <p:sldId id="306" r:id="rId24"/>
+    <p:sldId id="305" r:id="rId25"/>
+    <p:sldId id="309" r:id="rId26"/>
+    <p:sldId id="310" r:id="rId27"/>
+    <p:sldId id="311" r:id="rId28"/>
+    <p:sldId id="312" r:id="rId29"/>
+    <p:sldId id="313" r:id="rId30"/>
+    <p:sldId id="314" r:id="rId31"/>
+    <p:sldId id="315" r:id="rId32"/>
+    <p:sldId id="316" r:id="rId33"/>
+    <p:sldId id="317" r:id="rId34"/>
+    <p:sldId id="318" r:id="rId35"/>
+    <p:sldId id="320" r:id="rId36"/>
+    <p:sldId id="321" r:id="rId37"/>
+    <p:sldId id="322" r:id="rId38"/>
+    <p:sldId id="324" r:id="rId39"/>
+    <p:sldId id="370" r:id="rId40"/>
+    <p:sldId id="323" r:id="rId41"/>
+    <p:sldId id="372" r:id="rId42"/>
+    <p:sldId id="371" r:id="rId43"/>
+    <p:sldId id="373" r:id="rId44"/>
+    <p:sldId id="374" r:id="rId45"/>
+    <p:sldId id="375" r:id="rId46"/>
   </p:sldIdLst>
   <p:sldSz cx="12192000" cy="6858000"/>
   <p:notesSz cx="6858000" cy="9144000"/>
@@ -303,7 +305,7 @@
           <a:p>
             <a:fld id="{3BD8B7F6-2F3E-49CC-8203-F6825B055BDF}" type="datetimeFigureOut">
               <a:rPr lang="nl-BE" smtClean="0"/>
-              <a:t>8/02/2023</a:t>
+              <a:t>10/02/2023</a:t>
             </a:fld>
             <a:endParaRPr lang="nl-BE"/>
           </a:p>
@@ -503,7 +505,7 @@
           <a:p>
             <a:fld id="{3BD8B7F6-2F3E-49CC-8203-F6825B055BDF}" type="datetimeFigureOut">
               <a:rPr lang="nl-BE" smtClean="0"/>
-              <a:t>8/02/2023</a:t>
+              <a:t>10/02/2023</a:t>
             </a:fld>
             <a:endParaRPr lang="nl-BE"/>
           </a:p>
@@ -713,7 +715,7 @@
           <a:p>
             <a:fld id="{3BD8B7F6-2F3E-49CC-8203-F6825B055BDF}" type="datetimeFigureOut">
               <a:rPr lang="nl-BE" smtClean="0"/>
-              <a:t>8/02/2023</a:t>
+              <a:t>10/02/2023</a:t>
             </a:fld>
             <a:endParaRPr lang="nl-BE"/>
           </a:p>
@@ -959,7 +961,7 @@
           <a:p>
             <a:fld id="{3BD8B7F6-2F3E-49CC-8203-F6825B055BDF}" type="datetimeFigureOut">
               <a:rPr lang="nl-BE" smtClean="0"/>
-              <a:t>8/02/2023</a:t>
+              <a:t>10/02/2023</a:t>
             </a:fld>
             <a:endParaRPr lang="nl-BE"/>
           </a:p>
@@ -1235,7 +1237,7 @@
           <a:p>
             <a:fld id="{3BD8B7F6-2F3E-49CC-8203-F6825B055BDF}" type="datetimeFigureOut">
               <a:rPr lang="nl-BE" smtClean="0"/>
-              <a:t>8/02/2023</a:t>
+              <a:t>10/02/2023</a:t>
             </a:fld>
             <a:endParaRPr lang="nl-BE"/>
           </a:p>
@@ -1503,7 +1505,7 @@
           <a:p>
             <a:fld id="{3BD8B7F6-2F3E-49CC-8203-F6825B055BDF}" type="datetimeFigureOut">
               <a:rPr lang="nl-BE" smtClean="0"/>
-              <a:t>8/02/2023</a:t>
+              <a:t>10/02/2023</a:t>
             </a:fld>
             <a:endParaRPr lang="nl-BE"/>
           </a:p>
@@ -1918,7 +1920,7 @@
           <a:p>
             <a:fld id="{3BD8B7F6-2F3E-49CC-8203-F6825B055BDF}" type="datetimeFigureOut">
               <a:rPr lang="nl-BE" smtClean="0"/>
-              <a:t>8/02/2023</a:t>
+              <a:t>10/02/2023</a:t>
             </a:fld>
             <a:endParaRPr lang="nl-BE"/>
           </a:p>
@@ -2060,7 +2062,7 @@
           <a:p>
             <a:fld id="{3BD8B7F6-2F3E-49CC-8203-F6825B055BDF}" type="datetimeFigureOut">
               <a:rPr lang="nl-BE" smtClean="0"/>
-              <a:t>8/02/2023</a:t>
+              <a:t>10/02/2023</a:t>
             </a:fld>
             <a:endParaRPr lang="nl-BE"/>
           </a:p>
@@ -2173,7 +2175,7 @@
           <a:p>
             <a:fld id="{3BD8B7F6-2F3E-49CC-8203-F6825B055BDF}" type="datetimeFigureOut">
               <a:rPr lang="nl-BE" smtClean="0"/>
-              <a:t>8/02/2023</a:t>
+              <a:t>10/02/2023</a:t>
             </a:fld>
             <a:endParaRPr lang="nl-BE"/>
           </a:p>
@@ -2486,7 +2488,7 @@
           <a:p>
             <a:fld id="{3BD8B7F6-2F3E-49CC-8203-F6825B055BDF}" type="datetimeFigureOut">
               <a:rPr lang="nl-BE" smtClean="0"/>
-              <a:t>8/02/2023</a:t>
+              <a:t>10/02/2023</a:t>
             </a:fld>
             <a:endParaRPr lang="nl-BE"/>
           </a:p>
@@ -2775,7 +2777,7 @@
           <a:p>
             <a:fld id="{3BD8B7F6-2F3E-49CC-8203-F6825B055BDF}" type="datetimeFigureOut">
               <a:rPr lang="nl-BE" smtClean="0"/>
-              <a:t>8/02/2023</a:t>
+              <a:t>10/02/2023</a:t>
             </a:fld>
             <a:endParaRPr lang="nl-BE"/>
           </a:p>
@@ -3018,7 +3020,7 @@
           <a:p>
             <a:fld id="{3BD8B7F6-2F3E-49CC-8203-F6825B055BDF}" type="datetimeFigureOut">
               <a:rPr lang="nl-BE" smtClean="0"/>
-              <a:t>8/02/2023</a:t>
+              <a:t>10/02/2023</a:t>
             </a:fld>
             <a:endParaRPr lang="nl-BE"/>
           </a:p>
@@ -4669,8 +4671,8 @@
         </p:nvSpPr>
         <p:spPr>
           <a:xfrm>
-            <a:off x="3841065" y="2967335"/>
-            <a:ext cx="4509889" cy="923330"/>
+            <a:off x="5042675" y="2967335"/>
+            <a:ext cx="2106667" cy="923330"/>
           </a:xfrm>
           <a:prstGeom prst="rect">
             <a:avLst/>
@@ -4685,7 +4687,7 @@
           <a:p>
             <a:pPr algn="ctr"/>
             <a:r>
-              <a:rPr lang="en-US" sz="5400" b="0" cap="none" spc="0" dirty="0">
+              <a:rPr lang="en-US" sz="5400" dirty="0" err="1">
                 <a:ln w="0"/>
                 <a:solidFill>
                   <a:schemeClr val="accent2"/>
@@ -4698,8 +4700,21 @@
                   </a:outerShdw>
                 </a:effectLst>
               </a:rPr>
-              <a:t>Using Azure CLI</a:t>
-            </a:r>
+              <a:t>Gitpod</a:t>
+            </a:r>
+            <a:endParaRPr lang="en-US" sz="5400" b="0" cap="none" spc="0" dirty="0">
+              <a:ln w="0"/>
+              <a:solidFill>
+                <a:schemeClr val="accent2"/>
+              </a:solidFill>
+              <a:effectLst>
+                <a:outerShdw blurRad="38100" dist="25400" dir="5400000" algn="ctr" rotWithShape="0">
+                  <a:srgbClr val="6E747A">
+                    <a:alpha val="43000"/>
+                  </a:srgbClr>
+                </a:outerShdw>
+              </a:effectLst>
+            </a:endParaRPr>
           </a:p>
         </p:txBody>
       </p:sp>
@@ -4738,7 +4753,7 @@
           <p:cNvPr id="2" name="Title 1">
             <a:extLst>
               <a:ext uri="{FF2B5EF4-FFF2-40B4-BE49-F238E27FC236}">
-                <a16:creationId xmlns:a16="http://schemas.microsoft.com/office/drawing/2014/main" id="{BE2FA4AB-4DDE-4274-9122-5F39B67C88CA}"/>
+                <a16:creationId xmlns:a16="http://schemas.microsoft.com/office/drawing/2014/main" id="{B444063A-E58A-4EA1-BEF4-76FBC2D1E1DC}"/>
               </a:ext>
             </a:extLst>
           </p:cNvPr>
@@ -4755,248 +4770,218 @@
           <a:lstStyle/>
           <a:p>
             <a:r>
-              <a:rPr lang="en-US" dirty="0"/>
-              <a:t>Azure CLI commands</a:t>
+              <a:rPr lang="en-US" dirty="0" err="1"/>
+              <a:t>Gitpod</a:t>
             </a:r>
             <a:endParaRPr lang="nl-BE" dirty="0"/>
           </a:p>
         </p:txBody>
       </p:sp>
-      <p:sp>
-        <p:nvSpPr>
-          <p:cNvPr id="3" name="Content Placeholder 2">
-            <a:extLst>
-              <a:ext uri="{FF2B5EF4-FFF2-40B4-BE49-F238E27FC236}">
-                <a16:creationId xmlns:a16="http://schemas.microsoft.com/office/drawing/2014/main" id="{7BF710E4-391E-4573-AAEE-253ECC0AC218}"/>
-              </a:ext>
-            </a:extLst>
-          </p:cNvPr>
-          <p:cNvSpPr>
-            <a:spLocks noGrp="1"/>
-          </p:cNvSpPr>
+      <p:pic>
+        <p:nvPicPr>
+          <p:cNvPr id="4" name="Picture 4" descr="Gitpod Status">
+            <a:extLst>
+              <a:ext uri="{FF2B5EF4-FFF2-40B4-BE49-F238E27FC236}">
+                <a16:creationId xmlns:a16="http://schemas.microsoft.com/office/drawing/2014/main" id="{BCD999F1-5B47-41EA-95BA-81CC1E695561}"/>
+              </a:ext>
+            </a:extLst>
+          </p:cNvPr>
+          <p:cNvPicPr>
+            <a:picLocks noGrp="1" noChangeAspect="1" noChangeArrowheads="1"/>
+          </p:cNvPicPr>
           <p:nvPr>
             <p:ph idx="1"/>
           </p:nvPr>
-        </p:nvSpPr>
-        <p:spPr/>
-        <p:txBody>
-          <a:bodyPr/>
-          <a:lstStyle/>
-          <a:p>
-            <a:pPr marL="0" indent="0">
-              <a:buNone/>
-            </a:pPr>
-            <a:r>
-              <a:rPr lang="en-US" sz="2000" dirty="0"/>
-              <a:t>Everything action available in the Azure portal, can be performed via the Azure CLI </a:t>
-            </a:r>
-            <a:r>
-              <a:rPr lang="en-US" sz="2000" dirty="0">
-                <a:hlinkClick r:id="rId2"/>
-              </a:rPr>
-              <a:t>https://learn.microsoft.com/en-us/cli/azure/</a:t>
-            </a:r>
-            <a:endParaRPr lang="en-US" sz="2000" dirty="0"/>
-          </a:p>
-          <a:p>
-            <a:pPr marL="0" indent="0">
-              <a:buNone/>
-            </a:pPr>
-            <a:endParaRPr lang="en-US" u="sng" dirty="0">
-              <a:solidFill>
-                <a:schemeClr val="accent1"/>
-              </a:solidFill>
-            </a:endParaRPr>
-          </a:p>
-          <a:p>
-            <a:r>
-              <a:rPr lang="en-US" u="sng" dirty="0" err="1">
+        </p:nvPicPr>
+        <p:blipFill>
+          <a:blip r:embed="rId2">
+            <a:extLst>
+              <a:ext uri="{28A0092B-C50C-407E-A947-70E740481C1C}">
+                <a14:useLocalDpi xmlns:a14="http://schemas.microsoft.com/office/drawing/2010/main" val="0"/>
+              </a:ext>
+            </a:extLst>
+          </a:blip>
+          <a:srcRect/>
+          <a:stretch>
+            <a:fillRect/>
+          </a:stretch>
+        </p:blipFill>
+        <p:spPr bwMode="auto">
+          <a:xfrm>
+            <a:off x="8640627" y="36616"/>
+            <a:ext cx="4037946" cy="1339062"/>
+          </a:xfrm>
+          <a:prstGeom prst="rect">
+            <a:avLst/>
+          </a:prstGeom>
+          <a:noFill/>
+          <a:extLst>
+            <a:ext uri="{909E8E84-426E-40DD-AFC4-6F175D3DCCD1}">
+              <a14:hiddenFill xmlns:a14="http://schemas.microsoft.com/office/drawing/2010/main">
                 <a:solidFill>
-                  <a:schemeClr val="accent1"/>
+                  <a:srgbClr val="FFFFFF"/>
                 </a:solidFill>
-              </a:rPr>
-              <a:t>az</a:t>
-            </a:r>
-            <a:r>
-              <a:rPr lang="en-US" u="sng" dirty="0">
-                <a:solidFill>
-                  <a:schemeClr val="accent1"/>
-                </a:solidFill>
-              </a:rPr>
-              <a:t> login</a:t>
-            </a:r>
-          </a:p>
-          <a:p>
-            <a:pPr marL="457200" lvl="1" indent="0">
-              <a:buNone/>
-            </a:pPr>
-            <a:r>
-              <a:rPr lang="en-US" dirty="0"/>
-              <a:t>Opens an interactive window to authenticate to Azure Active Directory</a:t>
-            </a:r>
-            <a:br>
-              <a:rPr lang="en-US" dirty="0"/>
-            </a:br>
-            <a:endParaRPr lang="en-US" dirty="0"/>
-          </a:p>
-          <a:p>
-            <a:r>
-              <a:rPr lang="en-US" u="sng" dirty="0" err="1">
-                <a:solidFill>
-                  <a:schemeClr val="accent1"/>
-                </a:solidFill>
-              </a:rPr>
-              <a:t>az</a:t>
-            </a:r>
-            <a:r>
-              <a:rPr lang="en-US" u="sng" dirty="0">
-                <a:solidFill>
-                  <a:schemeClr val="accent1"/>
-                </a:solidFill>
-              </a:rPr>
-              <a:t> account set --subscription &lt;name/ID of the subscription&gt;</a:t>
-            </a:r>
-          </a:p>
-          <a:p>
-            <a:pPr marL="457200" lvl="1" indent="0">
-              <a:buNone/>
-            </a:pPr>
-            <a:r>
-              <a:rPr lang="en-US" dirty="0"/>
-              <a:t>Selects the active subscription for future commands. Not required if you only have access to a single subscription</a:t>
-            </a:r>
-          </a:p>
-          <a:p>
-            <a:pPr marL="0" indent="0">
-              <a:buNone/>
-            </a:pPr>
-            <a:endParaRPr lang="en-US" dirty="0"/>
-          </a:p>
-          <a:p>
-            <a:pPr marL="0" indent="0">
-              <a:buNone/>
-            </a:pPr>
-            <a:r>
-              <a:rPr lang="en-US" sz="2000" dirty="0"/>
-              <a:t>W</a:t>
-            </a:r>
-            <a:r>
-              <a:rPr lang="nl-BE" sz="2000" dirty="0"/>
-              <a:t>e </a:t>
-            </a:r>
-            <a:r>
-              <a:rPr lang="nl-BE" sz="2000" dirty="0" err="1"/>
-              <a:t>will</a:t>
-            </a:r>
-            <a:r>
-              <a:rPr lang="nl-BE" sz="2000" dirty="0"/>
-              <a:t> </a:t>
-            </a:r>
-            <a:r>
-              <a:rPr lang="nl-BE" sz="2000" dirty="0" err="1"/>
-              <a:t>be</a:t>
-            </a:r>
-            <a:r>
-              <a:rPr lang="nl-BE" sz="2000" dirty="0"/>
-              <a:t> </a:t>
-            </a:r>
-            <a:r>
-              <a:rPr lang="nl-BE" sz="2000" dirty="0" err="1"/>
-              <a:t>using</a:t>
-            </a:r>
-            <a:r>
-              <a:rPr lang="nl-BE" sz="2000" dirty="0"/>
-              <a:t> </a:t>
-            </a:r>
-            <a:r>
-              <a:rPr lang="nl-BE" sz="2000" dirty="0" err="1"/>
-              <a:t>the</a:t>
-            </a:r>
-            <a:r>
-              <a:rPr lang="nl-BE" sz="2000" dirty="0"/>
-              <a:t> </a:t>
-            </a:r>
-            <a:r>
-              <a:rPr lang="nl-BE" sz="2000" dirty="0" err="1"/>
-              <a:t>Azure</a:t>
-            </a:r>
-            <a:r>
-              <a:rPr lang="nl-BE" sz="2000" dirty="0"/>
-              <a:t> storage extension of </a:t>
-            </a:r>
-            <a:r>
-              <a:rPr lang="nl-BE" sz="2000" dirty="0" err="1"/>
-              <a:t>the</a:t>
-            </a:r>
-            <a:r>
-              <a:rPr lang="nl-BE" sz="2000" dirty="0"/>
-              <a:t> CLI. </a:t>
-            </a:r>
-            <a:r>
-              <a:rPr lang="nl-BE" sz="2000" dirty="0" err="1"/>
-              <a:t>This</a:t>
-            </a:r>
-            <a:r>
-              <a:rPr lang="nl-BE" sz="2000" dirty="0"/>
-              <a:t> extension is </a:t>
-            </a:r>
-            <a:r>
-              <a:rPr lang="nl-BE" sz="2000" dirty="0" err="1"/>
-              <a:t>automatically</a:t>
-            </a:r>
-            <a:r>
-              <a:rPr lang="nl-BE" sz="2000" dirty="0"/>
-              <a:t> </a:t>
-            </a:r>
-            <a:r>
-              <a:rPr lang="nl-BE" sz="2000" dirty="0" err="1"/>
-              <a:t>installed</a:t>
-            </a:r>
-            <a:r>
-              <a:rPr lang="nl-BE" sz="2000" dirty="0"/>
-              <a:t> </a:t>
-            </a:r>
-            <a:r>
-              <a:rPr lang="nl-BE" sz="2000" dirty="0" err="1"/>
-              <a:t>the</a:t>
-            </a:r>
-            <a:r>
-              <a:rPr lang="nl-BE" sz="2000" dirty="0"/>
-              <a:t> first time </a:t>
-            </a:r>
-            <a:r>
-              <a:rPr lang="nl-BE" sz="2000" dirty="0" err="1"/>
-              <a:t>it</a:t>
-            </a:r>
-            <a:r>
-              <a:rPr lang="nl-BE" sz="2000" dirty="0"/>
-              <a:t> is </a:t>
-            </a:r>
-            <a:r>
-              <a:rPr lang="nl-BE" sz="2000" dirty="0" err="1"/>
-              <a:t>used</a:t>
-            </a:r>
-            <a:r>
-              <a:rPr lang="nl-BE" sz="2000" dirty="0"/>
-              <a:t> </a:t>
-            </a:r>
-            <a:r>
-              <a:rPr lang="nl-BE" sz="2000" dirty="0">
+              </a14:hiddenFill>
+            </a:ext>
+          </a:extLst>
+        </p:spPr>
+      </p:pic>
+      <p:sp>
+        <p:nvSpPr>
+          <p:cNvPr id="5" name="TextBox 4">
+            <a:extLst>
+              <a:ext uri="{FF2B5EF4-FFF2-40B4-BE49-F238E27FC236}">
+                <a16:creationId xmlns:a16="http://schemas.microsoft.com/office/drawing/2014/main" id="{8D46C5C4-D505-493C-A2AD-EBB72FECF506}"/>
+              </a:ext>
+            </a:extLst>
+          </p:cNvPr>
+          <p:cNvSpPr txBox="1"/>
+          <p:nvPr/>
+        </p:nvSpPr>
+        <p:spPr>
+          <a:xfrm>
+            <a:off x="630314" y="1273694"/>
+            <a:ext cx="10502284" cy="4493538"/>
+          </a:xfrm>
+          <a:prstGeom prst="rect">
+            <a:avLst/>
+          </a:prstGeom>
+          <a:noFill/>
+        </p:spPr>
+        <p:txBody>
+          <a:bodyPr wrap="square" rtlCol="0">
+            <a:spAutoFit/>
+          </a:bodyPr>
+          <a:lstStyle/>
+          <a:p>
+            <a:r>
+              <a:rPr lang="en-US" sz="2200" dirty="0"/>
+              <a:t>Content of the course available on:</a:t>
+            </a:r>
+          </a:p>
+          <a:p>
+            <a:r>
+              <a:rPr lang="en-US" sz="2200" dirty="0">
                 <a:hlinkClick r:id="rId3"/>
               </a:rPr>
-              <a:t>https://learn.microsoft.com/en-us/cli/azure/azure-cli-reference-for-storage</a:t>
-            </a:r>
-            <a:r>
-              <a:rPr lang="nl-BE" sz="2000" dirty="0"/>
-              <a:t> </a:t>
-            </a:r>
+              <a:t>https://github.com/jonascrevecoeur/azure-fundamentals</a:t>
+            </a:r>
+            <a:endParaRPr lang="en-US" sz="2200" dirty="0"/>
+          </a:p>
+          <a:p>
+            <a:endParaRPr lang="en-US" sz="2200" dirty="0"/>
+          </a:p>
+          <a:p>
+            <a:r>
+              <a:rPr lang="en-US" sz="2200" dirty="0"/>
+              <a:t>We use </a:t>
+            </a:r>
+            <a:r>
+              <a:rPr lang="en-US" sz="2200" dirty="0" err="1"/>
+              <a:t>Gitpod</a:t>
+            </a:r>
+            <a:r>
+              <a:rPr lang="en-US" sz="2200" dirty="0"/>
+              <a:t> for developing our application in this course</a:t>
+            </a:r>
+          </a:p>
+          <a:p>
+            <a:pPr marL="342900" indent="-342900">
+              <a:buFontTx/>
+              <a:buChar char="-"/>
+            </a:pPr>
+            <a:r>
+              <a:rPr lang="en-US" sz="2200" dirty="0" err="1"/>
+              <a:t>Gitpod</a:t>
+            </a:r>
+            <a:r>
+              <a:rPr lang="en-US" sz="2200" dirty="0"/>
+              <a:t> lets users define workspaces as Docker images</a:t>
+            </a:r>
+          </a:p>
+          <a:p>
+            <a:pPr marL="800100" lvl="1" indent="-342900">
+              <a:buFontTx/>
+              <a:buChar char="-"/>
+            </a:pPr>
+            <a:r>
+              <a:rPr lang="en-US" sz="2200" dirty="0"/>
+              <a:t>You can pre-install necessary software</a:t>
+            </a:r>
+          </a:p>
+          <a:p>
+            <a:pPr marL="800100" lvl="1" indent="-342900">
+              <a:buFontTx/>
+              <a:buChar char="-"/>
+            </a:pPr>
+            <a:r>
+              <a:rPr lang="en-US" sz="2200" dirty="0"/>
+              <a:t>For this course, the workspace already contains:</a:t>
+            </a:r>
+          </a:p>
+          <a:p>
+            <a:pPr marL="1257300" lvl="2" indent="-342900">
+              <a:buFontTx/>
+              <a:buChar char="-"/>
+            </a:pPr>
+            <a:r>
+              <a:rPr lang="en-US" sz="2200" dirty="0"/>
+              <a:t>The Azure CLI</a:t>
+            </a:r>
+          </a:p>
+          <a:p>
+            <a:pPr marL="1257300" lvl="2" indent="-342900">
+              <a:buFontTx/>
+              <a:buChar char="-"/>
+            </a:pPr>
+            <a:r>
+              <a:rPr lang="en-US" sz="2200" dirty="0"/>
+              <a:t>Azure functions core tools</a:t>
+            </a:r>
+          </a:p>
+          <a:p>
+            <a:pPr marL="1257300" lvl="2" indent="-342900">
+              <a:buFontTx/>
+              <a:buChar char="-"/>
+            </a:pPr>
+            <a:r>
+              <a:rPr lang="en-US" sz="2200" dirty="0"/>
+              <a:t>Python</a:t>
+            </a:r>
+          </a:p>
+          <a:p>
+            <a:pPr marL="342900" indent="-342900">
+              <a:buFontTx/>
+              <a:buChar char="-"/>
+            </a:pPr>
+            <a:r>
+              <a:rPr lang="en-US" sz="2200" dirty="0" err="1"/>
+              <a:t>Gitpod</a:t>
+            </a:r>
+            <a:r>
+              <a:rPr lang="en-US" sz="2200" dirty="0"/>
+              <a:t> builds and runs this container remotely</a:t>
+            </a:r>
+          </a:p>
+          <a:p>
+            <a:pPr marL="342900" indent="-342900">
+              <a:buFontTx/>
+              <a:buChar char="-"/>
+            </a:pPr>
+            <a:r>
+              <a:rPr lang="en-US" sz="2200" dirty="0"/>
+              <a:t>You connect and work in this container remotely</a:t>
+            </a:r>
+          </a:p>
+          <a:p>
+            <a:endParaRPr lang="nl-BE" sz="2200" dirty="0"/>
           </a:p>
         </p:txBody>
       </p:sp>
     </p:spTree>
     <p:extLst>
       <p:ext uri="{BB962C8B-B14F-4D97-AF65-F5344CB8AC3E}">
-        <p14:creationId xmlns:p14="http://schemas.microsoft.com/office/powerpoint/2010/main" val="514705539"/>
+        <p14:creationId xmlns:p14="http://schemas.microsoft.com/office/powerpoint/2010/main" val="4092795876"/>
       </p:ext>
     </p:extLst>
   </p:cSld>
@@ -5025,230 +5010,56 @@
       </p:grpSpPr>
       <p:sp>
         <p:nvSpPr>
-          <p:cNvPr id="2" name="Title 1">
-            <a:extLst>
-              <a:ext uri="{FF2B5EF4-FFF2-40B4-BE49-F238E27FC236}">
-                <a16:creationId xmlns:a16="http://schemas.microsoft.com/office/drawing/2014/main" id="{9D22A05F-35BC-4805-93BD-1AD63B9E6CC3}"/>
-              </a:ext>
-            </a:extLst>
-          </p:cNvPr>
-          <p:cNvSpPr>
-            <a:spLocks noGrp="1"/>
-          </p:cNvSpPr>
-          <p:nvPr>
-            <p:ph type="title"/>
-          </p:nvPr>
-        </p:nvSpPr>
-        <p:spPr/>
-        <p:txBody>
-          <a:bodyPr/>
-          <a:lstStyle/>
-          <a:p>
-            <a:r>
-              <a:rPr lang="en-US" dirty="0"/>
-              <a:t>Azure storage CLI commands</a:t>
-            </a:r>
-            <a:endParaRPr lang="nl-BE" dirty="0"/>
-          </a:p>
-        </p:txBody>
-      </p:sp>
-      <p:sp>
-        <p:nvSpPr>
-          <p:cNvPr id="3" name="Content Placeholder 2">
-            <a:extLst>
-              <a:ext uri="{FF2B5EF4-FFF2-40B4-BE49-F238E27FC236}">
-                <a16:creationId xmlns:a16="http://schemas.microsoft.com/office/drawing/2014/main" id="{FFD251D5-8DBF-40F6-9C8A-2E8744078D44}"/>
-              </a:ext>
-            </a:extLst>
-          </p:cNvPr>
-          <p:cNvSpPr>
-            <a:spLocks noGrp="1"/>
-          </p:cNvSpPr>
-          <p:nvPr>
-            <p:ph idx="1"/>
-          </p:nvPr>
-        </p:nvSpPr>
-        <p:spPr/>
-        <p:txBody>
-          <a:bodyPr/>
-          <a:lstStyle/>
-          <a:p>
-            <a:r>
-              <a:rPr lang="en-US" dirty="0" err="1">
-                <a:hlinkClick r:id="rId2"/>
+          <p:cNvPr id="4" name="Rectangle 3">
+            <a:extLst>
+              <a:ext uri="{FF2B5EF4-FFF2-40B4-BE49-F238E27FC236}">
+                <a16:creationId xmlns:a16="http://schemas.microsoft.com/office/drawing/2014/main" id="{F95B40D4-8AC1-4ED5-BD3E-4821B14D4E6D}"/>
+              </a:ext>
+            </a:extLst>
+          </p:cNvPr>
+          <p:cNvSpPr/>
+          <p:nvPr/>
+        </p:nvSpPr>
+        <p:spPr>
+          <a:xfrm>
+            <a:off x="3841065" y="2967335"/>
+            <a:ext cx="4509889" cy="923330"/>
+          </a:xfrm>
+          <a:prstGeom prst="rect">
+            <a:avLst/>
+          </a:prstGeom>
+          <a:noFill/>
+        </p:spPr>
+        <p:txBody>
+          <a:bodyPr wrap="none" lIns="91440" tIns="45720" rIns="91440" bIns="45720">
+            <a:spAutoFit/>
+          </a:bodyPr>
+          <a:lstStyle/>
+          <a:p>
+            <a:pPr algn="ctr"/>
+            <a:r>
+              <a:rPr lang="en-US" sz="5400" b="0" cap="none" spc="0" dirty="0">
+                <a:ln w="0"/>
+                <a:solidFill>
+                  <a:schemeClr val="accent2"/>
+                </a:solidFill>
+                <a:effectLst>
+                  <a:outerShdw blurRad="38100" dist="25400" dir="5400000" algn="ctr" rotWithShape="0">
+                    <a:srgbClr val="6E747A">
+                      <a:alpha val="43000"/>
+                    </a:srgbClr>
+                  </a:outerShdw>
+                </a:effectLst>
               </a:rPr>
-              <a:t>az</a:t>
-            </a:r>
-            <a:r>
-              <a:rPr lang="en-US" dirty="0">
-                <a:hlinkClick r:id="rId2"/>
-              </a:rPr>
-              <a:t> storage container create</a:t>
-            </a:r>
-            <a:endParaRPr lang="en-US" dirty="0">
-              <a:hlinkClick r:id="rId3"/>
-            </a:endParaRPr>
-          </a:p>
-          <a:p>
-            <a:pPr marL="0" indent="0">
-              <a:buNone/>
-            </a:pPr>
-            <a:r>
-              <a:rPr lang="en-US" dirty="0"/>
-              <a:t>Create a storage container within an Azure storage account</a:t>
-            </a:r>
-            <a:endParaRPr lang="en-US" dirty="0">
-              <a:hlinkClick r:id="rId3"/>
-            </a:endParaRPr>
-          </a:p>
-          <a:p>
-            <a:pPr marL="0" indent="0">
-              <a:buNone/>
-            </a:pPr>
-            <a:endParaRPr lang="en-US" dirty="0">
-              <a:hlinkClick r:id="rId3"/>
-            </a:endParaRPr>
-          </a:p>
-          <a:p>
-            <a:r>
-              <a:rPr lang="en-US" dirty="0" err="1">
-                <a:hlinkClick r:id="rId3"/>
-              </a:rPr>
-              <a:t>az</a:t>
-            </a:r>
-            <a:r>
-              <a:rPr lang="en-US" dirty="0">
-                <a:hlinkClick r:id="rId3"/>
-              </a:rPr>
-              <a:t> storage blob upload</a:t>
-            </a:r>
-            <a:endParaRPr lang="en-US" dirty="0"/>
-          </a:p>
-          <a:p>
-            <a:pPr marL="0" indent="0">
-              <a:buNone/>
-            </a:pPr>
-            <a:r>
-              <a:rPr lang="en-US" dirty="0"/>
-              <a:t>Upload a new file to an Azure blob storage container</a:t>
-            </a:r>
-          </a:p>
-          <a:p>
-            <a:pPr marL="0" indent="0">
-              <a:buNone/>
-            </a:pPr>
-            <a:endParaRPr lang="en-US" dirty="0"/>
-          </a:p>
-          <a:p>
-            <a:r>
-              <a:rPr lang="nl-BE" dirty="0" err="1">
-                <a:hlinkClick r:id="rId4"/>
-              </a:rPr>
-              <a:t>az</a:t>
-            </a:r>
-            <a:r>
-              <a:rPr lang="nl-BE" dirty="0">
-                <a:hlinkClick r:id="rId4"/>
-              </a:rPr>
-              <a:t> storage </a:t>
-            </a:r>
-            <a:r>
-              <a:rPr lang="nl-BE" dirty="0" err="1">
-                <a:hlinkClick r:id="rId4"/>
-              </a:rPr>
-              <a:t>blob</a:t>
-            </a:r>
-            <a:r>
-              <a:rPr lang="nl-BE" dirty="0">
-                <a:hlinkClick r:id="rId4"/>
-              </a:rPr>
-              <a:t> list</a:t>
-            </a:r>
-            <a:endParaRPr lang="nl-BE" dirty="0"/>
-          </a:p>
-          <a:p>
-            <a:pPr marL="0" indent="0">
-              <a:buNone/>
-            </a:pPr>
-            <a:r>
-              <a:rPr lang="en-US" dirty="0"/>
-              <a:t>L</a:t>
-            </a:r>
-            <a:r>
-              <a:rPr lang="nl-BE" dirty="0" err="1"/>
-              <a:t>ist</a:t>
-            </a:r>
-            <a:r>
-              <a:rPr lang="nl-BE" dirty="0"/>
-              <a:t> files in </a:t>
-            </a:r>
-            <a:r>
-              <a:rPr lang="nl-BE" dirty="0" err="1"/>
-              <a:t>an</a:t>
-            </a:r>
-            <a:r>
-              <a:rPr lang="nl-BE" dirty="0"/>
-              <a:t> </a:t>
-            </a:r>
-            <a:r>
-              <a:rPr lang="nl-BE" dirty="0" err="1"/>
-              <a:t>Azure</a:t>
-            </a:r>
-            <a:r>
-              <a:rPr lang="nl-BE" dirty="0"/>
-              <a:t> </a:t>
-            </a:r>
-            <a:r>
-              <a:rPr lang="nl-BE" dirty="0" err="1"/>
-              <a:t>blob</a:t>
-            </a:r>
-            <a:r>
-              <a:rPr lang="nl-BE" dirty="0"/>
-              <a:t> storage container</a:t>
-            </a:r>
-          </a:p>
-          <a:p>
-            <a:pPr marL="0" indent="0">
-              <a:buNone/>
-            </a:pPr>
-            <a:endParaRPr lang="en-US" dirty="0"/>
-          </a:p>
-          <a:p>
-            <a:pPr marL="0" indent="0">
-              <a:buNone/>
-            </a:pPr>
-            <a:endParaRPr lang="nl-BE" dirty="0"/>
-          </a:p>
-          <a:p>
-            <a:pPr marL="0" indent="0">
-              <a:buNone/>
-            </a:pPr>
-            <a:endParaRPr lang="en-US" dirty="0"/>
-          </a:p>
-          <a:p>
-            <a:pPr marL="0" indent="0">
-              <a:buNone/>
-            </a:pPr>
-            <a:endParaRPr lang="en-US" dirty="0"/>
-          </a:p>
-          <a:p>
-            <a:pPr marL="0" indent="0">
-              <a:buNone/>
-            </a:pPr>
-            <a:endParaRPr lang="en-US" dirty="0"/>
-          </a:p>
-          <a:p>
-            <a:pPr marL="0" indent="0">
-              <a:buNone/>
-            </a:pPr>
-            <a:endParaRPr lang="nl-BE" dirty="0"/>
+              <a:t>Using Azure CLI</a:t>
+            </a:r>
           </a:p>
         </p:txBody>
       </p:sp>
     </p:spTree>
     <p:extLst>
       <p:ext uri="{BB962C8B-B14F-4D97-AF65-F5344CB8AC3E}">
-        <p14:creationId xmlns:p14="http://schemas.microsoft.com/office/powerpoint/2010/main" val="3472049354"/>
+        <p14:creationId xmlns:p14="http://schemas.microsoft.com/office/powerpoint/2010/main" val="1841974256"/>
       </p:ext>
     </p:extLst>
   </p:cSld>
@@ -5277,48 +5088,260 @@
       </p:grpSpPr>
       <p:sp>
         <p:nvSpPr>
-          <p:cNvPr id="4" name="Rectangle 3">
-            <a:extLst>
-              <a:ext uri="{FF2B5EF4-FFF2-40B4-BE49-F238E27FC236}">
-                <a16:creationId xmlns:a16="http://schemas.microsoft.com/office/drawing/2014/main" id="{F95B40D4-8AC1-4ED5-BD3E-4821B14D4E6D}"/>
-              </a:ext>
-            </a:extLst>
-          </p:cNvPr>
-          <p:cNvSpPr/>
-          <p:nvPr/>
-        </p:nvSpPr>
-        <p:spPr>
-          <a:xfrm>
-            <a:off x="2874906" y="2967335"/>
-            <a:ext cx="6442212" cy="923330"/>
-          </a:xfrm>
-          <a:prstGeom prst="rect">
-            <a:avLst/>
-          </a:prstGeom>
-          <a:noFill/>
-        </p:spPr>
-        <p:txBody>
-          <a:bodyPr wrap="none" lIns="91440" tIns="45720" rIns="91440" bIns="45720">
-            <a:spAutoFit/>
-          </a:bodyPr>
-          <a:lstStyle/>
-          <a:p>
-            <a:pPr algn="ctr"/>
-            <a:r>
-              <a:rPr lang="en-US" sz="5400" b="0" cap="none" spc="0" dirty="0">
-                <a:ln w="0"/>
+          <p:cNvPr id="2" name="Title 1">
+            <a:extLst>
+              <a:ext uri="{FF2B5EF4-FFF2-40B4-BE49-F238E27FC236}">
+                <a16:creationId xmlns:a16="http://schemas.microsoft.com/office/drawing/2014/main" id="{BE2FA4AB-4DDE-4274-9122-5F39B67C88CA}"/>
+              </a:ext>
+            </a:extLst>
+          </p:cNvPr>
+          <p:cNvSpPr>
+            <a:spLocks noGrp="1"/>
+          </p:cNvSpPr>
+          <p:nvPr>
+            <p:ph type="title"/>
+          </p:nvPr>
+        </p:nvSpPr>
+        <p:spPr/>
+        <p:txBody>
+          <a:bodyPr/>
+          <a:lstStyle/>
+          <a:p>
+            <a:r>
+              <a:rPr lang="en-US" dirty="0"/>
+              <a:t>Azure CLI commands</a:t>
+            </a:r>
+            <a:endParaRPr lang="nl-BE" dirty="0"/>
+          </a:p>
+        </p:txBody>
+      </p:sp>
+      <p:sp>
+        <p:nvSpPr>
+          <p:cNvPr id="3" name="Content Placeholder 2">
+            <a:extLst>
+              <a:ext uri="{FF2B5EF4-FFF2-40B4-BE49-F238E27FC236}">
+                <a16:creationId xmlns:a16="http://schemas.microsoft.com/office/drawing/2014/main" id="{7BF710E4-391E-4573-AAEE-253ECC0AC218}"/>
+              </a:ext>
+            </a:extLst>
+          </p:cNvPr>
+          <p:cNvSpPr>
+            <a:spLocks noGrp="1"/>
+          </p:cNvSpPr>
+          <p:nvPr>
+            <p:ph idx="1"/>
+          </p:nvPr>
+        </p:nvSpPr>
+        <p:spPr/>
+        <p:txBody>
+          <a:bodyPr/>
+          <a:lstStyle/>
+          <a:p>
+            <a:pPr marL="0" indent="0">
+              <a:buNone/>
+            </a:pPr>
+            <a:r>
+              <a:rPr lang="en-US" sz="2000" dirty="0"/>
+              <a:t>Everything action available in the Azure portal, can be performed via the Azure CLI </a:t>
+            </a:r>
+            <a:r>
+              <a:rPr lang="en-US" sz="2000" dirty="0">
+                <a:hlinkClick r:id="rId2"/>
+              </a:rPr>
+              <a:t>https://learn.microsoft.com/en-us/cli/azure/</a:t>
+            </a:r>
+            <a:endParaRPr lang="en-US" sz="2000" dirty="0"/>
+          </a:p>
+          <a:p>
+            <a:pPr marL="0" indent="0">
+              <a:buNone/>
+            </a:pPr>
+            <a:endParaRPr lang="en-US" u="sng" dirty="0">
+              <a:solidFill>
+                <a:schemeClr val="accent1"/>
+              </a:solidFill>
+            </a:endParaRPr>
+          </a:p>
+          <a:p>
+            <a:r>
+              <a:rPr lang="en-US" u="sng" dirty="0" err="1">
                 <a:solidFill>
-                  <a:schemeClr val="accent2"/>
+                  <a:schemeClr val="accent1"/>
                 </a:solidFill>
-                <a:effectLst>
-                  <a:outerShdw blurRad="38100" dist="25400" dir="5400000" algn="ctr" rotWithShape="0">
-                    <a:srgbClr val="6E747A">
-                      <a:alpha val="43000"/>
-                    </a:srgbClr>
-                  </a:outerShdw>
-                </a:effectLst>
               </a:rPr>
-              <a:t>Using the Python SDK</a:t>
+              <a:t>az</a:t>
+            </a:r>
+            <a:r>
+              <a:rPr lang="en-US" u="sng" dirty="0">
+                <a:solidFill>
+                  <a:schemeClr val="accent1"/>
+                </a:solidFill>
+              </a:rPr>
+              <a:t> login</a:t>
+            </a:r>
+          </a:p>
+          <a:p>
+            <a:pPr marL="457200" lvl="1" indent="0">
+              <a:buNone/>
+            </a:pPr>
+            <a:r>
+              <a:rPr lang="en-US" dirty="0"/>
+              <a:t>Opens an interactive window to authenticate to Azure Active Directory</a:t>
+            </a:r>
+            <a:br>
+              <a:rPr lang="en-US" dirty="0"/>
+            </a:br>
+            <a:endParaRPr lang="en-US" dirty="0"/>
+          </a:p>
+          <a:p>
+            <a:r>
+              <a:rPr lang="en-US" u="sng" dirty="0" err="1">
+                <a:solidFill>
+                  <a:schemeClr val="accent1"/>
+                </a:solidFill>
+              </a:rPr>
+              <a:t>az</a:t>
+            </a:r>
+            <a:r>
+              <a:rPr lang="en-US" u="sng" dirty="0">
+                <a:solidFill>
+                  <a:schemeClr val="accent1"/>
+                </a:solidFill>
+              </a:rPr>
+              <a:t> account set --subscription &lt;name/ID of the subscription&gt;</a:t>
+            </a:r>
+          </a:p>
+          <a:p>
+            <a:pPr marL="457200" lvl="1" indent="0">
+              <a:buNone/>
+            </a:pPr>
+            <a:r>
+              <a:rPr lang="en-US" dirty="0"/>
+              <a:t>Selects the active subscription for future commands. Not required if you only have access to a single subscription</a:t>
+            </a:r>
+          </a:p>
+          <a:p>
+            <a:pPr marL="0" indent="0">
+              <a:buNone/>
+            </a:pPr>
+            <a:endParaRPr lang="en-US" dirty="0"/>
+          </a:p>
+          <a:p>
+            <a:pPr marL="0" indent="0">
+              <a:buNone/>
+            </a:pPr>
+            <a:r>
+              <a:rPr lang="en-US" sz="2000" dirty="0"/>
+              <a:t>W</a:t>
+            </a:r>
+            <a:r>
+              <a:rPr lang="nl-BE" sz="2000" dirty="0"/>
+              <a:t>e </a:t>
+            </a:r>
+            <a:r>
+              <a:rPr lang="nl-BE" sz="2000" dirty="0" err="1"/>
+              <a:t>will</a:t>
+            </a:r>
+            <a:r>
+              <a:rPr lang="nl-BE" sz="2000" dirty="0"/>
+              <a:t> </a:t>
+            </a:r>
+            <a:r>
+              <a:rPr lang="nl-BE" sz="2000" dirty="0" err="1"/>
+              <a:t>be</a:t>
+            </a:r>
+            <a:r>
+              <a:rPr lang="nl-BE" sz="2000" dirty="0"/>
+              <a:t> </a:t>
+            </a:r>
+            <a:r>
+              <a:rPr lang="nl-BE" sz="2000" dirty="0" err="1"/>
+              <a:t>using</a:t>
+            </a:r>
+            <a:r>
+              <a:rPr lang="nl-BE" sz="2000" dirty="0"/>
+              <a:t> </a:t>
+            </a:r>
+            <a:r>
+              <a:rPr lang="nl-BE" sz="2000" dirty="0" err="1"/>
+              <a:t>the</a:t>
+            </a:r>
+            <a:r>
+              <a:rPr lang="nl-BE" sz="2000" dirty="0"/>
+              <a:t> </a:t>
+            </a:r>
+            <a:r>
+              <a:rPr lang="nl-BE" sz="2000" dirty="0" err="1"/>
+              <a:t>Azure</a:t>
+            </a:r>
+            <a:r>
+              <a:rPr lang="nl-BE" sz="2000" dirty="0"/>
+              <a:t> storage extension of </a:t>
+            </a:r>
+            <a:r>
+              <a:rPr lang="nl-BE" sz="2000" dirty="0" err="1"/>
+              <a:t>the</a:t>
+            </a:r>
+            <a:r>
+              <a:rPr lang="nl-BE" sz="2000" dirty="0"/>
+              <a:t> CLI. </a:t>
+            </a:r>
+            <a:r>
+              <a:rPr lang="nl-BE" sz="2000" dirty="0" err="1"/>
+              <a:t>This</a:t>
+            </a:r>
+            <a:r>
+              <a:rPr lang="nl-BE" sz="2000" dirty="0"/>
+              <a:t> extension is </a:t>
+            </a:r>
+            <a:r>
+              <a:rPr lang="nl-BE" sz="2000" dirty="0" err="1"/>
+              <a:t>automatically</a:t>
+            </a:r>
+            <a:r>
+              <a:rPr lang="nl-BE" sz="2000" dirty="0"/>
+              <a:t> </a:t>
+            </a:r>
+            <a:r>
+              <a:rPr lang="nl-BE" sz="2000" dirty="0" err="1"/>
+              <a:t>installed</a:t>
+            </a:r>
+            <a:r>
+              <a:rPr lang="nl-BE" sz="2000" dirty="0"/>
+              <a:t> </a:t>
+            </a:r>
+            <a:r>
+              <a:rPr lang="nl-BE" sz="2000" dirty="0" err="1"/>
+              <a:t>the</a:t>
+            </a:r>
+            <a:r>
+              <a:rPr lang="nl-BE" sz="2000" dirty="0"/>
+              <a:t> first time </a:t>
+            </a:r>
+            <a:r>
+              <a:rPr lang="nl-BE" sz="2000" dirty="0" err="1"/>
+              <a:t>it</a:t>
+            </a:r>
+            <a:r>
+              <a:rPr lang="nl-BE" sz="2000" dirty="0"/>
+              <a:t> is </a:t>
+            </a:r>
+            <a:r>
+              <a:rPr lang="nl-BE" sz="2000" dirty="0" err="1"/>
+              <a:t>used</a:t>
+            </a:r>
+            <a:r>
+              <a:rPr lang="nl-BE" sz="2000" dirty="0"/>
+              <a:t> </a:t>
+            </a:r>
+            <a:r>
+              <a:rPr lang="nl-BE" sz="2000" dirty="0">
+                <a:hlinkClick r:id="rId3"/>
+              </a:rPr>
+              <a:t>https://learn.microsoft.com/en-us/cli/azure/azure-cli-reference-for-storage</a:t>
+            </a:r>
+            <a:r>
+              <a:rPr lang="nl-BE" sz="2000" dirty="0"/>
+              <a:t> </a:t>
             </a:r>
           </a:p>
         </p:txBody>
@@ -5326,7 +5349,7 @@
     </p:spTree>
     <p:extLst>
       <p:ext uri="{BB962C8B-B14F-4D97-AF65-F5344CB8AC3E}">
-        <p14:creationId xmlns:p14="http://schemas.microsoft.com/office/powerpoint/2010/main" val="1693538105"/>
+        <p14:creationId xmlns:p14="http://schemas.microsoft.com/office/powerpoint/2010/main" val="514705539"/>
       </p:ext>
     </p:extLst>
   </p:cSld>
@@ -5358,7 +5381,7 @@
           <p:cNvPr id="2" name="Title 1">
             <a:extLst>
               <a:ext uri="{FF2B5EF4-FFF2-40B4-BE49-F238E27FC236}">
-                <a16:creationId xmlns:a16="http://schemas.microsoft.com/office/drawing/2014/main" id="{80466615-E1E0-4E72-8CAA-EE41A26C483A}"/>
+                <a16:creationId xmlns:a16="http://schemas.microsoft.com/office/drawing/2014/main" id="{9D22A05F-35BC-4805-93BD-1AD63B9E6CC3}"/>
               </a:ext>
             </a:extLst>
           </p:cNvPr>
@@ -5376,7 +5399,7 @@
           <a:p>
             <a:r>
               <a:rPr lang="en-US" dirty="0"/>
-              <a:t>Python SDK</a:t>
+              <a:t>Azure storage CLI commands</a:t>
             </a:r>
             <a:endParaRPr lang="nl-BE" dirty="0"/>
           </a:p>
@@ -5387,7 +5410,7 @@
           <p:cNvPr id="3" name="Content Placeholder 2">
             <a:extLst>
               <a:ext uri="{FF2B5EF4-FFF2-40B4-BE49-F238E27FC236}">
-                <a16:creationId xmlns:a16="http://schemas.microsoft.com/office/drawing/2014/main" id="{399105C8-11C6-4F87-A950-B028874829C6}"/>
+                <a16:creationId xmlns:a16="http://schemas.microsoft.com/office/drawing/2014/main" id="{FFD251D5-8DBF-40F6-9C8A-2E8744078D44}"/>
               </a:ext>
             </a:extLst>
           </p:cNvPr>
@@ -5403,140 +5426,169 @@
           <a:bodyPr/>
           <a:lstStyle/>
           <a:p>
-            <a:pPr marL="0" indent="0">
-              <a:buNone/>
-            </a:pPr>
-            <a:r>
-              <a:rPr lang="en-US" sz="2000" dirty="0"/>
-              <a:t>The Azure python SDK is split into many small Python libraries, allowing you to install only those components required. </a:t>
-            </a:r>
-          </a:p>
-          <a:p>
-            <a:pPr marL="0" indent="0">
-              <a:buNone/>
-            </a:pPr>
-            <a:br>
-              <a:rPr lang="en-US" sz="2000" dirty="0"/>
-            </a:br>
-            <a:r>
-              <a:rPr lang="en-US" sz="2000" dirty="0"/>
-              <a:t>SDK reference: </a:t>
-            </a:r>
-            <a:r>
-              <a:rPr lang="en-US" sz="2000" dirty="0">
+            <a:r>
+              <a:rPr lang="en-US" dirty="0" err="1">
                 <a:hlinkClick r:id="rId2"/>
               </a:rPr>
-              <a:t>https://learn.microsoft.com/en-us/python/api/overview/azure/?view=azure-python</a:t>
-            </a:r>
-            <a:endParaRPr lang="en-US" sz="2000" dirty="0"/>
+              <a:t>az</a:t>
+            </a:r>
+            <a:r>
+              <a:rPr lang="en-US" dirty="0">
+                <a:hlinkClick r:id="rId2"/>
+              </a:rPr>
+              <a:t> storage container create</a:t>
+            </a:r>
+            <a:endParaRPr lang="en-US" dirty="0">
+              <a:hlinkClick r:id="rId3"/>
+            </a:endParaRPr>
           </a:p>
           <a:p>
             <a:pPr marL="0" indent="0">
               <a:buNone/>
             </a:pPr>
-            <a:endParaRPr lang="en-US" sz="2000" dirty="0"/>
+            <a:r>
+              <a:rPr lang="en-US" dirty="0"/>
+              <a:t>Create a storage container within an Azure storage account</a:t>
+            </a:r>
+            <a:endParaRPr lang="en-US" dirty="0">
+              <a:hlinkClick r:id="rId3"/>
+            </a:endParaRPr>
           </a:p>
           <a:p>
             <a:pPr marL="0" indent="0">
               <a:buNone/>
             </a:pPr>
-            <a:r>
-              <a:rPr lang="en-US" sz="2000" dirty="0"/>
-              <a:t>For interacting with storage accounts, we need the package </a:t>
-            </a:r>
-            <a:r>
-              <a:rPr lang="en-US" sz="2000" dirty="0">
+            <a:endParaRPr lang="en-US" dirty="0">
+              <a:hlinkClick r:id="rId3"/>
+            </a:endParaRPr>
+          </a:p>
+          <a:p>
+            <a:r>
+              <a:rPr lang="en-US" dirty="0" err="1">
                 <a:hlinkClick r:id="rId3"/>
               </a:rPr>
-              <a:t>azure-storage-blob</a:t>
-            </a:r>
-            <a:endParaRPr lang="en-US" sz="2000" dirty="0"/>
+              <a:t>az</a:t>
+            </a:r>
+            <a:r>
+              <a:rPr lang="en-US" dirty="0">
+                <a:hlinkClick r:id="rId3"/>
+              </a:rPr>
+              <a:t> storage blob upload</a:t>
+            </a:r>
+            <a:endParaRPr lang="en-US" dirty="0"/>
           </a:p>
           <a:p>
             <a:pPr marL="0" indent="0">
               <a:buNone/>
             </a:pPr>
-            <a:endParaRPr lang="en-US" sz="2000" dirty="0"/>
+            <a:r>
+              <a:rPr lang="en-US" dirty="0"/>
+              <a:t>Upload a new file to an Azure blob storage container</a:t>
+            </a:r>
           </a:p>
           <a:p>
             <a:pPr marL="0" indent="0">
               <a:buNone/>
             </a:pPr>
-            <a:r>
-              <a:rPr lang="en-US" sz="2000" dirty="0"/>
-              <a:t>We will move a file from the raw to the clean container, to do this we have to:</a:t>
-            </a:r>
-          </a:p>
-          <a:p>
-            <a:pPr lvl="1">
-              <a:buFontTx/>
-              <a:buChar char="-"/>
-            </a:pPr>
-            <a:r>
-              <a:rPr lang="en-US" dirty="0"/>
-              <a:t>Authenticate with the storage account using the </a:t>
-            </a:r>
-            <a:r>
-              <a:rPr lang="en-US" dirty="0" err="1"/>
-              <a:t>BlobServiceClient</a:t>
-            </a:r>
-            <a:r>
-              <a:rPr lang="en-US" dirty="0"/>
-              <a:t> class</a:t>
-            </a:r>
-          </a:p>
-          <a:p>
-            <a:pPr lvl="1">
-              <a:buFontTx/>
-              <a:buChar char="-"/>
-            </a:pPr>
-            <a:r>
-              <a:rPr lang="en-US" dirty="0"/>
-              <a:t>Obtain a reference to the source blob that we want to copy</a:t>
-            </a:r>
-          </a:p>
-          <a:p>
-            <a:pPr lvl="1">
-              <a:buFontTx/>
-              <a:buChar char="-"/>
-            </a:pPr>
-            <a:r>
-              <a:rPr lang="en-US" dirty="0"/>
-              <a:t>Download the content of the source blob into a string variable 	</a:t>
-            </a:r>
-          </a:p>
-          <a:p>
-            <a:pPr lvl="1">
-              <a:buFontTx/>
-              <a:buChar char="-"/>
-            </a:pPr>
-            <a:r>
-              <a:rPr lang="en-US" dirty="0"/>
-              <a:t>Obtain a reference to the target blob that we want to create</a:t>
-            </a:r>
-          </a:p>
-          <a:p>
-            <a:pPr lvl="1">
-              <a:buFontTx/>
-              <a:buChar char="-"/>
-            </a:pPr>
-            <a:r>
-              <a:rPr lang="en-US" dirty="0"/>
-              <a:t>Write the string value from the source blob to the target blob reference</a:t>
-            </a:r>
-          </a:p>
-          <a:p>
-            <a:pPr>
-              <a:buFontTx/>
-              <a:buChar char="-"/>
-            </a:pPr>
-            <a:endParaRPr lang="en-US" sz="2000" dirty="0"/>
+            <a:endParaRPr lang="en-US" dirty="0"/>
+          </a:p>
+          <a:p>
+            <a:r>
+              <a:rPr lang="nl-BE" dirty="0" err="1">
+                <a:hlinkClick r:id="rId4"/>
+              </a:rPr>
+              <a:t>az</a:t>
+            </a:r>
+            <a:r>
+              <a:rPr lang="nl-BE" dirty="0">
+                <a:hlinkClick r:id="rId4"/>
+              </a:rPr>
+              <a:t> storage </a:t>
+            </a:r>
+            <a:r>
+              <a:rPr lang="nl-BE" dirty="0" err="1">
+                <a:hlinkClick r:id="rId4"/>
+              </a:rPr>
+              <a:t>blob</a:t>
+            </a:r>
+            <a:r>
+              <a:rPr lang="nl-BE" dirty="0">
+                <a:hlinkClick r:id="rId4"/>
+              </a:rPr>
+              <a:t> list</a:t>
+            </a:r>
+            <a:endParaRPr lang="nl-BE" dirty="0"/>
           </a:p>
           <a:p>
             <a:pPr marL="0" indent="0">
               <a:buNone/>
             </a:pPr>
-            <a:endParaRPr lang="en-US" sz="2000" dirty="0"/>
+            <a:r>
+              <a:rPr lang="en-US" dirty="0"/>
+              <a:t>L</a:t>
+            </a:r>
+            <a:r>
+              <a:rPr lang="nl-BE" dirty="0" err="1"/>
+              <a:t>ist</a:t>
+            </a:r>
+            <a:r>
+              <a:rPr lang="nl-BE" dirty="0"/>
+              <a:t> files in </a:t>
+            </a:r>
+            <a:r>
+              <a:rPr lang="nl-BE" dirty="0" err="1"/>
+              <a:t>an</a:t>
+            </a:r>
+            <a:r>
+              <a:rPr lang="nl-BE" dirty="0"/>
+              <a:t> </a:t>
+            </a:r>
+            <a:r>
+              <a:rPr lang="nl-BE" dirty="0" err="1"/>
+              <a:t>Azure</a:t>
+            </a:r>
+            <a:r>
+              <a:rPr lang="nl-BE" dirty="0"/>
+              <a:t> </a:t>
+            </a:r>
+            <a:r>
+              <a:rPr lang="nl-BE" dirty="0" err="1"/>
+              <a:t>blob</a:t>
+            </a:r>
+            <a:r>
+              <a:rPr lang="nl-BE" dirty="0"/>
+              <a:t> storage container</a:t>
+            </a:r>
+          </a:p>
+          <a:p>
+            <a:pPr marL="0" indent="0">
+              <a:buNone/>
+            </a:pPr>
+            <a:endParaRPr lang="en-US" dirty="0"/>
+          </a:p>
+          <a:p>
+            <a:pPr marL="0" indent="0">
+              <a:buNone/>
+            </a:pPr>
+            <a:endParaRPr lang="nl-BE" dirty="0"/>
+          </a:p>
+          <a:p>
+            <a:pPr marL="0" indent="0">
+              <a:buNone/>
+            </a:pPr>
+            <a:endParaRPr lang="en-US" dirty="0"/>
+          </a:p>
+          <a:p>
+            <a:pPr marL="0" indent="0">
+              <a:buNone/>
+            </a:pPr>
+            <a:endParaRPr lang="en-US" dirty="0"/>
+          </a:p>
+          <a:p>
+            <a:pPr marL="0" indent="0">
+              <a:buNone/>
+            </a:pPr>
+            <a:endParaRPr lang="en-US" dirty="0"/>
           </a:p>
           <a:p>
             <a:pPr marL="0" indent="0">
@@ -5549,7 +5601,7 @@
     </p:spTree>
     <p:extLst>
       <p:ext uri="{BB962C8B-B14F-4D97-AF65-F5344CB8AC3E}">
-        <p14:creationId xmlns:p14="http://schemas.microsoft.com/office/powerpoint/2010/main" val="3122756148"/>
+        <p14:creationId xmlns:p14="http://schemas.microsoft.com/office/powerpoint/2010/main" val="3472049354"/>
       </p:ext>
     </p:extLst>
   </p:cSld>
@@ -5578,161 +5630,56 @@
       </p:grpSpPr>
       <p:sp>
         <p:nvSpPr>
-          <p:cNvPr id="2" name="Title 1">
-            <a:extLst>
-              <a:ext uri="{FF2B5EF4-FFF2-40B4-BE49-F238E27FC236}">
-                <a16:creationId xmlns:a16="http://schemas.microsoft.com/office/drawing/2014/main" id="{4E5C8076-E6C6-4592-8718-3E9A20E0C220}"/>
-              </a:ext>
-            </a:extLst>
-          </p:cNvPr>
-          <p:cNvSpPr>
-            <a:spLocks noGrp="1"/>
-          </p:cNvSpPr>
-          <p:nvPr>
-            <p:ph type="title"/>
-          </p:nvPr>
-        </p:nvSpPr>
-        <p:spPr/>
-        <p:txBody>
-          <a:bodyPr/>
-          <a:lstStyle/>
-          <a:p>
-            <a:r>
-              <a:rPr lang="en-US" dirty="0">
+          <p:cNvPr id="4" name="Rectangle 3">
+            <a:extLst>
+              <a:ext uri="{FF2B5EF4-FFF2-40B4-BE49-F238E27FC236}">
+                <a16:creationId xmlns:a16="http://schemas.microsoft.com/office/drawing/2014/main" id="{F95B40D4-8AC1-4ED5-BD3E-4821B14D4E6D}"/>
+              </a:ext>
+            </a:extLst>
+          </p:cNvPr>
+          <p:cNvSpPr/>
+          <p:nvPr/>
+        </p:nvSpPr>
+        <p:spPr>
+          <a:xfrm>
+            <a:off x="2874906" y="2967335"/>
+            <a:ext cx="6442212" cy="923330"/>
+          </a:xfrm>
+          <a:prstGeom prst="rect">
+            <a:avLst/>
+          </a:prstGeom>
+          <a:noFill/>
+        </p:spPr>
+        <p:txBody>
+          <a:bodyPr wrap="none" lIns="91440" tIns="45720" rIns="91440" bIns="45720">
+            <a:spAutoFit/>
+          </a:bodyPr>
+          <a:lstStyle/>
+          <a:p>
+            <a:pPr algn="ctr"/>
+            <a:r>
+              <a:rPr lang="en-US" sz="5400" b="0" cap="none" spc="0" dirty="0">
+                <a:ln w="0"/>
                 <a:solidFill>
                   <a:schemeClr val="accent2"/>
                 </a:solidFill>
+                <a:effectLst>
+                  <a:outerShdw blurRad="38100" dist="25400" dir="5400000" algn="ctr" rotWithShape="0">
+                    <a:srgbClr val="6E747A">
+                      <a:alpha val="43000"/>
+                    </a:srgbClr>
+                  </a:outerShdw>
+                </a:effectLst>
               </a:rPr>
-              <a:t>Your turn!</a:t>
-            </a:r>
-            <a:endParaRPr lang="nl-BE" dirty="0">
-              <a:solidFill>
-                <a:schemeClr val="accent2"/>
-              </a:solidFill>
-            </a:endParaRPr>
-          </a:p>
-        </p:txBody>
-      </p:sp>
-      <p:sp>
-        <p:nvSpPr>
-          <p:cNvPr id="3" name="Content Placeholder 2">
-            <a:extLst>
-              <a:ext uri="{FF2B5EF4-FFF2-40B4-BE49-F238E27FC236}">
-                <a16:creationId xmlns:a16="http://schemas.microsoft.com/office/drawing/2014/main" id="{9B24A5E1-6C34-47E7-A236-0B194B9B06F2}"/>
-              </a:ext>
-            </a:extLst>
-          </p:cNvPr>
-          <p:cNvSpPr>
-            <a:spLocks noGrp="1"/>
-          </p:cNvSpPr>
-          <p:nvPr>
-            <p:ph idx="1"/>
-          </p:nvPr>
-        </p:nvSpPr>
-        <p:spPr/>
-        <p:txBody>
-          <a:bodyPr/>
-          <a:lstStyle/>
-          <a:p>
-            <a:pPr marL="0" indent="0">
-              <a:buNone/>
-            </a:pPr>
-            <a:endParaRPr lang="en-US" dirty="0"/>
-          </a:p>
-          <a:p>
-            <a:pPr marL="457200" indent="-457200">
-              <a:buAutoNum type="arabicPeriod"/>
-            </a:pPr>
-            <a:r>
-              <a:rPr lang="en-US" dirty="0"/>
-              <a:t>Use the Azure CLI to download a file stored in an Azure storage container</a:t>
-            </a:r>
-            <a:br>
-              <a:rPr lang="en-US" dirty="0"/>
-            </a:br>
-            <a:br>
-              <a:rPr lang="en-US" dirty="0"/>
-            </a:br>
-            <a:r>
-              <a:rPr lang="en-US" sz="2000" dirty="0"/>
-              <a:t>Azure CLI docs: </a:t>
-            </a:r>
-            <a:r>
-              <a:rPr lang="en-US" sz="2000" dirty="0">
-                <a:hlinkClick r:id="rId2"/>
-              </a:rPr>
-              <a:t>https://learn.microsoft.com/en-us/cli/azure/storage?source=recommendations&amp;view=azure-cli-latest</a:t>
-            </a:r>
-            <a:endParaRPr lang="en-US" sz="2000" dirty="0"/>
-          </a:p>
-          <a:p>
-            <a:pPr marL="0" indent="0">
-              <a:buNone/>
-            </a:pPr>
-            <a:endParaRPr lang="en-US" dirty="0"/>
-          </a:p>
-          <a:p>
-            <a:pPr marL="457200" indent="-457200">
-              <a:buAutoNum type="arabicPeriod" startAt="2"/>
-            </a:pPr>
-            <a:r>
-              <a:rPr lang="en-US" dirty="0"/>
-              <a:t>Use the Python SDK to list the files stored in an Azure storage container</a:t>
-            </a:r>
-            <a:br>
-              <a:rPr lang="en-US" dirty="0"/>
-            </a:br>
-            <a:br>
-              <a:rPr lang="en-US" dirty="0"/>
-            </a:br>
-            <a:r>
-              <a:rPr lang="en-US" sz="2000" dirty="0"/>
-              <a:t>SDK docs on Azure containers: </a:t>
-            </a:r>
-            <a:r>
-              <a:rPr lang="en-US" sz="2000" dirty="0">
-                <a:hlinkClick r:id="rId3"/>
-              </a:rPr>
-              <a:t>https://learn.microsoft.com/en-us/python/api/azure-storage-blob/azure.storage.blob.containerclient?view=azure-python</a:t>
-            </a:r>
-            <a:endParaRPr lang="en-US" sz="2000" dirty="0"/>
-          </a:p>
-          <a:p>
-            <a:pPr marL="457200" indent="-457200">
-              <a:buAutoNum type="arabicPeriod" startAt="2"/>
-            </a:pPr>
-            <a:endParaRPr lang="en-US" dirty="0"/>
-          </a:p>
-          <a:p>
-            <a:pPr marL="0" indent="0">
-              <a:buNone/>
-            </a:pPr>
-            <a:endParaRPr lang="en-US" dirty="0"/>
-          </a:p>
-          <a:p>
-            <a:pPr marL="0" indent="0">
-              <a:buNone/>
-            </a:pPr>
-            <a:endParaRPr lang="en-US" dirty="0"/>
-          </a:p>
-          <a:p>
-            <a:pPr marL="0" indent="0">
-              <a:buNone/>
-            </a:pPr>
-            <a:endParaRPr lang="en-US" dirty="0"/>
-          </a:p>
-          <a:p>
-            <a:pPr marL="0" indent="0">
-              <a:buNone/>
-            </a:pPr>
-            <a:endParaRPr lang="nl-BE" dirty="0"/>
+              <a:t>Using the Python SDK</a:t>
+            </a:r>
           </a:p>
         </p:txBody>
       </p:sp>
     </p:spTree>
     <p:extLst>
       <p:ext uri="{BB962C8B-B14F-4D97-AF65-F5344CB8AC3E}">
-        <p14:creationId xmlns:p14="http://schemas.microsoft.com/office/powerpoint/2010/main" val="2402903790"/>
+        <p14:creationId xmlns:p14="http://schemas.microsoft.com/office/powerpoint/2010/main" val="1693538105"/>
       </p:ext>
     </p:extLst>
   </p:cSld>
@@ -6120,69 +6067,201 @@
       </p:grpSpPr>
       <p:sp>
         <p:nvSpPr>
-          <p:cNvPr id="4" name="Rectangle 3">
-            <a:extLst>
-              <a:ext uri="{FF2B5EF4-FFF2-40B4-BE49-F238E27FC236}">
-                <a16:creationId xmlns:a16="http://schemas.microsoft.com/office/drawing/2014/main" id="{F95B40D4-8AC1-4ED5-BD3E-4821B14D4E6D}"/>
-              </a:ext>
-            </a:extLst>
-          </p:cNvPr>
-          <p:cNvSpPr/>
-          <p:nvPr/>
-        </p:nvSpPr>
-        <p:spPr>
-          <a:xfrm>
-            <a:off x="3806604" y="2967335"/>
-            <a:ext cx="4578818" cy="923330"/>
-          </a:xfrm>
-          <a:prstGeom prst="rect">
-            <a:avLst/>
-          </a:prstGeom>
-          <a:noFill/>
-        </p:spPr>
-        <p:txBody>
-          <a:bodyPr wrap="none" lIns="91440" tIns="45720" rIns="91440" bIns="45720">
-            <a:spAutoFit/>
-          </a:bodyPr>
-          <a:lstStyle/>
-          <a:p>
-            <a:pPr algn="ctr"/>
-            <a:r>
-              <a:rPr lang="en-US" sz="5400" dirty="0">
-                <a:ln w="0"/>
-                <a:solidFill>
-                  <a:schemeClr val="accent2"/>
-                </a:solidFill>
-                <a:effectLst>
-                  <a:outerShdw blurRad="38100" dist="25400" dir="5400000" algn="ctr" rotWithShape="0">
-                    <a:srgbClr val="6E747A">
-                      <a:alpha val="43000"/>
-                    </a:srgbClr>
-                  </a:outerShdw>
-                </a:effectLst>
+          <p:cNvPr id="2" name="Title 1">
+            <a:extLst>
+              <a:ext uri="{FF2B5EF4-FFF2-40B4-BE49-F238E27FC236}">
+                <a16:creationId xmlns:a16="http://schemas.microsoft.com/office/drawing/2014/main" id="{80466615-E1E0-4E72-8CAA-EE41A26C483A}"/>
+              </a:ext>
+            </a:extLst>
+          </p:cNvPr>
+          <p:cNvSpPr>
+            <a:spLocks noGrp="1"/>
+          </p:cNvSpPr>
+          <p:nvPr>
+            <p:ph type="title"/>
+          </p:nvPr>
+        </p:nvSpPr>
+        <p:spPr/>
+        <p:txBody>
+          <a:bodyPr/>
+          <a:lstStyle/>
+          <a:p>
+            <a:r>
+              <a:rPr lang="en-US" dirty="0"/>
+              <a:t>Python SDK</a:t>
+            </a:r>
+            <a:endParaRPr lang="nl-BE" dirty="0"/>
+          </a:p>
+        </p:txBody>
+      </p:sp>
+      <p:sp>
+        <p:nvSpPr>
+          <p:cNvPr id="3" name="Content Placeholder 2">
+            <a:extLst>
+              <a:ext uri="{FF2B5EF4-FFF2-40B4-BE49-F238E27FC236}">
+                <a16:creationId xmlns:a16="http://schemas.microsoft.com/office/drawing/2014/main" id="{399105C8-11C6-4F87-A950-B028874829C6}"/>
+              </a:ext>
+            </a:extLst>
+          </p:cNvPr>
+          <p:cNvSpPr>
+            <a:spLocks noGrp="1"/>
+          </p:cNvSpPr>
+          <p:nvPr>
+            <p:ph idx="1"/>
+          </p:nvPr>
+        </p:nvSpPr>
+        <p:spPr/>
+        <p:txBody>
+          <a:bodyPr/>
+          <a:lstStyle/>
+          <a:p>
+            <a:pPr marL="0" indent="0">
+              <a:buNone/>
+            </a:pPr>
+            <a:r>
+              <a:rPr lang="en-US" sz="2000" dirty="0"/>
+              <a:t>The Azure python SDK is split into many small Python libraries, allowing you to install only those components required. </a:t>
+            </a:r>
+          </a:p>
+          <a:p>
+            <a:pPr marL="0" indent="0">
+              <a:buNone/>
+            </a:pPr>
+            <a:br>
+              <a:rPr lang="en-US" sz="2000" dirty="0"/>
+            </a:br>
+            <a:r>
+              <a:rPr lang="en-US" sz="2000" dirty="0"/>
+              <a:t>SDK reference: </a:t>
+            </a:r>
+            <a:r>
+              <a:rPr lang="en-US" sz="2000" dirty="0">
+                <a:hlinkClick r:id="rId2"/>
               </a:rPr>
-              <a:t>Azure functions</a:t>
-            </a:r>
-            <a:endParaRPr lang="en-US" sz="5400" b="0" cap="none" spc="0" dirty="0">
-              <a:ln w="0"/>
-              <a:solidFill>
-                <a:schemeClr val="accent2"/>
-              </a:solidFill>
-              <a:effectLst>
-                <a:outerShdw blurRad="38100" dist="25400" dir="5400000" algn="ctr" rotWithShape="0">
-                  <a:srgbClr val="6E747A">
-                    <a:alpha val="43000"/>
-                  </a:srgbClr>
-                </a:outerShdw>
-              </a:effectLst>
-            </a:endParaRPr>
+              <a:t>https://learn.microsoft.com/en-us/python/api/overview/azure/?view=azure-python</a:t>
+            </a:r>
+            <a:endParaRPr lang="en-US" sz="2000" dirty="0"/>
+          </a:p>
+          <a:p>
+            <a:pPr marL="0" indent="0">
+              <a:buNone/>
+            </a:pPr>
+            <a:endParaRPr lang="en-US" sz="2000" dirty="0"/>
+          </a:p>
+          <a:p>
+            <a:pPr marL="0" indent="0">
+              <a:buNone/>
+            </a:pPr>
+            <a:r>
+              <a:rPr lang="en-US" sz="2000" dirty="0"/>
+              <a:t>For interacting with storage accounts, we need the package </a:t>
+            </a:r>
+            <a:r>
+              <a:rPr lang="en-US" sz="2000" dirty="0">
+                <a:hlinkClick r:id="rId3"/>
+              </a:rPr>
+              <a:t>azure-storage-blob</a:t>
+            </a:r>
+            <a:endParaRPr lang="en-US" sz="2000" dirty="0"/>
+          </a:p>
+          <a:p>
+            <a:pPr marL="0" indent="0">
+              <a:buNone/>
+            </a:pPr>
+            <a:endParaRPr lang="en-US" sz="2000" dirty="0"/>
+          </a:p>
+          <a:p>
+            <a:pPr marL="0" indent="0">
+              <a:buNone/>
+            </a:pPr>
+            <a:r>
+              <a:rPr lang="en-US" sz="2000" dirty="0"/>
+              <a:t>We will move a file from the raw to the clean container, to do this we have to:</a:t>
+            </a:r>
+          </a:p>
+          <a:p>
+            <a:pPr lvl="1">
+              <a:buFontTx/>
+              <a:buChar char="-"/>
+            </a:pPr>
+            <a:r>
+              <a:rPr lang="en-US" dirty="0"/>
+              <a:t>Authenticate with the storage account using the </a:t>
+            </a:r>
+            <a:r>
+              <a:rPr lang="en-US" dirty="0" err="1"/>
+              <a:t>BlobServiceClient</a:t>
+            </a:r>
+            <a:r>
+              <a:rPr lang="en-US" dirty="0"/>
+              <a:t> class</a:t>
+            </a:r>
+          </a:p>
+          <a:p>
+            <a:pPr lvl="1">
+              <a:buFontTx/>
+              <a:buChar char="-"/>
+            </a:pPr>
+            <a:r>
+              <a:rPr lang="en-US" dirty="0"/>
+              <a:t>Obtain a reference to the source blob that we want to copy</a:t>
+            </a:r>
+          </a:p>
+          <a:p>
+            <a:pPr lvl="1">
+              <a:buFontTx/>
+              <a:buChar char="-"/>
+            </a:pPr>
+            <a:r>
+              <a:rPr lang="en-US" dirty="0"/>
+              <a:t>Download the content of the source blob into a string variable 	</a:t>
+            </a:r>
+          </a:p>
+          <a:p>
+            <a:pPr lvl="1">
+              <a:buFontTx/>
+              <a:buChar char="-"/>
+            </a:pPr>
+            <a:r>
+              <a:rPr lang="en-US" dirty="0"/>
+              <a:t>Obtain a reference to the target blob that we want to create</a:t>
+            </a:r>
+          </a:p>
+          <a:p>
+            <a:pPr lvl="1">
+              <a:buFontTx/>
+              <a:buChar char="-"/>
+            </a:pPr>
+            <a:r>
+              <a:rPr lang="en-US" dirty="0"/>
+              <a:t>Write the string value from the source blob to the target blob reference</a:t>
+            </a:r>
+          </a:p>
+          <a:p>
+            <a:pPr>
+              <a:buFontTx/>
+              <a:buChar char="-"/>
+            </a:pPr>
+            <a:endParaRPr lang="en-US" sz="2000" dirty="0"/>
+          </a:p>
+          <a:p>
+            <a:pPr marL="0" indent="0">
+              <a:buNone/>
+            </a:pPr>
+            <a:endParaRPr lang="en-US" sz="2000" dirty="0"/>
+          </a:p>
+          <a:p>
+            <a:pPr marL="0" indent="0">
+              <a:buNone/>
+            </a:pPr>
+            <a:endParaRPr lang="nl-BE" dirty="0"/>
           </a:p>
         </p:txBody>
       </p:sp>
     </p:spTree>
     <p:extLst>
       <p:ext uri="{BB962C8B-B14F-4D97-AF65-F5344CB8AC3E}">
-        <p14:creationId xmlns:p14="http://schemas.microsoft.com/office/powerpoint/2010/main" val="3147854342"/>
+        <p14:creationId xmlns:p14="http://schemas.microsoft.com/office/powerpoint/2010/main" val="3122756148"/>
       </p:ext>
     </p:extLst>
   </p:cSld>
@@ -6211,10 +6290,10 @@
       </p:grpSpPr>
       <p:sp>
         <p:nvSpPr>
-          <p:cNvPr id="5" name="Title 5">
-            <a:extLst>
-              <a:ext uri="{FF2B5EF4-FFF2-40B4-BE49-F238E27FC236}">
-                <a16:creationId xmlns:a16="http://schemas.microsoft.com/office/drawing/2014/main" id="{FAF41BCC-C7BA-43A3-936E-74072B203176}"/>
+          <p:cNvPr id="2" name="Title 1">
+            <a:extLst>
+              <a:ext uri="{FF2B5EF4-FFF2-40B4-BE49-F238E27FC236}">
+                <a16:creationId xmlns:a16="http://schemas.microsoft.com/office/drawing/2014/main" id="{4E5C8076-E6C6-4592-8718-3E9A20E0C220}"/>
               </a:ext>
             </a:extLst>
           </p:cNvPr>
@@ -6225,268 +6304,147 @@
             <p:ph type="title"/>
           </p:nvPr>
         </p:nvSpPr>
-        <p:spPr>
-          <a:xfrm>
-            <a:off x="95250" y="-142875"/>
-            <a:ext cx="10515600" cy="1325563"/>
-          </a:xfrm>
-        </p:spPr>
+        <p:spPr/>
         <p:txBody>
           <a:bodyPr/>
           <a:lstStyle/>
           <a:p>
             <a:r>
-              <a:rPr lang="en-US" dirty="0"/>
-              <a:t>Azure functions</a:t>
-            </a:r>
+              <a:rPr lang="en-US" dirty="0">
+                <a:solidFill>
+                  <a:schemeClr val="accent2"/>
+                </a:solidFill>
+              </a:rPr>
+              <a:t>Your turn!</a:t>
+            </a:r>
+            <a:endParaRPr lang="nl-BE" dirty="0">
+              <a:solidFill>
+                <a:schemeClr val="accent2"/>
+              </a:solidFill>
+            </a:endParaRPr>
+          </a:p>
+        </p:txBody>
+      </p:sp>
+      <p:sp>
+        <p:nvSpPr>
+          <p:cNvPr id="3" name="Content Placeholder 2">
+            <a:extLst>
+              <a:ext uri="{FF2B5EF4-FFF2-40B4-BE49-F238E27FC236}">
+                <a16:creationId xmlns:a16="http://schemas.microsoft.com/office/drawing/2014/main" id="{9B24A5E1-6C34-47E7-A236-0B194B9B06F2}"/>
+              </a:ext>
+            </a:extLst>
+          </p:cNvPr>
+          <p:cNvSpPr>
+            <a:spLocks noGrp="1"/>
+          </p:cNvSpPr>
+          <p:nvPr>
+            <p:ph idx="1"/>
+          </p:nvPr>
+        </p:nvSpPr>
+        <p:spPr/>
+        <p:txBody>
+          <a:bodyPr/>
+          <a:lstStyle/>
+          <a:p>
+            <a:pPr marL="0" indent="0">
+              <a:buNone/>
+            </a:pPr>
+            <a:endParaRPr lang="en-US" dirty="0"/>
+          </a:p>
+          <a:p>
+            <a:pPr marL="457200" indent="-457200">
+              <a:buAutoNum type="arabicPeriod"/>
+            </a:pPr>
+            <a:r>
+              <a:rPr lang="en-US" dirty="0"/>
+              <a:t>Use the Azure CLI to download a file stored in an Azure storage container</a:t>
+            </a:r>
+            <a:br>
+              <a:rPr lang="en-US" dirty="0"/>
+            </a:br>
+            <a:br>
+              <a:rPr lang="en-US" dirty="0"/>
+            </a:br>
+            <a:r>
+              <a:rPr lang="en-US" sz="2000" dirty="0"/>
+              <a:t>Azure CLI docs: </a:t>
+            </a:r>
+            <a:r>
+              <a:rPr lang="en-US" sz="2000" dirty="0">
+                <a:hlinkClick r:id="rId2"/>
+              </a:rPr>
+              <a:t>https://learn.microsoft.com/en-us/cli/azure/storage?source=recommendations&amp;view=azure-cli-latest</a:t>
+            </a:r>
+            <a:endParaRPr lang="en-US" sz="2000" dirty="0"/>
+          </a:p>
+          <a:p>
+            <a:pPr marL="0" indent="0">
+              <a:buNone/>
+            </a:pPr>
+            <a:endParaRPr lang="en-US" dirty="0"/>
+          </a:p>
+          <a:p>
+            <a:pPr marL="457200" indent="-457200">
+              <a:buAutoNum type="arabicPeriod" startAt="2"/>
+            </a:pPr>
+            <a:r>
+              <a:rPr lang="en-US" dirty="0"/>
+              <a:t>Use the Python SDK to list the files stored in an Azure storage container</a:t>
+            </a:r>
+            <a:br>
+              <a:rPr lang="en-US" dirty="0"/>
+            </a:br>
+            <a:br>
+              <a:rPr lang="en-US" dirty="0"/>
+            </a:br>
+            <a:r>
+              <a:rPr lang="en-US" sz="2000" dirty="0"/>
+              <a:t>SDK docs on Azure containers: </a:t>
+            </a:r>
+            <a:r>
+              <a:rPr lang="en-US" sz="2000" dirty="0">
+                <a:hlinkClick r:id="rId3"/>
+              </a:rPr>
+              <a:t>https://learn.microsoft.com/en-us/python/api/azure-storage-blob/azure.storage.blob.containerclient?view=azure-python</a:t>
+            </a:r>
+            <a:endParaRPr lang="en-US" sz="2000" dirty="0"/>
+          </a:p>
+          <a:p>
+            <a:pPr marL="457200" indent="-457200">
+              <a:buAutoNum type="arabicPeriod" startAt="2"/>
+            </a:pPr>
+            <a:endParaRPr lang="en-US" dirty="0"/>
+          </a:p>
+          <a:p>
+            <a:pPr marL="0" indent="0">
+              <a:buNone/>
+            </a:pPr>
+            <a:endParaRPr lang="en-US" dirty="0"/>
+          </a:p>
+          <a:p>
+            <a:pPr marL="0" indent="0">
+              <a:buNone/>
+            </a:pPr>
+            <a:endParaRPr lang="en-US" dirty="0"/>
+          </a:p>
+          <a:p>
+            <a:pPr marL="0" indent="0">
+              <a:buNone/>
+            </a:pPr>
+            <a:endParaRPr lang="en-US" dirty="0"/>
+          </a:p>
+          <a:p>
+            <a:pPr marL="0" indent="0">
+              <a:buNone/>
+            </a:pPr>
             <a:endParaRPr lang="nl-BE" dirty="0"/>
-          </a:p>
-        </p:txBody>
-      </p:sp>
-      <p:pic>
-        <p:nvPicPr>
-          <p:cNvPr id="24" name="Picture 4" descr="How to set environment variables for use with an Azure Function - Azure Greg">
-            <a:extLst>
-              <a:ext uri="{FF2B5EF4-FFF2-40B4-BE49-F238E27FC236}">
-                <a16:creationId xmlns:a16="http://schemas.microsoft.com/office/drawing/2014/main" id="{1BD2F1BF-B384-4FD3-826C-238EA243626E}"/>
-              </a:ext>
-            </a:extLst>
-          </p:cNvPr>
-          <p:cNvPicPr>
-            <a:picLocks noChangeAspect="1" noChangeArrowheads="1"/>
-          </p:cNvPicPr>
-          <p:nvPr/>
-        </p:nvPicPr>
-        <p:blipFill>
-          <a:blip r:embed="rId2">
-            <a:clrChange>
-              <a:clrFrom>
-                <a:srgbClr val="FFFFFF"/>
-              </a:clrFrom>
-              <a:clrTo>
-                <a:srgbClr val="FFFFFF">
-                  <a:alpha val="0"/>
-                </a:srgbClr>
-              </a:clrTo>
-            </a:clrChange>
-            <a:extLst>
-              <a:ext uri="{28A0092B-C50C-407E-A947-70E740481C1C}">
-                <a14:useLocalDpi xmlns:a14="http://schemas.microsoft.com/office/drawing/2010/main" val="0"/>
-              </a:ext>
-            </a:extLst>
-          </a:blip>
-          <a:srcRect/>
-          <a:stretch>
-            <a:fillRect/>
-          </a:stretch>
-        </p:blipFill>
-        <p:spPr bwMode="auto">
-          <a:xfrm>
-            <a:off x="-641858" y="1429279"/>
-            <a:ext cx="3957662" cy="1935679"/>
-          </a:xfrm>
-          <a:prstGeom prst="rect">
-            <a:avLst/>
-          </a:prstGeom>
-          <a:noFill/>
-          <a:extLst>
-            <a:ext uri="{909E8E84-426E-40DD-AFC4-6F175D3DCCD1}">
-              <a14:hiddenFill xmlns:a14="http://schemas.microsoft.com/office/drawing/2010/main">
-                <a:solidFill>
-                  <a:srgbClr val="FFFFFF"/>
-                </a:solidFill>
-              </a14:hiddenFill>
-            </a:ext>
-          </a:extLst>
-        </p:spPr>
-      </p:pic>
-      <p:sp>
-        <p:nvSpPr>
-          <p:cNvPr id="2" name="TextBox 1">
-            <a:extLst>
-              <a:ext uri="{FF2B5EF4-FFF2-40B4-BE49-F238E27FC236}">
-                <a16:creationId xmlns:a16="http://schemas.microsoft.com/office/drawing/2014/main" id="{B6B3358F-3707-43B4-958A-39DA5373F5FD}"/>
-              </a:ext>
-            </a:extLst>
-          </p:cNvPr>
-          <p:cNvSpPr txBox="1"/>
-          <p:nvPr/>
-        </p:nvSpPr>
-        <p:spPr>
-          <a:xfrm>
-            <a:off x="2694786" y="1566242"/>
-            <a:ext cx="7718780" cy="5293757"/>
-          </a:xfrm>
-          <a:prstGeom prst="rect">
-            <a:avLst/>
-          </a:prstGeom>
-          <a:noFill/>
-        </p:spPr>
-        <p:txBody>
-          <a:bodyPr wrap="none" rtlCol="0">
-            <a:spAutoFit/>
-          </a:bodyPr>
-          <a:lstStyle/>
-          <a:p>
-            <a:r>
-              <a:rPr lang="en-US" sz="2200" dirty="0"/>
-              <a:t>Azure functions provides event driven, serverless code execution</a:t>
-            </a:r>
-            <a:br>
-              <a:rPr lang="en-US" sz="2200" dirty="0"/>
-            </a:br>
-            <a:r>
-              <a:rPr lang="en-US" sz="2200" dirty="0"/>
-              <a:t>(equivalent of AWS Lambda)</a:t>
-            </a:r>
-          </a:p>
-          <a:p>
-            <a:endParaRPr lang="en-US" sz="2200" dirty="0"/>
-          </a:p>
-          <a:p>
-            <a:pPr marL="285750" indent="-285750">
-              <a:buFont typeface="Arial" panose="020B0604020202020204" pitchFamily="34" charset="0"/>
-              <a:buChar char="•"/>
-            </a:pPr>
-            <a:r>
-              <a:rPr lang="en-US" dirty="0"/>
-              <a:t>Triggers:</a:t>
-            </a:r>
-          </a:p>
-          <a:p>
-            <a:pPr marL="742950" lvl="1" indent="-285750">
-              <a:buFont typeface="Arial" panose="020B0604020202020204" pitchFamily="34" charset="0"/>
-              <a:buChar char="•"/>
-            </a:pPr>
-            <a:r>
-              <a:rPr lang="en-US" dirty="0"/>
-              <a:t>Time trigger </a:t>
-            </a:r>
-            <a:r>
-              <a:rPr lang="en-US" dirty="0">
-                <a:sym typeface="Wingdings" panose="05000000000000000000" pitchFamily="2" charset="2"/>
-              </a:rPr>
-              <a:t> Run once a day at midnight</a:t>
-            </a:r>
-            <a:endParaRPr lang="en-US" dirty="0"/>
-          </a:p>
-          <a:p>
-            <a:pPr marL="742950" lvl="1" indent="-285750">
-              <a:buFont typeface="Arial" panose="020B0604020202020204" pitchFamily="34" charset="0"/>
-              <a:buChar char="•"/>
-            </a:pPr>
-            <a:r>
-              <a:rPr lang="en-US" dirty="0"/>
-              <a:t>HTTP trigger </a:t>
-            </a:r>
-            <a:r>
-              <a:rPr lang="en-US" dirty="0">
-                <a:sym typeface="Wingdings" panose="05000000000000000000" pitchFamily="2" charset="2"/>
-              </a:rPr>
-              <a:t> build an API</a:t>
-            </a:r>
-          </a:p>
-          <a:p>
-            <a:pPr marL="742950" lvl="1" indent="-285750">
-              <a:buFont typeface="Arial" panose="020B0604020202020204" pitchFamily="34" charset="0"/>
-              <a:buChar char="•"/>
-            </a:pPr>
-            <a:r>
-              <a:rPr lang="en-US" dirty="0"/>
-              <a:t>File trigger </a:t>
-            </a:r>
-            <a:r>
-              <a:rPr lang="en-US" dirty="0">
-                <a:sym typeface="Wingdings" panose="05000000000000000000" pitchFamily="2" charset="2"/>
-              </a:rPr>
-              <a:t> Run code each time a new file is upload to a certain folder</a:t>
-            </a:r>
-          </a:p>
-          <a:p>
-            <a:pPr marL="742950" lvl="1" indent="-285750">
-              <a:buFont typeface="Arial" panose="020B0604020202020204" pitchFamily="34" charset="0"/>
-              <a:buChar char="•"/>
-            </a:pPr>
-            <a:r>
-              <a:rPr lang="en-US" dirty="0"/>
-              <a:t>…</a:t>
-            </a:r>
-          </a:p>
-          <a:p>
-            <a:pPr marL="742950" lvl="1" indent="-285750">
-              <a:buFont typeface="Arial" panose="020B0604020202020204" pitchFamily="34" charset="0"/>
-              <a:buChar char="•"/>
-            </a:pPr>
-            <a:endParaRPr lang="en-US" sz="2200" dirty="0"/>
-          </a:p>
-          <a:p>
-            <a:pPr marL="285750" indent="-285750">
-              <a:buFont typeface="Arial" panose="020B0604020202020204" pitchFamily="34" charset="0"/>
-              <a:buChar char="•"/>
-            </a:pPr>
-            <a:r>
-              <a:rPr lang="en-US" dirty="0"/>
-              <a:t>Short execution tasks (max. 5 minutes)</a:t>
-            </a:r>
-          </a:p>
-          <a:p>
-            <a:pPr marL="285750" indent="-285750">
-              <a:buFont typeface="Arial" panose="020B0604020202020204" pitchFamily="34" charset="0"/>
-              <a:buChar char="•"/>
-            </a:pPr>
-            <a:endParaRPr lang="en-US" dirty="0"/>
-          </a:p>
-          <a:p>
-            <a:pPr marL="285750" indent="-285750">
-              <a:buFont typeface="Arial" panose="020B0604020202020204" pitchFamily="34" charset="0"/>
-              <a:buChar char="•"/>
-            </a:pPr>
-            <a:r>
-              <a:rPr lang="en-US" dirty="0"/>
-              <a:t>For R, a base docker image has to be provided once</a:t>
-            </a:r>
-            <a:br>
-              <a:rPr lang="en-US" dirty="0"/>
-            </a:br>
-            <a:r>
-              <a:rPr lang="en-US" dirty="0"/>
-              <a:t>(Python, Java, C#, </a:t>
-            </a:r>
-            <a:r>
-              <a:rPr lang="en-US" dirty="0" err="1"/>
-              <a:t>Javascript</a:t>
-            </a:r>
-            <a:r>
-              <a:rPr lang="en-US" dirty="0"/>
-              <a:t>, </a:t>
-            </a:r>
-            <a:r>
-              <a:rPr lang="en-US" dirty="0" err="1"/>
-              <a:t>powershell</a:t>
-            </a:r>
-            <a:r>
-              <a:rPr lang="en-US" dirty="0"/>
-              <a:t>, … are natively supported)</a:t>
-            </a:r>
-          </a:p>
-          <a:p>
-            <a:endParaRPr lang="en-US" sz="2200" dirty="0"/>
-          </a:p>
-          <a:p>
-            <a:endParaRPr lang="en-US" sz="2200" dirty="0"/>
-          </a:p>
-          <a:p>
-            <a:endParaRPr lang="en-US" sz="2200" dirty="0"/>
-          </a:p>
-          <a:p>
-            <a:endParaRPr lang="nl-BE" sz="2200" dirty="0"/>
           </a:p>
         </p:txBody>
       </p:sp>
     </p:spTree>
     <p:extLst>
       <p:ext uri="{BB962C8B-B14F-4D97-AF65-F5344CB8AC3E}">
-        <p14:creationId xmlns:p14="http://schemas.microsoft.com/office/powerpoint/2010/main" val="1176131441"/>
+        <p14:creationId xmlns:p14="http://schemas.microsoft.com/office/powerpoint/2010/main" val="2402903790"/>
       </p:ext>
     </p:extLst>
   </p:cSld>
@@ -6515,193 +6473,69 @@
       </p:grpSpPr>
       <p:sp>
         <p:nvSpPr>
-          <p:cNvPr id="2" name="Title 1">
-            <a:extLst>
-              <a:ext uri="{FF2B5EF4-FFF2-40B4-BE49-F238E27FC236}">
-                <a16:creationId xmlns:a16="http://schemas.microsoft.com/office/drawing/2014/main" id="{E8FA3960-B46A-4B56-B57C-C762F7E1BF95}"/>
-              </a:ext>
-            </a:extLst>
-          </p:cNvPr>
-          <p:cNvSpPr>
-            <a:spLocks noGrp="1"/>
-          </p:cNvSpPr>
-          <p:nvPr>
-            <p:ph type="title"/>
-          </p:nvPr>
-        </p:nvSpPr>
-        <p:spPr/>
-        <p:txBody>
-          <a:bodyPr/>
-          <a:lstStyle/>
-          <a:p>
-            <a:r>
-              <a:rPr lang="en-US" dirty="0"/>
-              <a:t>Provision Azure functions</a:t>
-            </a:r>
-            <a:endParaRPr lang="nl-BE" dirty="0"/>
-          </a:p>
-        </p:txBody>
-      </p:sp>
-      <p:sp>
-        <p:nvSpPr>
-          <p:cNvPr id="3" name="Content Placeholder 2">
-            <a:extLst>
-              <a:ext uri="{FF2B5EF4-FFF2-40B4-BE49-F238E27FC236}">
-                <a16:creationId xmlns:a16="http://schemas.microsoft.com/office/drawing/2014/main" id="{D35AACF7-D21B-47FD-939E-4047EBA44207}"/>
-              </a:ext>
-            </a:extLst>
-          </p:cNvPr>
-          <p:cNvSpPr>
-            <a:spLocks noGrp="1"/>
-          </p:cNvSpPr>
-          <p:nvPr>
-            <p:ph idx="1"/>
-          </p:nvPr>
-        </p:nvSpPr>
-        <p:spPr/>
-        <p:txBody>
-          <a:bodyPr>
-            <a:normAutofit lnSpcReduction="10000"/>
+          <p:cNvPr id="4" name="Rectangle 3">
+            <a:extLst>
+              <a:ext uri="{FF2B5EF4-FFF2-40B4-BE49-F238E27FC236}">
+                <a16:creationId xmlns:a16="http://schemas.microsoft.com/office/drawing/2014/main" id="{F95B40D4-8AC1-4ED5-BD3E-4821B14D4E6D}"/>
+              </a:ext>
+            </a:extLst>
+          </p:cNvPr>
+          <p:cNvSpPr/>
+          <p:nvPr/>
+        </p:nvSpPr>
+        <p:spPr>
+          <a:xfrm>
+            <a:off x="3806604" y="2967335"/>
+            <a:ext cx="4578818" cy="923330"/>
+          </a:xfrm>
+          <a:prstGeom prst="rect">
+            <a:avLst/>
+          </a:prstGeom>
+          <a:noFill/>
+        </p:spPr>
+        <p:txBody>
+          <a:bodyPr wrap="none" lIns="91440" tIns="45720" rIns="91440" bIns="45720">
+            <a:spAutoFit/>
           </a:bodyPr>
           <a:lstStyle/>
           <a:p>
-            <a:pPr marL="0" indent="0">
-              <a:buNone/>
-            </a:pPr>
-            <a:r>
-              <a:rPr lang="en-US" dirty="0"/>
-              <a:t>Parameters (1/2):</a:t>
-            </a:r>
-          </a:p>
-          <a:p>
-            <a:pPr lvl="1"/>
-            <a:r>
-              <a:rPr lang="en-US" dirty="0"/>
-              <a:t>Subscription: Azure cursus</a:t>
-            </a:r>
-            <a:br>
-              <a:rPr lang="en-US" dirty="0"/>
-            </a:br>
-            <a:endParaRPr lang="en-US" dirty="0"/>
-          </a:p>
-          <a:p>
-            <a:pPr lvl="1"/>
-            <a:r>
-              <a:rPr lang="en-US" dirty="0"/>
-              <a:t>Resource group: &lt;your resource group&gt;</a:t>
-            </a:r>
-            <a:br>
-              <a:rPr lang="en-US" dirty="0"/>
-            </a:br>
-            <a:endParaRPr lang="en-US" dirty="0"/>
-          </a:p>
-          <a:p>
-            <a:pPr lvl="1"/>
-            <a:r>
-              <a:rPr lang="en-US" dirty="0"/>
-              <a:t>Function App name: &lt;your name&gt;</a:t>
-            </a:r>
-            <a:br>
-              <a:rPr lang="en-US" dirty="0"/>
-            </a:br>
-            <a:endParaRPr lang="en-US" dirty="0"/>
-          </a:p>
-          <a:p>
-            <a:pPr lvl="1"/>
-            <a:r>
-              <a:rPr lang="en-US" dirty="0"/>
-              <a:t>Publish: Code </a:t>
-            </a:r>
-            <a:r>
-              <a:rPr lang="en-US" dirty="0">
-                <a:sym typeface="Wingdings" panose="05000000000000000000" pitchFamily="2" charset="2"/>
+            <a:pPr algn="ctr"/>
+            <a:r>
+              <a:rPr lang="en-US" sz="5400" dirty="0">
+                <a:ln w="0"/>
+                <a:solidFill>
+                  <a:schemeClr val="accent2"/>
+                </a:solidFill>
+                <a:effectLst>
+                  <a:outerShdw blurRad="38100" dist="25400" dir="5400000" algn="ctr" rotWithShape="0">
+                    <a:srgbClr val="6E747A">
+                      <a:alpha val="43000"/>
+                    </a:srgbClr>
+                  </a:outerShdw>
+                </a:effectLst>
               </a:rPr>
-              <a:t> Deploy the app as a zip file (alternative use a docker container)</a:t>
-            </a:r>
-            <a:br>
-              <a:rPr lang="en-US" dirty="0">
-                <a:sym typeface="Wingdings" panose="05000000000000000000" pitchFamily="2" charset="2"/>
-              </a:rPr>
-            </a:br>
-            <a:endParaRPr lang="en-US" dirty="0">
-              <a:sym typeface="Wingdings" panose="05000000000000000000" pitchFamily="2" charset="2"/>
+              <a:t>Azure functions</a:t>
+            </a:r>
+            <a:endParaRPr lang="en-US" sz="5400" b="0" cap="none" spc="0" dirty="0">
+              <a:ln w="0"/>
+              <a:solidFill>
+                <a:schemeClr val="accent2"/>
+              </a:solidFill>
+              <a:effectLst>
+                <a:outerShdw blurRad="38100" dist="25400" dir="5400000" algn="ctr" rotWithShape="0">
+                  <a:srgbClr val="6E747A">
+                    <a:alpha val="43000"/>
+                  </a:srgbClr>
+                </a:outerShdw>
+              </a:effectLst>
             </a:endParaRPr>
-          </a:p>
-          <a:p>
-            <a:pPr lvl="1"/>
-            <a:r>
-              <a:rPr lang="en-US" dirty="0">
-                <a:sym typeface="Wingdings" panose="05000000000000000000" pitchFamily="2" charset="2"/>
-              </a:rPr>
-              <a:t>Runtime: Python 3.9</a:t>
-            </a:r>
-          </a:p>
-          <a:p>
-            <a:pPr lvl="1"/>
-            <a:endParaRPr lang="en-US" dirty="0">
-              <a:sym typeface="Wingdings" panose="05000000000000000000" pitchFamily="2" charset="2"/>
-            </a:endParaRPr>
-          </a:p>
-          <a:p>
-            <a:pPr lvl="1"/>
-            <a:r>
-              <a:rPr lang="en-US" dirty="0">
-                <a:sym typeface="Wingdings" panose="05000000000000000000" pitchFamily="2" charset="2"/>
-              </a:rPr>
-              <a:t>Region: West Europe</a:t>
-            </a:r>
-          </a:p>
-          <a:p>
-            <a:pPr lvl="1"/>
-            <a:endParaRPr lang="en-US" dirty="0">
-              <a:sym typeface="Wingdings" panose="05000000000000000000" pitchFamily="2" charset="2"/>
-            </a:endParaRPr>
-          </a:p>
-          <a:p>
-            <a:pPr lvl="1"/>
-            <a:r>
-              <a:rPr lang="en-US" dirty="0">
-                <a:sym typeface="Wingdings" panose="05000000000000000000" pitchFamily="2" charset="2"/>
-              </a:rPr>
-              <a:t>Operating system: Linux</a:t>
-            </a:r>
-          </a:p>
-          <a:p>
-            <a:pPr lvl="1"/>
-            <a:endParaRPr lang="en-US" dirty="0">
-              <a:sym typeface="Wingdings" panose="05000000000000000000" pitchFamily="2" charset="2"/>
-            </a:endParaRPr>
-          </a:p>
-          <a:p>
-            <a:pPr lvl="1"/>
-            <a:r>
-              <a:rPr lang="en-US" dirty="0">
-                <a:sym typeface="Wingdings" panose="05000000000000000000" pitchFamily="2" charset="2"/>
-              </a:rPr>
-              <a:t>Plan: Consumption (serverless)</a:t>
-            </a:r>
-            <a:br>
-              <a:rPr lang="en-US" dirty="0">
-                <a:sym typeface="Wingdings" panose="05000000000000000000" pitchFamily="2" charset="2"/>
-              </a:rPr>
-            </a:br>
-            <a:r>
-              <a:rPr lang="en-US" dirty="0">
-                <a:sym typeface="Wingdings" panose="05000000000000000000" pitchFamily="2" charset="2"/>
-              </a:rPr>
-              <a:t>Azure will manage the compute resources for you and scale them based on your demand</a:t>
-            </a:r>
-            <a:endParaRPr lang="en-US" dirty="0"/>
-          </a:p>
-          <a:p>
-            <a:endParaRPr lang="nl-BE" dirty="0"/>
           </a:p>
         </p:txBody>
       </p:sp>
     </p:spTree>
     <p:extLst>
       <p:ext uri="{BB962C8B-B14F-4D97-AF65-F5344CB8AC3E}">
-        <p14:creationId xmlns:p14="http://schemas.microsoft.com/office/powerpoint/2010/main" val="2059654243"/>
+        <p14:creationId xmlns:p14="http://schemas.microsoft.com/office/powerpoint/2010/main" val="3147854342"/>
       </p:ext>
     </p:extLst>
   </p:cSld>
@@ -6730,10 +6564,10 @@
       </p:grpSpPr>
       <p:sp>
         <p:nvSpPr>
-          <p:cNvPr id="2" name="Title 1">
-            <a:extLst>
-              <a:ext uri="{FF2B5EF4-FFF2-40B4-BE49-F238E27FC236}">
-                <a16:creationId xmlns:a16="http://schemas.microsoft.com/office/drawing/2014/main" id="{E8FA3960-B46A-4B56-B57C-C762F7E1BF95}"/>
+          <p:cNvPr id="5" name="Title 5">
+            <a:extLst>
+              <a:ext uri="{FF2B5EF4-FFF2-40B4-BE49-F238E27FC236}">
+                <a16:creationId xmlns:a16="http://schemas.microsoft.com/office/drawing/2014/main" id="{FAF41BCC-C7BA-43A3-936E-74072B203176}"/>
               </a:ext>
             </a:extLst>
           </p:cNvPr>
@@ -6744,137 +6578,268 @@
             <p:ph type="title"/>
           </p:nvPr>
         </p:nvSpPr>
-        <p:spPr/>
+        <p:spPr>
+          <a:xfrm>
+            <a:off x="95250" y="-142875"/>
+            <a:ext cx="10515600" cy="1325563"/>
+          </a:xfrm>
+        </p:spPr>
         <p:txBody>
           <a:bodyPr/>
           <a:lstStyle/>
           <a:p>
             <a:r>
               <a:rPr lang="en-US" dirty="0"/>
-              <a:t>Provision Azure functions</a:t>
+              <a:t>Azure functions</a:t>
             </a:r>
             <a:endParaRPr lang="nl-BE" dirty="0"/>
           </a:p>
         </p:txBody>
       </p:sp>
-      <p:sp>
-        <p:nvSpPr>
-          <p:cNvPr id="3" name="Content Placeholder 2">
-            <a:extLst>
-              <a:ext uri="{FF2B5EF4-FFF2-40B4-BE49-F238E27FC236}">
-                <a16:creationId xmlns:a16="http://schemas.microsoft.com/office/drawing/2014/main" id="{D35AACF7-D21B-47FD-939E-4047EBA44207}"/>
-              </a:ext>
-            </a:extLst>
-          </p:cNvPr>
-          <p:cNvSpPr>
-            <a:spLocks noGrp="1"/>
-          </p:cNvSpPr>
-          <p:nvPr>
-            <p:ph idx="1"/>
-          </p:nvPr>
-        </p:nvSpPr>
-        <p:spPr/>
-        <p:txBody>
-          <a:bodyPr>
-            <a:normAutofit/>
+      <p:pic>
+        <p:nvPicPr>
+          <p:cNvPr id="24" name="Picture 4" descr="How to set environment variables for use with an Azure Function - Azure Greg">
+            <a:extLst>
+              <a:ext uri="{FF2B5EF4-FFF2-40B4-BE49-F238E27FC236}">
+                <a16:creationId xmlns:a16="http://schemas.microsoft.com/office/drawing/2014/main" id="{1BD2F1BF-B384-4FD3-826C-238EA243626E}"/>
+              </a:ext>
+            </a:extLst>
+          </p:cNvPr>
+          <p:cNvPicPr>
+            <a:picLocks noChangeAspect="1" noChangeArrowheads="1"/>
+          </p:cNvPicPr>
+          <p:nvPr/>
+        </p:nvPicPr>
+        <p:blipFill>
+          <a:blip r:embed="rId2">
+            <a:clrChange>
+              <a:clrFrom>
+                <a:srgbClr val="FFFFFF"/>
+              </a:clrFrom>
+              <a:clrTo>
+                <a:srgbClr val="FFFFFF">
+                  <a:alpha val="0"/>
+                </a:srgbClr>
+              </a:clrTo>
+            </a:clrChange>
+            <a:extLst>
+              <a:ext uri="{28A0092B-C50C-407E-A947-70E740481C1C}">
+                <a14:useLocalDpi xmlns:a14="http://schemas.microsoft.com/office/drawing/2010/main" val="0"/>
+              </a:ext>
+            </a:extLst>
+          </a:blip>
+          <a:srcRect/>
+          <a:stretch>
+            <a:fillRect/>
+          </a:stretch>
+        </p:blipFill>
+        <p:spPr bwMode="auto">
+          <a:xfrm>
+            <a:off x="-641858" y="1429279"/>
+            <a:ext cx="3957662" cy="1935679"/>
+          </a:xfrm>
+          <a:prstGeom prst="rect">
+            <a:avLst/>
+          </a:prstGeom>
+          <a:noFill/>
+          <a:extLst>
+            <a:ext uri="{909E8E84-426E-40DD-AFC4-6F175D3DCCD1}">
+              <a14:hiddenFill xmlns:a14="http://schemas.microsoft.com/office/drawing/2010/main">
+                <a:solidFill>
+                  <a:srgbClr val="FFFFFF"/>
+                </a:solidFill>
+              </a14:hiddenFill>
+            </a:ext>
+          </a:extLst>
+        </p:spPr>
+      </p:pic>
+      <p:sp>
+        <p:nvSpPr>
+          <p:cNvPr id="2" name="TextBox 1">
+            <a:extLst>
+              <a:ext uri="{FF2B5EF4-FFF2-40B4-BE49-F238E27FC236}">
+                <a16:creationId xmlns:a16="http://schemas.microsoft.com/office/drawing/2014/main" id="{B6B3358F-3707-43B4-958A-39DA5373F5FD}"/>
+              </a:ext>
+            </a:extLst>
+          </p:cNvPr>
+          <p:cNvSpPr txBox="1"/>
+          <p:nvPr/>
+        </p:nvSpPr>
+        <p:spPr>
+          <a:xfrm>
+            <a:off x="2694786" y="1566242"/>
+            <a:ext cx="7718780" cy="5293757"/>
+          </a:xfrm>
+          <a:prstGeom prst="rect">
+            <a:avLst/>
+          </a:prstGeom>
+          <a:noFill/>
+        </p:spPr>
+        <p:txBody>
+          <a:bodyPr wrap="none" rtlCol="0">
+            <a:spAutoFit/>
           </a:bodyPr>
           <a:lstStyle/>
           <a:p>
-            <a:pPr marL="0" indent="0">
-              <a:buNone/>
-            </a:pPr>
-            <a:r>
-              <a:rPr lang="en-US" dirty="0"/>
-              <a:t>Parameters (2/2):</a:t>
-            </a:r>
-          </a:p>
-          <a:p>
-            <a:pPr lvl="1"/>
-            <a:r>
-              <a:rPr lang="en-US" dirty="0"/>
-              <a:t>Storage: &lt;the storage account created earlier&gt;</a:t>
+            <a:r>
+              <a:rPr lang="en-US" sz="2200" dirty="0"/>
+              <a:t>Azure functions provides event driven, serverless code execution</a:t>
             </a:r>
             <a:br>
-              <a:rPr lang="en-US" dirty="0"/>
+              <a:rPr lang="en-US" sz="2200" dirty="0"/>
             </a:br>
             <a:r>
-              <a:rPr lang="en-US" dirty="0"/>
-              <a:t>Azure will create a container in this storage account to store files required by the function app (e.g. source code)</a:t>
-            </a:r>
-          </a:p>
-          <a:p>
-            <a:pPr lvl="1"/>
-            <a:endParaRPr lang="en-US" dirty="0"/>
-          </a:p>
-          <a:p>
-            <a:pPr lvl="1"/>
-            <a:r>
-              <a:rPr lang="en-US" dirty="0"/>
-              <a:t>Networking: Use defaults</a:t>
-            </a:r>
-          </a:p>
-          <a:p>
-            <a:pPr lvl="1"/>
-            <a:endParaRPr lang="en-US" dirty="0"/>
-          </a:p>
-          <a:p>
-            <a:pPr lvl="1"/>
-            <a:r>
-              <a:rPr lang="en-US" dirty="0"/>
-              <a:t>Monitoring: </a:t>
-            </a:r>
-          </a:p>
-          <a:p>
-            <a:pPr lvl="2"/>
-            <a:r>
-              <a:rPr lang="en-US" dirty="0"/>
-              <a:t>Enable Application Insights: Yes </a:t>
+              <a:rPr lang="en-US" sz="2200" dirty="0"/>
+              <a:t>(equivalent of AWS Lambda)</a:t>
+            </a:r>
+          </a:p>
+          <a:p>
+            <a:endParaRPr lang="en-US" sz="2200" dirty="0"/>
+          </a:p>
+          <a:p>
+            <a:pPr marL="285750" indent="-285750">
+              <a:buFont typeface="Arial" panose="020B0604020202020204" pitchFamily="34" charset="0"/>
+              <a:buChar char="•"/>
+            </a:pPr>
+            <a:r>
+              <a:rPr lang="en-US" dirty="0"/>
+              <a:t>Triggers:</a:t>
+            </a:r>
+          </a:p>
+          <a:p>
+            <a:pPr marL="742950" lvl="1" indent="-285750">
+              <a:buFont typeface="Arial" panose="020B0604020202020204" pitchFamily="34" charset="0"/>
+              <a:buChar char="•"/>
+            </a:pPr>
+            <a:r>
+              <a:rPr lang="en-US" dirty="0"/>
+              <a:t>Time trigger </a:t>
             </a:r>
             <a:r>
               <a:rPr lang="en-US" dirty="0">
                 <a:sym typeface="Wingdings" panose="05000000000000000000" pitchFamily="2" charset="2"/>
               </a:rPr>
-              <a:t> Azure stores the logs of your function app</a:t>
-            </a:r>
-          </a:p>
-          <a:p>
-            <a:pPr lvl="2"/>
+              <a:t> Run once a day at midnight</a:t>
+            </a:r>
+            <a:endParaRPr lang="en-US" dirty="0"/>
+          </a:p>
+          <a:p>
+            <a:pPr marL="742950" lvl="1" indent="-285750">
+              <a:buFont typeface="Arial" panose="020B0604020202020204" pitchFamily="34" charset="0"/>
+              <a:buChar char="•"/>
+            </a:pPr>
+            <a:r>
+              <a:rPr lang="en-US" dirty="0"/>
+              <a:t>HTTP trigger </a:t>
+            </a:r>
             <a:r>
               <a:rPr lang="en-US" dirty="0">
                 <a:sym typeface="Wingdings" panose="05000000000000000000" pitchFamily="2" charset="2"/>
               </a:rPr>
-              <a:t>Create new application insights with your name</a:t>
-            </a:r>
-          </a:p>
-          <a:p>
-            <a:pPr lvl="2"/>
-            <a:endParaRPr lang="en-US" dirty="0">
-              <a:sym typeface="Wingdings" panose="05000000000000000000" pitchFamily="2" charset="2"/>
-            </a:endParaRPr>
-          </a:p>
-          <a:p>
-            <a:pPr lvl="1"/>
+              <a:t> build an API</a:t>
+            </a:r>
+          </a:p>
+          <a:p>
+            <a:pPr marL="742950" lvl="1" indent="-285750">
+              <a:buFont typeface="Arial" panose="020B0604020202020204" pitchFamily="34" charset="0"/>
+              <a:buChar char="•"/>
+            </a:pPr>
+            <a:r>
+              <a:rPr lang="en-US" dirty="0"/>
+              <a:t>File trigger </a:t>
+            </a:r>
             <a:r>
               <a:rPr lang="en-US" dirty="0">
                 <a:sym typeface="Wingdings" panose="05000000000000000000" pitchFamily="2" charset="2"/>
               </a:rPr>
-              <a:t>Continuous deployment: disabled  Very useful in practice, to automatically update your function app when the main branch of the corresponding git repository is updated</a:t>
+              <a:t> Run code each time a new file is upload to a certain folder</a:t>
+            </a:r>
+          </a:p>
+          <a:p>
+            <a:pPr marL="742950" lvl="1" indent="-285750">
+              <a:buFont typeface="Arial" panose="020B0604020202020204" pitchFamily="34" charset="0"/>
+              <a:buChar char="•"/>
+            </a:pPr>
+            <a:r>
+              <a:rPr lang="en-US" dirty="0"/>
+              <a:t>…</a:t>
+            </a:r>
+          </a:p>
+          <a:p>
+            <a:pPr marL="742950" lvl="1" indent="-285750">
+              <a:buFont typeface="Arial" panose="020B0604020202020204" pitchFamily="34" charset="0"/>
+              <a:buChar char="•"/>
+            </a:pPr>
+            <a:endParaRPr lang="en-US" sz="2200" dirty="0"/>
+          </a:p>
+          <a:p>
+            <a:pPr marL="285750" indent="-285750">
+              <a:buFont typeface="Arial" panose="020B0604020202020204" pitchFamily="34" charset="0"/>
+              <a:buChar char="•"/>
+            </a:pPr>
+            <a:r>
+              <a:rPr lang="en-US" dirty="0"/>
+              <a:t>Short execution tasks (max. 5 minutes)</a:t>
+            </a:r>
+          </a:p>
+          <a:p>
+            <a:pPr marL="285750" indent="-285750">
+              <a:buFont typeface="Arial" panose="020B0604020202020204" pitchFamily="34" charset="0"/>
+              <a:buChar char="•"/>
+            </a:pPr>
+            <a:endParaRPr lang="en-US" dirty="0"/>
+          </a:p>
+          <a:p>
+            <a:pPr marL="285750" indent="-285750">
+              <a:buFont typeface="Arial" panose="020B0604020202020204" pitchFamily="34" charset="0"/>
+              <a:buChar char="•"/>
+            </a:pPr>
+            <a:r>
+              <a:rPr lang="en-US" dirty="0"/>
+              <a:t>For R, a base docker image has to be provided once</a:t>
             </a:r>
             <a:br>
               <a:rPr lang="en-US" dirty="0"/>
             </a:br>
-            <a:endParaRPr lang="en-US" dirty="0"/>
-          </a:p>
-          <a:p>
-            <a:pPr lvl="1"/>
-            <a:endParaRPr lang="nl-BE" dirty="0"/>
+            <a:r>
+              <a:rPr lang="en-US" dirty="0"/>
+              <a:t>(Python, Java, C#, </a:t>
+            </a:r>
+            <a:r>
+              <a:rPr lang="en-US" dirty="0" err="1"/>
+              <a:t>Javascript</a:t>
+            </a:r>
+            <a:r>
+              <a:rPr lang="en-US" dirty="0"/>
+              <a:t>, </a:t>
+            </a:r>
+            <a:r>
+              <a:rPr lang="en-US" dirty="0" err="1"/>
+              <a:t>powershell</a:t>
+            </a:r>
+            <a:r>
+              <a:rPr lang="en-US" dirty="0"/>
+              <a:t>, … are natively supported)</a:t>
+            </a:r>
+          </a:p>
+          <a:p>
+            <a:endParaRPr lang="en-US" sz="2200" dirty="0"/>
+          </a:p>
+          <a:p>
+            <a:endParaRPr lang="en-US" sz="2200" dirty="0"/>
+          </a:p>
+          <a:p>
+            <a:endParaRPr lang="en-US" sz="2200" dirty="0"/>
+          </a:p>
+          <a:p>
+            <a:endParaRPr lang="nl-BE" sz="2200" dirty="0"/>
           </a:p>
         </p:txBody>
       </p:sp>
     </p:spTree>
     <p:extLst>
       <p:ext uri="{BB962C8B-B14F-4D97-AF65-F5344CB8AC3E}">
-        <p14:creationId xmlns:p14="http://schemas.microsoft.com/office/powerpoint/2010/main" val="3716037640"/>
+        <p14:creationId xmlns:p14="http://schemas.microsoft.com/office/powerpoint/2010/main" val="1176131441"/>
       </p:ext>
     </p:extLst>
   </p:cSld>
@@ -6906,7 +6871,7 @@
           <p:cNvPr id="2" name="Title 1">
             <a:extLst>
               <a:ext uri="{FF2B5EF4-FFF2-40B4-BE49-F238E27FC236}">
-                <a16:creationId xmlns:a16="http://schemas.microsoft.com/office/drawing/2014/main" id="{B7F157CD-B07D-4606-9B12-6243D154429C}"/>
+                <a16:creationId xmlns:a16="http://schemas.microsoft.com/office/drawing/2014/main" id="{E8FA3960-B46A-4B56-B57C-C762F7E1BF95}"/>
               </a:ext>
             </a:extLst>
           </p:cNvPr>
@@ -6924,7 +6889,7 @@
           <a:p>
             <a:r>
               <a:rPr lang="en-US" dirty="0"/>
-              <a:t>Construction plan</a:t>
+              <a:t>Provision Azure functions</a:t>
             </a:r>
             <a:endParaRPr lang="nl-BE" dirty="0"/>
           </a:p>
@@ -6935,7 +6900,7 @@
           <p:cNvPr id="3" name="Content Placeholder 2">
             <a:extLst>
               <a:ext uri="{FF2B5EF4-FFF2-40B4-BE49-F238E27FC236}">
-                <a16:creationId xmlns:a16="http://schemas.microsoft.com/office/drawing/2014/main" id="{0AA28745-C46D-4074-8820-BB893AD00777}"/>
+                <a16:creationId xmlns:a16="http://schemas.microsoft.com/office/drawing/2014/main" id="{D35AACF7-D21B-47FD-939E-4047EBA44207}"/>
               </a:ext>
             </a:extLst>
           </p:cNvPr>
@@ -6948,7 +6913,9 @@
         </p:nvSpPr>
         <p:spPr/>
         <p:txBody>
-          <a:bodyPr/>
+          <a:bodyPr>
+            <a:normAutofit lnSpcReduction="10000"/>
+          </a:bodyPr>
           <a:lstStyle/>
           <a:p>
             <a:pPr marL="0" indent="0">
@@ -6956,110 +6923,130 @@
             </a:pPr>
             <a:r>
               <a:rPr lang="en-US" dirty="0"/>
-              <a:t>We will create the following Azure functions:</a:t>
-            </a:r>
-          </a:p>
-          <a:p>
-            <a:pPr marL="0" indent="0">
-              <a:buNone/>
-            </a:pPr>
+              <a:t>Parameters (1/2):</a:t>
+            </a:r>
+          </a:p>
+          <a:p>
+            <a:pPr lvl="1"/>
+            <a:r>
+              <a:rPr lang="en-US" dirty="0"/>
+              <a:t>Subscription: Azure cursus</a:t>
+            </a:r>
+            <a:br>
+              <a:rPr lang="en-US" dirty="0"/>
+            </a:br>
             <a:endParaRPr lang="en-US" dirty="0"/>
           </a:p>
           <a:p>
-            <a:pPr marL="914400" lvl="1" indent="-457200">
-              <a:buAutoNum type="arabicPeriod"/>
-            </a:pPr>
-            <a:r>
-              <a:rPr lang="en-US" dirty="0"/>
-              <a:t>time: Http endpoint, returns the current time</a:t>
-            </a:r>
-          </a:p>
-          <a:p>
-            <a:pPr marL="914400" lvl="1" indent="-457200">
-              <a:buAutoNum type="arabicPeriod"/>
-            </a:pPr>
+            <a:pPr lvl="1"/>
+            <a:r>
+              <a:rPr lang="en-US" dirty="0"/>
+              <a:t>Resource group: &lt;your resource group&gt;</a:t>
+            </a:r>
+            <a:br>
+              <a:rPr lang="en-US" dirty="0"/>
+            </a:br>
             <a:endParaRPr lang="en-US" dirty="0"/>
           </a:p>
           <a:p>
-            <a:pPr marL="914400" lvl="1" indent="-457200">
-              <a:buAutoNum type="arabicPeriod"/>
-            </a:pPr>
-            <a:r>
-              <a:rPr lang="en-US" dirty="0"/>
-              <a:t>sum/{a}/{b}: Http endpoint, takes two input parameters and returns the sum</a:t>
-            </a:r>
-          </a:p>
-          <a:p>
-            <a:pPr marL="914400" lvl="1" indent="-457200">
-              <a:buAutoNum type="arabicPeriod"/>
-            </a:pPr>
+            <a:pPr lvl="1"/>
+            <a:r>
+              <a:rPr lang="en-US" dirty="0"/>
+              <a:t>Function App name: &lt;your name&gt;</a:t>
+            </a:r>
+            <a:br>
+              <a:rPr lang="en-US" dirty="0"/>
+            </a:br>
             <a:endParaRPr lang="en-US" dirty="0"/>
           </a:p>
           <a:p>
-            <a:pPr marL="914400" lvl="1" indent="-457200">
-              <a:buAutoNum type="arabicPeriod"/>
-            </a:pPr>
-            <a:r>
-              <a:rPr lang="en-US" dirty="0"/>
-              <a:t>secret/{secret}: Returns the value of the corresponding secret in our </a:t>
-            </a:r>
-            <a:r>
-              <a:rPr lang="en-US" dirty="0" err="1"/>
-              <a:t>keyvault</a:t>
-            </a:r>
-            <a:r>
-              <a:rPr lang="en-US" dirty="0"/>
-              <a:t> </a:t>
-            </a:r>
-          </a:p>
-          <a:p>
-            <a:pPr marL="914400" lvl="1" indent="-457200">
-              <a:buAutoNum type="arabicPeriod"/>
-            </a:pPr>
+            <a:pPr lvl="1"/>
+            <a:r>
+              <a:rPr lang="en-US" dirty="0"/>
+              <a:t>Publish: Code </a:t>
+            </a:r>
+            <a:r>
+              <a:rPr lang="en-US" dirty="0">
+                <a:sym typeface="Wingdings" panose="05000000000000000000" pitchFamily="2" charset="2"/>
+              </a:rPr>
+              <a:t> Deploy the app as a zip file (alternative use a docker container)</a:t>
+            </a:r>
+            <a:br>
+              <a:rPr lang="en-US" dirty="0">
+                <a:sym typeface="Wingdings" panose="05000000000000000000" pitchFamily="2" charset="2"/>
+              </a:rPr>
+            </a:br>
+            <a:endParaRPr lang="en-US" dirty="0">
+              <a:sym typeface="Wingdings" panose="05000000000000000000" pitchFamily="2" charset="2"/>
+            </a:endParaRPr>
+          </a:p>
+          <a:p>
+            <a:pPr lvl="1"/>
+            <a:r>
+              <a:rPr lang="en-US" dirty="0">
+                <a:sym typeface="Wingdings" panose="05000000000000000000" pitchFamily="2" charset="2"/>
+              </a:rPr>
+              <a:t>Runtime: Python 3.9</a:t>
+            </a:r>
+          </a:p>
+          <a:p>
+            <a:pPr lvl="1"/>
+            <a:endParaRPr lang="en-US" dirty="0">
+              <a:sym typeface="Wingdings" panose="05000000000000000000" pitchFamily="2" charset="2"/>
+            </a:endParaRPr>
+          </a:p>
+          <a:p>
+            <a:pPr lvl="1"/>
+            <a:r>
+              <a:rPr lang="en-US" dirty="0">
+                <a:sym typeface="Wingdings" panose="05000000000000000000" pitchFamily="2" charset="2"/>
+              </a:rPr>
+              <a:t>Region: West Europe</a:t>
+            </a:r>
+          </a:p>
+          <a:p>
+            <a:pPr lvl="1"/>
+            <a:endParaRPr lang="en-US" dirty="0">
+              <a:sym typeface="Wingdings" panose="05000000000000000000" pitchFamily="2" charset="2"/>
+            </a:endParaRPr>
+          </a:p>
+          <a:p>
+            <a:pPr lvl="1"/>
+            <a:r>
+              <a:rPr lang="en-US" dirty="0">
+                <a:sym typeface="Wingdings" panose="05000000000000000000" pitchFamily="2" charset="2"/>
+              </a:rPr>
+              <a:t>Operating system: Linux</a:t>
+            </a:r>
+          </a:p>
+          <a:p>
+            <a:pPr lvl="1"/>
+            <a:endParaRPr lang="en-US" dirty="0">
+              <a:sym typeface="Wingdings" panose="05000000000000000000" pitchFamily="2" charset="2"/>
+            </a:endParaRPr>
+          </a:p>
+          <a:p>
+            <a:pPr lvl="1"/>
+            <a:r>
+              <a:rPr lang="en-US" dirty="0">
+                <a:sym typeface="Wingdings" panose="05000000000000000000" pitchFamily="2" charset="2"/>
+              </a:rPr>
+              <a:t>Plan: Consumption (serverless)</a:t>
+            </a:r>
+            <a:br>
+              <a:rPr lang="en-US" dirty="0">
+                <a:sym typeface="Wingdings" panose="05000000000000000000" pitchFamily="2" charset="2"/>
+              </a:rPr>
+            </a:br>
+            <a:r>
+              <a:rPr lang="en-US" dirty="0">
+                <a:sym typeface="Wingdings" panose="05000000000000000000" pitchFamily="2" charset="2"/>
+              </a:rPr>
+              <a:t>Azure will manage the compute resources for you and scale them based on your demand</a:t>
+            </a:r>
             <a:endParaRPr lang="en-US" dirty="0"/>
           </a:p>
           <a:p>
-            <a:pPr marL="914400" lvl="1" indent="-457200">
-              <a:buAutoNum type="arabicPeriod"/>
-            </a:pPr>
-            <a:r>
-              <a:rPr lang="en-US" dirty="0" err="1"/>
-              <a:t>store_string_in_file</a:t>
-            </a:r>
-            <a:r>
-              <a:rPr lang="en-US" dirty="0"/>
-              <a:t>/{file}/{string}: Http endpoint, creates a file with name {file} and content {string} in the raw container of our storage account</a:t>
-            </a:r>
-          </a:p>
-          <a:p>
-            <a:pPr marL="914400" lvl="1" indent="-457200">
-              <a:buAutoNum type="arabicPeriod"/>
-            </a:pPr>
-            <a:endParaRPr lang="en-US" dirty="0"/>
-          </a:p>
-          <a:p>
-            <a:pPr marL="914400" lvl="1" indent="-457200">
-              <a:buAutoNum type="arabicPeriod"/>
-            </a:pPr>
-            <a:r>
-              <a:rPr lang="en-US" dirty="0" err="1"/>
-              <a:t>move_file_from_raw_to_clean</a:t>
-            </a:r>
-            <a:r>
-              <a:rPr lang="en-US" dirty="0"/>
-              <a:t>: Blob trigger, automatically copies files in the raw container to the clean container</a:t>
-            </a:r>
-          </a:p>
-          <a:p>
-            <a:pPr marL="914400" lvl="1" indent="-457200">
-              <a:buAutoNum type="arabicPeriod"/>
-            </a:pPr>
-            <a:endParaRPr lang="en-US" dirty="0"/>
-          </a:p>
-          <a:p>
-            <a:pPr marL="457200" indent="-457200">
-              <a:buAutoNum type="arabicPeriod"/>
-            </a:pPr>
             <a:endParaRPr lang="nl-BE" dirty="0"/>
           </a:p>
         </p:txBody>
@@ -7067,7 +7054,7 @@
     </p:spTree>
     <p:extLst>
       <p:ext uri="{BB962C8B-B14F-4D97-AF65-F5344CB8AC3E}">
-        <p14:creationId xmlns:p14="http://schemas.microsoft.com/office/powerpoint/2010/main" val="1311890664"/>
+        <p14:creationId xmlns:p14="http://schemas.microsoft.com/office/powerpoint/2010/main" val="2059654243"/>
       </p:ext>
     </p:extLst>
   </p:cSld>
@@ -7099,7 +7086,7 @@
           <p:cNvPr id="2" name="Title 1">
             <a:extLst>
               <a:ext uri="{FF2B5EF4-FFF2-40B4-BE49-F238E27FC236}">
-                <a16:creationId xmlns:a16="http://schemas.microsoft.com/office/drawing/2014/main" id="{B64C23C0-2CDD-475E-BB83-F8DACBCD9481}"/>
+                <a16:creationId xmlns:a16="http://schemas.microsoft.com/office/drawing/2014/main" id="{E8FA3960-B46A-4B56-B57C-C762F7E1BF95}"/>
               </a:ext>
             </a:extLst>
           </p:cNvPr>
@@ -7117,7 +7104,7 @@
           <a:p>
             <a:r>
               <a:rPr lang="en-US" dirty="0"/>
-              <a:t>Azure functions core tools</a:t>
+              <a:t>Provision Azure functions</a:t>
             </a:r>
             <a:endParaRPr lang="nl-BE" dirty="0"/>
           </a:p>
@@ -7128,7 +7115,7 @@
           <p:cNvPr id="3" name="Content Placeholder 2">
             <a:extLst>
               <a:ext uri="{FF2B5EF4-FFF2-40B4-BE49-F238E27FC236}">
-                <a16:creationId xmlns:a16="http://schemas.microsoft.com/office/drawing/2014/main" id="{22AD3086-0B28-49AC-BACA-EFCF699764D8}"/>
+                <a16:creationId xmlns:a16="http://schemas.microsoft.com/office/drawing/2014/main" id="{D35AACF7-D21B-47FD-939E-4047EBA44207}"/>
               </a:ext>
             </a:extLst>
           </p:cNvPr>
@@ -7141,197 +7128,106 @@
         </p:nvSpPr>
         <p:spPr/>
         <p:txBody>
-          <a:bodyPr/>
+          <a:bodyPr>
+            <a:normAutofit/>
+          </a:bodyPr>
           <a:lstStyle/>
           <a:p>
             <a:pPr marL="0" indent="0">
               <a:buNone/>
             </a:pPr>
             <a:r>
+              <a:rPr lang="en-US" dirty="0"/>
+              <a:t>Parameters (2/2):</a:t>
+            </a:r>
+          </a:p>
+          <a:p>
+            <a:pPr lvl="1"/>
+            <a:r>
+              <a:rPr lang="en-US" dirty="0"/>
+              <a:t>Storage: &lt;the storage account created earlier&gt;</a:t>
+            </a:r>
+            <a:br>
+              <a:rPr lang="en-US" dirty="0"/>
+            </a:br>
+            <a:r>
+              <a:rPr lang="en-US" dirty="0"/>
+              <a:t>Azure will create a container in this storage account to store files required by the function app (e.g. source code)</a:t>
+            </a:r>
+          </a:p>
+          <a:p>
+            <a:pPr lvl="1"/>
+            <a:endParaRPr lang="en-US" dirty="0"/>
+          </a:p>
+          <a:p>
+            <a:pPr lvl="1"/>
+            <a:r>
+              <a:rPr lang="en-US" dirty="0"/>
+              <a:t>Networking: Use defaults</a:t>
+            </a:r>
+          </a:p>
+          <a:p>
+            <a:pPr lvl="1"/>
+            <a:endParaRPr lang="en-US" dirty="0"/>
+          </a:p>
+          <a:p>
+            <a:pPr lvl="1"/>
+            <a:r>
+              <a:rPr lang="en-US" dirty="0"/>
+              <a:t>Monitoring: </a:t>
+            </a:r>
+          </a:p>
+          <a:p>
+            <a:pPr lvl="2"/>
+            <a:r>
+              <a:rPr lang="en-US" dirty="0"/>
+              <a:t>Enable Application Insights: Yes </a:t>
+            </a:r>
+            <a:r>
               <a:rPr lang="en-US" dirty="0">
-                <a:hlinkClick r:id="rId2"/>
+                <a:sym typeface="Wingdings" panose="05000000000000000000" pitchFamily="2" charset="2"/>
               </a:rPr>
-              <a:t>Azure functions core tools</a:t>
-            </a:r>
-            <a:r>
-              <a:rPr lang="en-US" dirty="0"/>
-              <a:t> provides a CLI for local development of Azure functions</a:t>
-            </a:r>
-          </a:p>
-          <a:p>
-            <a:pPr marL="0" indent="0">
-              <a:buNone/>
-            </a:pPr>
+              <a:t> Azure stores the logs of your function app</a:t>
+            </a:r>
+          </a:p>
+          <a:p>
+            <a:pPr lvl="2"/>
+            <a:r>
+              <a:rPr lang="en-US" dirty="0">
+                <a:sym typeface="Wingdings" panose="05000000000000000000" pitchFamily="2" charset="2"/>
+              </a:rPr>
+              <a:t>Create new application insights with your name</a:t>
+            </a:r>
+          </a:p>
+          <a:p>
+            <a:pPr lvl="2"/>
+            <a:endParaRPr lang="en-US" dirty="0">
+              <a:sym typeface="Wingdings" panose="05000000000000000000" pitchFamily="2" charset="2"/>
+            </a:endParaRPr>
+          </a:p>
+          <a:p>
+            <a:pPr lvl="1"/>
+            <a:r>
+              <a:rPr lang="en-US" dirty="0">
+                <a:sym typeface="Wingdings" panose="05000000000000000000" pitchFamily="2" charset="2"/>
+              </a:rPr>
+              <a:t>Continuous deployment: disabled  Very useful in practice, to automatically update your function app when the main branch of the corresponding git repository is updated</a:t>
+            </a:r>
+            <a:br>
+              <a:rPr lang="en-US" dirty="0"/>
+            </a:br>
             <a:endParaRPr lang="en-US" dirty="0"/>
           </a:p>
           <a:p>
-            <a:pPr marL="0" indent="0">
-              <a:buNone/>
-            </a:pPr>
-            <a:r>
-              <a:rPr lang="en-US" sz="2000" u="sng" dirty="0" err="1">
-                <a:solidFill>
-                  <a:schemeClr val="accent1"/>
-                </a:solidFill>
-              </a:rPr>
-              <a:t>func</a:t>
-            </a:r>
-            <a:r>
-              <a:rPr lang="en-US" sz="2000" u="sng" dirty="0">
-                <a:solidFill>
-                  <a:schemeClr val="accent1"/>
-                </a:solidFill>
-              </a:rPr>
-              <a:t> </a:t>
-            </a:r>
-            <a:r>
-              <a:rPr lang="en-US" sz="2000" u="sng" dirty="0" err="1">
-                <a:solidFill>
-                  <a:schemeClr val="accent1"/>
-                </a:solidFill>
-              </a:rPr>
-              <a:t>init</a:t>
-            </a:r>
-            <a:endParaRPr lang="en-US" sz="2000" u="sng" dirty="0">
-              <a:solidFill>
-                <a:schemeClr val="accent1"/>
-              </a:solidFill>
-            </a:endParaRPr>
-          </a:p>
-          <a:p>
-            <a:pPr marL="0" indent="0">
-              <a:buNone/>
-            </a:pPr>
-            <a:r>
-              <a:rPr lang="en-US" sz="2000" dirty="0"/>
-              <a:t>Generates the code for a new function app in the current directory</a:t>
-            </a:r>
-            <a:br>
-              <a:rPr lang="en-US" sz="2000" dirty="0"/>
-            </a:br>
-            <a:endParaRPr lang="en-US" sz="2000" dirty="0"/>
-          </a:p>
-          <a:p>
-            <a:pPr marL="0" indent="0">
-              <a:buNone/>
-            </a:pPr>
-            <a:r>
-              <a:rPr lang="en-US" sz="2000" u="sng" dirty="0" err="1">
-                <a:solidFill>
-                  <a:schemeClr val="accent1"/>
-                </a:solidFill>
-              </a:rPr>
-              <a:t>func</a:t>
-            </a:r>
-            <a:r>
-              <a:rPr lang="en-US" sz="2000" u="sng" dirty="0">
-                <a:solidFill>
-                  <a:schemeClr val="accent1"/>
-                </a:solidFill>
-              </a:rPr>
-              <a:t> new</a:t>
-            </a:r>
-          </a:p>
-          <a:p>
-            <a:pPr marL="0" indent="0">
-              <a:buNone/>
-            </a:pPr>
-            <a:r>
-              <a:rPr lang="en-US" sz="2000" dirty="0"/>
-              <a:t>Add a function to the function app</a:t>
-            </a:r>
-            <a:br>
-              <a:rPr lang="en-US" sz="2000" dirty="0"/>
-            </a:br>
-            <a:endParaRPr lang="en-US" sz="2000" dirty="0"/>
-          </a:p>
-          <a:p>
-            <a:pPr marL="0" indent="0">
-              <a:buNone/>
-            </a:pPr>
-            <a:r>
-              <a:rPr lang="en-US" sz="2000" u="sng" dirty="0" err="1">
-                <a:solidFill>
-                  <a:schemeClr val="accent1"/>
-                </a:solidFill>
-              </a:rPr>
-              <a:t>func</a:t>
-            </a:r>
-            <a:r>
-              <a:rPr lang="en-US" sz="2000" u="sng" dirty="0">
-                <a:solidFill>
-                  <a:schemeClr val="accent1"/>
-                </a:solidFill>
-              </a:rPr>
-              <a:t> start</a:t>
-            </a:r>
-          </a:p>
-          <a:p>
-            <a:pPr marL="0" indent="0">
-              <a:buNone/>
-            </a:pPr>
-            <a:r>
-              <a:rPr lang="en-US" sz="2000" dirty="0"/>
-              <a:t>Run your function app locally</a:t>
-            </a:r>
-            <a:br>
-              <a:rPr lang="en-US" sz="2000" dirty="0"/>
-            </a:br>
-            <a:endParaRPr lang="en-US" sz="2000" dirty="0"/>
-          </a:p>
-          <a:p>
-            <a:pPr marL="0" indent="0">
-              <a:buNone/>
-            </a:pPr>
-            <a:r>
-              <a:rPr lang="en-US" sz="2000" u="sng" dirty="0" err="1">
-                <a:solidFill>
-                  <a:schemeClr val="accent1"/>
-                </a:solidFill>
-              </a:rPr>
-              <a:t>func</a:t>
-            </a:r>
-            <a:r>
-              <a:rPr lang="en-US" sz="2000" u="sng" dirty="0">
-                <a:solidFill>
-                  <a:schemeClr val="accent1"/>
-                </a:solidFill>
-              </a:rPr>
-              <a:t> azure </a:t>
-            </a:r>
-            <a:r>
-              <a:rPr lang="en-US" sz="2000" u="sng" dirty="0" err="1">
-                <a:solidFill>
-                  <a:schemeClr val="accent1"/>
-                </a:solidFill>
-              </a:rPr>
-              <a:t>functionapp</a:t>
-            </a:r>
-            <a:r>
-              <a:rPr lang="en-US" sz="2000" u="sng" dirty="0">
-                <a:solidFill>
-                  <a:schemeClr val="accent1"/>
-                </a:solidFill>
-              </a:rPr>
-              <a:t> publish &lt;function app name&gt;</a:t>
-            </a:r>
-          </a:p>
-          <a:p>
-            <a:pPr marL="0" indent="0">
-              <a:buNone/>
-            </a:pPr>
-            <a:r>
-              <a:rPr lang="en-US" sz="2000" dirty="0"/>
-              <a:t>Deploy the local files on Azure</a:t>
-            </a:r>
-            <a:endParaRPr lang="nl-BE" sz="2000" dirty="0"/>
+            <a:pPr lvl="1"/>
+            <a:endParaRPr lang="nl-BE" dirty="0"/>
           </a:p>
         </p:txBody>
       </p:sp>
     </p:spTree>
     <p:extLst>
       <p:ext uri="{BB962C8B-B14F-4D97-AF65-F5344CB8AC3E}">
-        <p14:creationId xmlns:p14="http://schemas.microsoft.com/office/powerpoint/2010/main" val="101116634"/>
+        <p14:creationId xmlns:p14="http://schemas.microsoft.com/office/powerpoint/2010/main" val="3716037640"/>
       </p:ext>
     </p:extLst>
   </p:cSld>
@@ -7363,6 +7259,463 @@
           <p:cNvPr id="2" name="Title 1">
             <a:extLst>
               <a:ext uri="{FF2B5EF4-FFF2-40B4-BE49-F238E27FC236}">
+                <a16:creationId xmlns:a16="http://schemas.microsoft.com/office/drawing/2014/main" id="{B7F157CD-B07D-4606-9B12-6243D154429C}"/>
+              </a:ext>
+            </a:extLst>
+          </p:cNvPr>
+          <p:cNvSpPr>
+            <a:spLocks noGrp="1"/>
+          </p:cNvSpPr>
+          <p:nvPr>
+            <p:ph type="title"/>
+          </p:nvPr>
+        </p:nvSpPr>
+        <p:spPr/>
+        <p:txBody>
+          <a:bodyPr/>
+          <a:lstStyle/>
+          <a:p>
+            <a:r>
+              <a:rPr lang="en-US" dirty="0"/>
+              <a:t>Construction plan</a:t>
+            </a:r>
+            <a:endParaRPr lang="nl-BE" dirty="0"/>
+          </a:p>
+        </p:txBody>
+      </p:sp>
+      <p:sp>
+        <p:nvSpPr>
+          <p:cNvPr id="3" name="Content Placeholder 2">
+            <a:extLst>
+              <a:ext uri="{FF2B5EF4-FFF2-40B4-BE49-F238E27FC236}">
+                <a16:creationId xmlns:a16="http://schemas.microsoft.com/office/drawing/2014/main" id="{0AA28745-C46D-4074-8820-BB893AD00777}"/>
+              </a:ext>
+            </a:extLst>
+          </p:cNvPr>
+          <p:cNvSpPr>
+            <a:spLocks noGrp="1"/>
+          </p:cNvSpPr>
+          <p:nvPr>
+            <p:ph idx="1"/>
+          </p:nvPr>
+        </p:nvSpPr>
+        <p:spPr/>
+        <p:txBody>
+          <a:bodyPr/>
+          <a:lstStyle/>
+          <a:p>
+            <a:pPr marL="0" indent="0">
+              <a:buNone/>
+            </a:pPr>
+            <a:r>
+              <a:rPr lang="en-US" dirty="0"/>
+              <a:t>We will create the following Azure functions:</a:t>
+            </a:r>
+          </a:p>
+          <a:p>
+            <a:pPr marL="0" indent="0">
+              <a:buNone/>
+            </a:pPr>
+            <a:endParaRPr lang="en-US" dirty="0"/>
+          </a:p>
+          <a:p>
+            <a:pPr marL="914400" lvl="1" indent="-457200">
+              <a:buAutoNum type="arabicPeriod"/>
+            </a:pPr>
+            <a:r>
+              <a:rPr lang="en-US" dirty="0"/>
+              <a:t>time: Http endpoint, returns the current time</a:t>
+            </a:r>
+          </a:p>
+          <a:p>
+            <a:pPr marL="914400" lvl="1" indent="-457200">
+              <a:buAutoNum type="arabicPeriod"/>
+            </a:pPr>
+            <a:endParaRPr lang="en-US" dirty="0"/>
+          </a:p>
+          <a:p>
+            <a:pPr marL="914400" lvl="1" indent="-457200">
+              <a:buAutoNum type="arabicPeriod"/>
+            </a:pPr>
+            <a:r>
+              <a:rPr lang="en-US" dirty="0"/>
+              <a:t>sum/{a}/{b}: Http endpoint, takes two input parameters and returns the sum</a:t>
+            </a:r>
+          </a:p>
+          <a:p>
+            <a:pPr marL="914400" lvl="1" indent="-457200">
+              <a:buAutoNum type="arabicPeriod"/>
+            </a:pPr>
+            <a:endParaRPr lang="en-US" dirty="0"/>
+          </a:p>
+          <a:p>
+            <a:pPr marL="914400" lvl="1" indent="-457200">
+              <a:buAutoNum type="arabicPeriod"/>
+            </a:pPr>
+            <a:r>
+              <a:rPr lang="en-US" dirty="0"/>
+              <a:t>secret/{secret}: Returns the value of the corresponding secret in our </a:t>
+            </a:r>
+            <a:r>
+              <a:rPr lang="en-US" dirty="0" err="1"/>
+              <a:t>keyvault</a:t>
+            </a:r>
+            <a:r>
+              <a:rPr lang="en-US" dirty="0"/>
+              <a:t> </a:t>
+            </a:r>
+          </a:p>
+          <a:p>
+            <a:pPr marL="914400" lvl="1" indent="-457200">
+              <a:buAutoNum type="arabicPeriod"/>
+            </a:pPr>
+            <a:endParaRPr lang="en-US" dirty="0"/>
+          </a:p>
+          <a:p>
+            <a:pPr marL="914400" lvl="1" indent="-457200">
+              <a:buAutoNum type="arabicPeriod"/>
+            </a:pPr>
+            <a:r>
+              <a:rPr lang="en-US" dirty="0" err="1"/>
+              <a:t>store_string_in_file</a:t>
+            </a:r>
+            <a:r>
+              <a:rPr lang="en-US" dirty="0"/>
+              <a:t>/{file}/{string}: Http endpoint, creates a file with name {file} and content {string} in the raw container of our storage account</a:t>
+            </a:r>
+          </a:p>
+          <a:p>
+            <a:pPr marL="914400" lvl="1" indent="-457200">
+              <a:buAutoNum type="arabicPeriod"/>
+            </a:pPr>
+            <a:endParaRPr lang="en-US" dirty="0"/>
+          </a:p>
+          <a:p>
+            <a:pPr marL="914400" lvl="1" indent="-457200">
+              <a:buAutoNum type="arabicPeriod"/>
+            </a:pPr>
+            <a:r>
+              <a:rPr lang="en-US" dirty="0" err="1"/>
+              <a:t>move_file_from_raw_to_clean</a:t>
+            </a:r>
+            <a:r>
+              <a:rPr lang="en-US" dirty="0"/>
+              <a:t>: Blob trigger, automatically copies files in the raw container to the clean container</a:t>
+            </a:r>
+          </a:p>
+          <a:p>
+            <a:pPr marL="914400" lvl="1" indent="-457200">
+              <a:buAutoNum type="arabicPeriod"/>
+            </a:pPr>
+            <a:endParaRPr lang="en-US" dirty="0"/>
+          </a:p>
+          <a:p>
+            <a:pPr marL="457200" indent="-457200">
+              <a:buAutoNum type="arabicPeriod"/>
+            </a:pPr>
+            <a:endParaRPr lang="nl-BE" dirty="0"/>
+          </a:p>
+        </p:txBody>
+      </p:sp>
+    </p:spTree>
+    <p:extLst>
+      <p:ext uri="{BB962C8B-B14F-4D97-AF65-F5344CB8AC3E}">
+        <p14:creationId xmlns:p14="http://schemas.microsoft.com/office/powerpoint/2010/main" val="1311890664"/>
+      </p:ext>
+    </p:extLst>
+  </p:cSld>
+  <p:clrMapOvr>
+    <a:masterClrMapping/>
+  </p:clrMapOvr>
+</p:sld>
+</file>
+
+<file path=ppt/slides/slide27.xml><?xml version="1.0" encoding="utf-8"?>
+<p:sld xmlns:a="http://schemas.openxmlformats.org/drawingml/2006/main" xmlns:r="http://schemas.openxmlformats.org/officeDocument/2006/relationships" xmlns:p="http://schemas.openxmlformats.org/presentationml/2006/main">
+  <p:cSld>
+    <p:spTree>
+      <p:nvGrpSpPr>
+        <p:cNvPr id="1" name=""/>
+        <p:cNvGrpSpPr/>
+        <p:nvPr/>
+      </p:nvGrpSpPr>
+      <p:grpSpPr>
+        <a:xfrm>
+          <a:off x="0" y="0"/>
+          <a:ext cx="0" cy="0"/>
+          <a:chOff x="0" y="0"/>
+          <a:chExt cx="0" cy="0"/>
+        </a:xfrm>
+      </p:grpSpPr>
+      <p:sp>
+        <p:nvSpPr>
+          <p:cNvPr id="2" name="Title 1">
+            <a:extLst>
+              <a:ext uri="{FF2B5EF4-FFF2-40B4-BE49-F238E27FC236}">
+                <a16:creationId xmlns:a16="http://schemas.microsoft.com/office/drawing/2014/main" id="{B64C23C0-2CDD-475E-BB83-F8DACBCD9481}"/>
+              </a:ext>
+            </a:extLst>
+          </p:cNvPr>
+          <p:cNvSpPr>
+            <a:spLocks noGrp="1"/>
+          </p:cNvSpPr>
+          <p:nvPr>
+            <p:ph type="title"/>
+          </p:nvPr>
+        </p:nvSpPr>
+        <p:spPr/>
+        <p:txBody>
+          <a:bodyPr/>
+          <a:lstStyle/>
+          <a:p>
+            <a:r>
+              <a:rPr lang="en-US" dirty="0"/>
+              <a:t>Azure functions core tools</a:t>
+            </a:r>
+            <a:endParaRPr lang="nl-BE" dirty="0"/>
+          </a:p>
+        </p:txBody>
+      </p:sp>
+      <p:sp>
+        <p:nvSpPr>
+          <p:cNvPr id="3" name="Content Placeholder 2">
+            <a:extLst>
+              <a:ext uri="{FF2B5EF4-FFF2-40B4-BE49-F238E27FC236}">
+                <a16:creationId xmlns:a16="http://schemas.microsoft.com/office/drawing/2014/main" id="{22AD3086-0B28-49AC-BACA-EFCF699764D8}"/>
+              </a:ext>
+            </a:extLst>
+          </p:cNvPr>
+          <p:cNvSpPr>
+            <a:spLocks noGrp="1"/>
+          </p:cNvSpPr>
+          <p:nvPr>
+            <p:ph idx="1"/>
+          </p:nvPr>
+        </p:nvSpPr>
+        <p:spPr/>
+        <p:txBody>
+          <a:bodyPr/>
+          <a:lstStyle/>
+          <a:p>
+            <a:pPr marL="0" indent="0">
+              <a:buNone/>
+            </a:pPr>
+            <a:r>
+              <a:rPr lang="en-US" dirty="0">
+                <a:hlinkClick r:id="rId2"/>
+              </a:rPr>
+              <a:t>Azure functions core tools</a:t>
+            </a:r>
+            <a:r>
+              <a:rPr lang="en-US" dirty="0"/>
+              <a:t> provides a CLI for local development of Azure functions</a:t>
+            </a:r>
+          </a:p>
+          <a:p>
+            <a:pPr marL="0" indent="0">
+              <a:buNone/>
+            </a:pPr>
+            <a:endParaRPr lang="en-US" dirty="0"/>
+          </a:p>
+          <a:p>
+            <a:pPr marL="0" indent="0">
+              <a:buNone/>
+            </a:pPr>
+            <a:r>
+              <a:rPr lang="en-US" sz="2000" u="sng" dirty="0" err="1">
+                <a:solidFill>
+                  <a:schemeClr val="accent1"/>
+                </a:solidFill>
+              </a:rPr>
+              <a:t>func</a:t>
+            </a:r>
+            <a:r>
+              <a:rPr lang="en-US" sz="2000" u="sng" dirty="0">
+                <a:solidFill>
+                  <a:schemeClr val="accent1"/>
+                </a:solidFill>
+              </a:rPr>
+              <a:t> </a:t>
+            </a:r>
+            <a:r>
+              <a:rPr lang="en-US" sz="2000" u="sng" dirty="0" err="1">
+                <a:solidFill>
+                  <a:schemeClr val="accent1"/>
+                </a:solidFill>
+              </a:rPr>
+              <a:t>init</a:t>
+            </a:r>
+            <a:endParaRPr lang="en-US" sz="2000" u="sng" dirty="0">
+              <a:solidFill>
+                <a:schemeClr val="accent1"/>
+              </a:solidFill>
+            </a:endParaRPr>
+          </a:p>
+          <a:p>
+            <a:pPr marL="0" indent="0">
+              <a:buNone/>
+            </a:pPr>
+            <a:r>
+              <a:rPr lang="en-US" sz="2000" dirty="0"/>
+              <a:t>Generates the code for a new function app in the current directory</a:t>
+            </a:r>
+            <a:br>
+              <a:rPr lang="en-US" sz="2000" dirty="0"/>
+            </a:br>
+            <a:endParaRPr lang="en-US" sz="2000" dirty="0"/>
+          </a:p>
+          <a:p>
+            <a:pPr marL="0" indent="0">
+              <a:buNone/>
+            </a:pPr>
+            <a:r>
+              <a:rPr lang="en-US" sz="2000" u="sng" dirty="0" err="1">
+                <a:solidFill>
+                  <a:schemeClr val="accent1"/>
+                </a:solidFill>
+              </a:rPr>
+              <a:t>func</a:t>
+            </a:r>
+            <a:r>
+              <a:rPr lang="en-US" sz="2000" u="sng" dirty="0">
+                <a:solidFill>
+                  <a:schemeClr val="accent1"/>
+                </a:solidFill>
+              </a:rPr>
+              <a:t> new</a:t>
+            </a:r>
+          </a:p>
+          <a:p>
+            <a:pPr marL="0" indent="0">
+              <a:buNone/>
+            </a:pPr>
+            <a:r>
+              <a:rPr lang="en-US" sz="2000" dirty="0"/>
+              <a:t>Add a function to the function app</a:t>
+            </a:r>
+            <a:br>
+              <a:rPr lang="en-US" sz="2000" dirty="0"/>
+            </a:br>
+            <a:endParaRPr lang="en-US" sz="2000" dirty="0"/>
+          </a:p>
+          <a:p>
+            <a:pPr marL="0" indent="0">
+              <a:buNone/>
+            </a:pPr>
+            <a:r>
+              <a:rPr lang="en-US" sz="2000" u="sng" dirty="0" err="1">
+                <a:solidFill>
+                  <a:schemeClr val="accent1"/>
+                </a:solidFill>
+              </a:rPr>
+              <a:t>func</a:t>
+            </a:r>
+            <a:r>
+              <a:rPr lang="en-US" sz="2000" u="sng" dirty="0">
+                <a:solidFill>
+                  <a:schemeClr val="accent1"/>
+                </a:solidFill>
+              </a:rPr>
+              <a:t> start</a:t>
+            </a:r>
+          </a:p>
+          <a:p>
+            <a:pPr marL="0" indent="0">
+              <a:buNone/>
+            </a:pPr>
+            <a:r>
+              <a:rPr lang="en-US" sz="2000" dirty="0"/>
+              <a:t>Run your function app locally</a:t>
+            </a:r>
+            <a:br>
+              <a:rPr lang="en-US" sz="2000" dirty="0"/>
+            </a:br>
+            <a:endParaRPr lang="en-US" sz="2000" dirty="0"/>
+          </a:p>
+          <a:p>
+            <a:pPr marL="0" indent="0">
+              <a:buNone/>
+            </a:pPr>
+            <a:r>
+              <a:rPr lang="en-US" sz="2000" u="sng" dirty="0" err="1">
+                <a:solidFill>
+                  <a:schemeClr val="accent1"/>
+                </a:solidFill>
+              </a:rPr>
+              <a:t>func</a:t>
+            </a:r>
+            <a:r>
+              <a:rPr lang="en-US" sz="2000" u="sng" dirty="0">
+                <a:solidFill>
+                  <a:schemeClr val="accent1"/>
+                </a:solidFill>
+              </a:rPr>
+              <a:t> azure </a:t>
+            </a:r>
+            <a:r>
+              <a:rPr lang="en-US" sz="2000" u="sng" dirty="0" err="1">
+                <a:solidFill>
+                  <a:schemeClr val="accent1"/>
+                </a:solidFill>
+              </a:rPr>
+              <a:t>functionapp</a:t>
+            </a:r>
+            <a:r>
+              <a:rPr lang="en-US" sz="2000" u="sng" dirty="0">
+                <a:solidFill>
+                  <a:schemeClr val="accent1"/>
+                </a:solidFill>
+              </a:rPr>
+              <a:t> publish &lt;function app name&gt;</a:t>
+            </a:r>
+          </a:p>
+          <a:p>
+            <a:pPr marL="0" indent="0">
+              <a:buNone/>
+            </a:pPr>
+            <a:r>
+              <a:rPr lang="en-US" sz="2000" dirty="0"/>
+              <a:t>Deploy the local files on Azure</a:t>
+            </a:r>
+            <a:endParaRPr lang="nl-BE" sz="2000" dirty="0"/>
+          </a:p>
+        </p:txBody>
+      </p:sp>
+    </p:spTree>
+    <p:extLst>
+      <p:ext uri="{BB962C8B-B14F-4D97-AF65-F5344CB8AC3E}">
+        <p14:creationId xmlns:p14="http://schemas.microsoft.com/office/powerpoint/2010/main" val="101116634"/>
+      </p:ext>
+    </p:extLst>
+  </p:cSld>
+  <p:clrMapOvr>
+    <a:masterClrMapping/>
+  </p:clrMapOvr>
+</p:sld>
+</file>
+
+<file path=ppt/slides/slide28.xml><?xml version="1.0" encoding="utf-8"?>
+<p:sld xmlns:a="http://schemas.openxmlformats.org/drawingml/2006/main" xmlns:r="http://schemas.openxmlformats.org/officeDocument/2006/relationships" xmlns:p="http://schemas.openxmlformats.org/presentationml/2006/main">
+  <p:cSld>
+    <p:spTree>
+      <p:nvGrpSpPr>
+        <p:cNvPr id="1" name=""/>
+        <p:cNvGrpSpPr/>
+        <p:nvPr/>
+      </p:nvGrpSpPr>
+      <p:grpSpPr>
+        <a:xfrm>
+          <a:off x="0" y="0"/>
+          <a:ext cx="0" cy="0"/>
+          <a:chOff x="0" y="0"/>
+          <a:chExt cx="0" cy="0"/>
+        </a:xfrm>
+      </p:grpSpPr>
+      <p:sp>
+        <p:nvSpPr>
+          <p:cNvPr id="2" name="Title 1">
+            <a:extLst>
+              <a:ext uri="{FF2B5EF4-FFF2-40B4-BE49-F238E27FC236}">
                 <a16:creationId xmlns:a16="http://schemas.microsoft.com/office/drawing/2014/main" id="{EF0F8EDF-728F-406F-9046-26FAE6B3EC4F}"/>
               </a:ext>
             </a:extLst>
@@ -8038,7 +8391,7 @@
 </p:sld>
 </file>
 
-<file path=ppt/slides/slide27.xml><?xml version="1.0" encoding="utf-8"?>
+<file path=ppt/slides/slide29.xml><?xml version="1.0" encoding="utf-8"?>
 <p:sld xmlns:a="http://schemas.openxmlformats.org/drawingml/2006/main" xmlns:r="http://schemas.openxmlformats.org/officeDocument/2006/relationships" xmlns:p="http://schemas.openxmlformats.org/presentationml/2006/main">
   <p:cSld>
     <p:spTree>
@@ -8463,538 +8816,6 @@
 </p:sld>
 </file>
 
-<file path=ppt/slides/slide28.xml><?xml version="1.0" encoding="utf-8"?>
-<p:sld xmlns:a="http://schemas.openxmlformats.org/drawingml/2006/main" xmlns:r="http://schemas.openxmlformats.org/officeDocument/2006/relationships" xmlns:p="http://schemas.openxmlformats.org/presentationml/2006/main">
-  <p:cSld>
-    <p:spTree>
-      <p:nvGrpSpPr>
-        <p:cNvPr id="1" name=""/>
-        <p:cNvGrpSpPr/>
-        <p:nvPr/>
-      </p:nvGrpSpPr>
-      <p:grpSpPr>
-        <a:xfrm>
-          <a:off x="0" y="0"/>
-          <a:ext cx="0" cy="0"/>
-          <a:chOff x="0" y="0"/>
-          <a:chExt cx="0" cy="0"/>
-        </a:xfrm>
-      </p:grpSpPr>
-      <p:sp>
-        <p:nvSpPr>
-          <p:cNvPr id="2" name="Title 1">
-            <a:extLst>
-              <a:ext uri="{FF2B5EF4-FFF2-40B4-BE49-F238E27FC236}">
-                <a16:creationId xmlns:a16="http://schemas.microsoft.com/office/drawing/2014/main" id="{D3B1C1D4-955B-4E22-BA12-EE4187C75649}"/>
-              </a:ext>
-            </a:extLst>
-          </p:cNvPr>
-          <p:cNvSpPr>
-            <a:spLocks noGrp="1"/>
-          </p:cNvSpPr>
-          <p:nvPr>
-            <p:ph type="title"/>
-          </p:nvPr>
-        </p:nvSpPr>
-        <p:spPr/>
-        <p:txBody>
-          <a:bodyPr/>
-          <a:lstStyle/>
-          <a:p>
-            <a:r>
-              <a:rPr lang="en-US" dirty="0"/>
-              <a:t>Test function app locally</a:t>
-            </a:r>
-            <a:endParaRPr lang="nl-BE" dirty="0"/>
-          </a:p>
-        </p:txBody>
-      </p:sp>
-      <p:sp>
-        <p:nvSpPr>
-          <p:cNvPr id="3" name="Content Placeholder 2">
-            <a:extLst>
-              <a:ext uri="{FF2B5EF4-FFF2-40B4-BE49-F238E27FC236}">
-                <a16:creationId xmlns:a16="http://schemas.microsoft.com/office/drawing/2014/main" id="{7AA739D4-4BD9-4EFF-A552-5AC629E33E5E}"/>
-              </a:ext>
-            </a:extLst>
-          </p:cNvPr>
-          <p:cNvSpPr>
-            <a:spLocks noGrp="1"/>
-          </p:cNvSpPr>
-          <p:nvPr>
-            <p:ph idx="1"/>
-          </p:nvPr>
-        </p:nvSpPr>
-        <p:spPr/>
-        <p:txBody>
-          <a:bodyPr>
-            <a:normAutofit/>
-          </a:bodyPr>
-          <a:lstStyle/>
-          <a:p>
-            <a:pPr marL="0" indent="0">
-              <a:buNone/>
-            </a:pPr>
-            <a:r>
-              <a:rPr lang="en-US" sz="2000" u="sng" dirty="0" err="1">
-                <a:solidFill>
-                  <a:schemeClr val="accent1"/>
-                </a:solidFill>
-              </a:rPr>
-              <a:t>func</a:t>
-            </a:r>
-            <a:r>
-              <a:rPr lang="en-US" sz="2000" u="sng" dirty="0">
-                <a:solidFill>
-                  <a:schemeClr val="accent1"/>
-                </a:solidFill>
-              </a:rPr>
-              <a:t> start</a:t>
-            </a:r>
-          </a:p>
-          <a:p>
-            <a:pPr marL="0" indent="0">
-              <a:buNone/>
-            </a:pPr>
-            <a:r>
-              <a:rPr lang="en-US" sz="2000" dirty="0"/>
-              <a:t>Run your function app locally</a:t>
-            </a:r>
-            <a:endParaRPr lang="nl-BE" sz="2000" dirty="0"/>
-          </a:p>
-        </p:txBody>
-      </p:sp>
-      <p:pic>
-        <p:nvPicPr>
-          <p:cNvPr id="4" name="Picture 3">
-            <a:extLst>
-              <a:ext uri="{FF2B5EF4-FFF2-40B4-BE49-F238E27FC236}">
-                <a16:creationId xmlns:a16="http://schemas.microsoft.com/office/drawing/2014/main" id="{3090A008-D464-4C81-982E-DAA99CACB2ED}"/>
-              </a:ext>
-            </a:extLst>
-          </p:cNvPr>
-          <p:cNvPicPr>
-            <a:picLocks noChangeAspect="1"/>
-          </p:cNvPicPr>
-          <p:nvPr/>
-        </p:nvPicPr>
-        <p:blipFill>
-          <a:blip r:embed="rId2"/>
-          <a:stretch>
-            <a:fillRect/>
-          </a:stretch>
-        </p:blipFill>
-        <p:spPr>
-          <a:xfrm>
-            <a:off x="231493" y="2481398"/>
-            <a:ext cx="11272384" cy="3917353"/>
-          </a:xfrm>
-          <a:prstGeom prst="rect">
-            <a:avLst/>
-          </a:prstGeom>
-        </p:spPr>
-      </p:pic>
-      <p:cxnSp>
-        <p:nvCxnSpPr>
-          <p:cNvPr id="6" name="Straight Arrow Connector 5">
-            <a:extLst>
-              <a:ext uri="{FF2B5EF4-FFF2-40B4-BE49-F238E27FC236}">
-                <a16:creationId xmlns:a16="http://schemas.microsoft.com/office/drawing/2014/main" id="{BE28FD31-0790-48D3-AF10-1CE16A6C66D1}"/>
-              </a:ext>
-            </a:extLst>
-          </p:cNvPr>
-          <p:cNvCxnSpPr/>
-          <p:nvPr/>
-        </p:nvCxnSpPr>
-        <p:spPr>
-          <a:xfrm>
-            <a:off x="4756558" y="5108895"/>
-            <a:ext cx="2105636" cy="0"/>
-          </a:xfrm>
-          <a:prstGeom prst="straightConnector1">
-            <a:avLst/>
-          </a:prstGeom>
-          <a:ln>
-            <a:tailEnd type="triangle"/>
-          </a:ln>
-        </p:spPr>
-        <p:style>
-          <a:lnRef idx="1">
-            <a:schemeClr val="accent1"/>
-          </a:lnRef>
-          <a:fillRef idx="0">
-            <a:schemeClr val="accent1"/>
-          </a:fillRef>
-          <a:effectRef idx="0">
-            <a:schemeClr val="accent1"/>
-          </a:effectRef>
-          <a:fontRef idx="minor">
-            <a:schemeClr val="tx1"/>
-          </a:fontRef>
-        </p:style>
-      </p:cxnSp>
-      <p:sp>
-        <p:nvSpPr>
-          <p:cNvPr id="7" name="TextBox 6">
-            <a:extLst>
-              <a:ext uri="{FF2B5EF4-FFF2-40B4-BE49-F238E27FC236}">
-                <a16:creationId xmlns:a16="http://schemas.microsoft.com/office/drawing/2014/main" id="{97560B35-5906-4DFE-81AD-9C31D17CFC5A}"/>
-              </a:ext>
-            </a:extLst>
-          </p:cNvPr>
-          <p:cNvSpPr txBox="1"/>
-          <p:nvPr/>
-        </p:nvSpPr>
-        <p:spPr>
-          <a:xfrm>
-            <a:off x="6929306" y="4924229"/>
-            <a:ext cx="2957284" cy="369332"/>
-          </a:xfrm>
-          <a:prstGeom prst="rect">
-            <a:avLst/>
-          </a:prstGeom>
-          <a:noFill/>
-        </p:spPr>
-        <p:txBody>
-          <a:bodyPr wrap="none" rtlCol="0">
-            <a:spAutoFit/>
-          </a:bodyPr>
-          <a:lstStyle/>
-          <a:p>
-            <a:r>
-              <a:rPr lang="en-US" dirty="0">
-                <a:solidFill>
-                  <a:schemeClr val="accent1"/>
-                </a:solidFill>
-              </a:rPr>
-              <a:t>Http endpoint of the function</a:t>
-            </a:r>
-            <a:endParaRPr lang="nl-BE" dirty="0">
-              <a:solidFill>
-                <a:schemeClr val="accent1"/>
-              </a:solidFill>
-            </a:endParaRPr>
-          </a:p>
-        </p:txBody>
-      </p:sp>
-    </p:spTree>
-    <p:extLst>
-      <p:ext uri="{BB962C8B-B14F-4D97-AF65-F5344CB8AC3E}">
-        <p14:creationId xmlns:p14="http://schemas.microsoft.com/office/powerpoint/2010/main" val="119912343"/>
-      </p:ext>
-    </p:extLst>
-  </p:cSld>
-  <p:clrMapOvr>
-    <a:masterClrMapping/>
-  </p:clrMapOvr>
-</p:sld>
-</file>
-
-<file path=ppt/slides/slide29.xml><?xml version="1.0" encoding="utf-8"?>
-<p:sld xmlns:a="http://schemas.openxmlformats.org/drawingml/2006/main" xmlns:r="http://schemas.openxmlformats.org/officeDocument/2006/relationships" xmlns:p="http://schemas.openxmlformats.org/presentationml/2006/main">
-  <p:cSld>
-    <p:spTree>
-      <p:nvGrpSpPr>
-        <p:cNvPr id="1" name=""/>
-        <p:cNvGrpSpPr/>
-        <p:nvPr/>
-      </p:nvGrpSpPr>
-      <p:grpSpPr>
-        <a:xfrm>
-          <a:off x="0" y="0"/>
-          <a:ext cx="0" cy="0"/>
-          <a:chOff x="0" y="0"/>
-          <a:chExt cx="0" cy="0"/>
-        </a:xfrm>
-      </p:grpSpPr>
-      <p:sp>
-        <p:nvSpPr>
-          <p:cNvPr id="2" name="Title 1">
-            <a:extLst>
-              <a:ext uri="{FF2B5EF4-FFF2-40B4-BE49-F238E27FC236}">
-                <a16:creationId xmlns:a16="http://schemas.microsoft.com/office/drawing/2014/main" id="{21F133B8-2F10-45A8-90B3-F9C6A34038DA}"/>
-              </a:ext>
-            </a:extLst>
-          </p:cNvPr>
-          <p:cNvSpPr>
-            <a:spLocks noGrp="1"/>
-          </p:cNvSpPr>
-          <p:nvPr>
-            <p:ph type="title"/>
-          </p:nvPr>
-        </p:nvSpPr>
-        <p:spPr/>
-        <p:txBody>
-          <a:bodyPr/>
-          <a:lstStyle/>
-          <a:p>
-            <a:r>
-              <a:rPr lang="en-US" dirty="0"/>
-              <a:t>Test function app on Azure</a:t>
-            </a:r>
-            <a:endParaRPr lang="nl-BE" dirty="0"/>
-          </a:p>
-        </p:txBody>
-      </p:sp>
-      <p:sp>
-        <p:nvSpPr>
-          <p:cNvPr id="3" name="Content Placeholder 2">
-            <a:extLst>
-              <a:ext uri="{FF2B5EF4-FFF2-40B4-BE49-F238E27FC236}">
-                <a16:creationId xmlns:a16="http://schemas.microsoft.com/office/drawing/2014/main" id="{F9574AFF-3058-4D5D-826C-C472DA282E65}"/>
-              </a:ext>
-            </a:extLst>
-          </p:cNvPr>
-          <p:cNvSpPr>
-            <a:spLocks noGrp="1"/>
-          </p:cNvSpPr>
-          <p:nvPr>
-            <p:ph idx="1"/>
-          </p:nvPr>
-        </p:nvSpPr>
-        <p:spPr>
-          <a:xfrm>
-            <a:off x="231493" y="902824"/>
-            <a:ext cx="11597833" cy="5632199"/>
-          </a:xfrm>
-        </p:spPr>
-        <p:txBody>
-          <a:bodyPr/>
-          <a:lstStyle/>
-          <a:p>
-            <a:pPr marL="0" indent="0">
-              <a:buNone/>
-            </a:pPr>
-            <a:r>
-              <a:rPr lang="en-US" sz="2000" dirty="0" err="1">
-                <a:solidFill>
-                  <a:schemeClr val="accent1"/>
-                </a:solidFill>
-              </a:rPr>
-              <a:t>func</a:t>
-            </a:r>
-            <a:r>
-              <a:rPr lang="en-US" sz="2000" dirty="0">
-                <a:solidFill>
-                  <a:schemeClr val="accent1"/>
-                </a:solidFill>
-              </a:rPr>
-              <a:t> azure </a:t>
-            </a:r>
-            <a:r>
-              <a:rPr lang="en-US" sz="2000" dirty="0" err="1">
-                <a:solidFill>
-                  <a:schemeClr val="accent1"/>
-                </a:solidFill>
-              </a:rPr>
-              <a:t>functionapp</a:t>
-            </a:r>
-            <a:r>
-              <a:rPr lang="en-US" sz="2000" dirty="0">
-                <a:solidFill>
-                  <a:schemeClr val="accent1"/>
-                </a:solidFill>
-              </a:rPr>
-              <a:t> publish &lt;name function app&gt;</a:t>
-            </a:r>
-          </a:p>
-          <a:p>
-            <a:pPr marL="0" indent="0">
-              <a:buNone/>
-            </a:pPr>
-            <a:endParaRPr lang="en-US" sz="2000" dirty="0">
-              <a:solidFill>
-                <a:schemeClr val="accent1"/>
-              </a:solidFill>
-            </a:endParaRPr>
-          </a:p>
-          <a:p>
-            <a:pPr marL="0" indent="0">
-              <a:buNone/>
-            </a:pPr>
-            <a:endParaRPr lang="en-US" sz="2000" dirty="0">
-              <a:solidFill>
-                <a:schemeClr val="accent1"/>
-              </a:solidFill>
-            </a:endParaRPr>
-          </a:p>
-          <a:p>
-            <a:pPr marL="0" indent="0">
-              <a:buNone/>
-            </a:pPr>
-            <a:endParaRPr lang="en-US" sz="2000" dirty="0">
-              <a:solidFill>
-                <a:schemeClr val="accent1"/>
-              </a:solidFill>
-            </a:endParaRPr>
-          </a:p>
-          <a:p>
-            <a:pPr marL="0" indent="0">
-              <a:buNone/>
-            </a:pPr>
-            <a:endParaRPr lang="en-US" sz="2000" dirty="0">
-              <a:solidFill>
-                <a:schemeClr val="accent1"/>
-              </a:solidFill>
-            </a:endParaRPr>
-          </a:p>
-          <a:p>
-            <a:pPr marL="0" indent="0">
-              <a:buNone/>
-            </a:pPr>
-            <a:endParaRPr lang="en-US" sz="2000" dirty="0">
-              <a:solidFill>
-                <a:schemeClr val="accent1"/>
-              </a:solidFill>
-            </a:endParaRPr>
-          </a:p>
-          <a:p>
-            <a:pPr marL="0" indent="0">
-              <a:buNone/>
-            </a:pPr>
-            <a:endParaRPr lang="en-US" sz="2000" dirty="0">
-              <a:solidFill>
-                <a:schemeClr val="accent1"/>
-              </a:solidFill>
-            </a:endParaRPr>
-          </a:p>
-          <a:p>
-            <a:pPr marL="0" indent="0">
-              <a:buNone/>
-            </a:pPr>
-            <a:endParaRPr lang="en-US" sz="2000" dirty="0">
-              <a:solidFill>
-                <a:schemeClr val="accent1"/>
-              </a:solidFill>
-            </a:endParaRPr>
-          </a:p>
-          <a:p>
-            <a:pPr marL="0" indent="0">
-              <a:buNone/>
-            </a:pPr>
-            <a:r>
-              <a:rPr lang="en-US" sz="2000" dirty="0"/>
-              <a:t>By default, requires authentication (in the form of an API key) for accessing HTTP endpoints </a:t>
-            </a:r>
-          </a:p>
-          <a:p>
-            <a:pPr marL="0" indent="0">
-              <a:buNone/>
-            </a:pPr>
-            <a:r>
-              <a:rPr lang="en-US" sz="2000" dirty="0"/>
-              <a:t> </a:t>
-            </a:r>
-          </a:p>
-          <a:p>
-            <a:pPr marL="0" indent="0">
-              <a:buNone/>
-            </a:pPr>
-            <a:br>
-              <a:rPr lang="en-US" dirty="0"/>
-            </a:br>
-            <a:endParaRPr lang="en-US" dirty="0"/>
-          </a:p>
-          <a:p>
-            <a:pPr marL="0" indent="0">
-              <a:buNone/>
-            </a:pPr>
-            <a:endParaRPr lang="en-US" sz="2000" dirty="0"/>
-          </a:p>
-          <a:p>
-            <a:pPr marL="0" indent="0">
-              <a:buNone/>
-            </a:pPr>
-            <a:r>
-              <a:rPr lang="en-US" sz="2000" dirty="0"/>
-              <a:t>Browse </a:t>
-            </a:r>
-            <a:r>
-              <a:rPr lang="en-US" sz="2000" dirty="0">
-                <a:hlinkClick r:id="rId2"/>
-              </a:rPr>
-              <a:t>https://jcrevecoeur.azurewebsites.net/api/time?code=&lt;API KEY&gt;</a:t>
-            </a:r>
-            <a:endParaRPr lang="en-US" sz="2000" dirty="0"/>
-          </a:p>
-          <a:p>
-            <a:endParaRPr lang="nl-BE" dirty="0"/>
-          </a:p>
-        </p:txBody>
-      </p:sp>
-      <p:pic>
-        <p:nvPicPr>
-          <p:cNvPr id="6" name="Picture 5">
-            <a:extLst>
-              <a:ext uri="{FF2B5EF4-FFF2-40B4-BE49-F238E27FC236}">
-                <a16:creationId xmlns:a16="http://schemas.microsoft.com/office/drawing/2014/main" id="{4B96A42E-7A43-44E9-B1C7-1FE5B9E61FFB}"/>
-              </a:ext>
-            </a:extLst>
-          </p:cNvPr>
-          <p:cNvPicPr>
-            <a:picLocks noChangeAspect="1"/>
-          </p:cNvPicPr>
-          <p:nvPr/>
-        </p:nvPicPr>
-        <p:blipFill>
-          <a:blip r:embed="rId3"/>
-          <a:stretch>
-            <a:fillRect/>
-          </a:stretch>
-        </p:blipFill>
-        <p:spPr>
-          <a:xfrm>
-            <a:off x="362674" y="1390493"/>
-            <a:ext cx="6878010" cy="2248214"/>
-          </a:xfrm>
-          <a:prstGeom prst="rect">
-            <a:avLst/>
-          </a:prstGeom>
-        </p:spPr>
-      </p:pic>
-      <p:pic>
-        <p:nvPicPr>
-          <p:cNvPr id="7" name="Picture 6">
-            <a:extLst>
-              <a:ext uri="{FF2B5EF4-FFF2-40B4-BE49-F238E27FC236}">
-                <a16:creationId xmlns:a16="http://schemas.microsoft.com/office/drawing/2014/main" id="{33C766D2-2447-4F78-AD14-45F543906D4E}"/>
-              </a:ext>
-            </a:extLst>
-          </p:cNvPr>
-          <p:cNvPicPr>
-            <a:picLocks noChangeAspect="1"/>
-          </p:cNvPicPr>
-          <p:nvPr/>
-        </p:nvPicPr>
-        <p:blipFill>
-          <a:blip r:embed="rId4"/>
-          <a:stretch>
-            <a:fillRect/>
-          </a:stretch>
-        </p:blipFill>
-        <p:spPr>
-          <a:xfrm>
-            <a:off x="362674" y="4523417"/>
-            <a:ext cx="6697010" cy="1200318"/>
-          </a:xfrm>
-          <a:prstGeom prst="rect">
-            <a:avLst/>
-          </a:prstGeom>
-        </p:spPr>
-      </p:pic>
-    </p:spTree>
-    <p:extLst>
-      <p:ext uri="{BB962C8B-B14F-4D97-AF65-F5344CB8AC3E}">
-        <p14:creationId xmlns:p14="http://schemas.microsoft.com/office/powerpoint/2010/main" val="1090254882"/>
-      </p:ext>
-    </p:extLst>
-  </p:cSld>
-  <p:clrMapOvr>
-    <a:masterClrMapping/>
-  </p:clrMapOvr>
-</p:sld>
-</file>
-
 <file path=ppt/slides/slide3.xml><?xml version="1.0" encoding="utf-8"?>
 <p:sld xmlns:a="http://schemas.openxmlformats.org/drawingml/2006/main" xmlns:r="http://schemas.openxmlformats.org/officeDocument/2006/relationships" xmlns:p="http://schemas.openxmlformats.org/presentationml/2006/main">
   <p:cSld>
@@ -9478,6 +9299,538 @@
 </file>
 
 <file path=ppt/slides/slide30.xml><?xml version="1.0" encoding="utf-8"?>
+<p:sld xmlns:a="http://schemas.openxmlformats.org/drawingml/2006/main" xmlns:r="http://schemas.openxmlformats.org/officeDocument/2006/relationships" xmlns:p="http://schemas.openxmlformats.org/presentationml/2006/main">
+  <p:cSld>
+    <p:spTree>
+      <p:nvGrpSpPr>
+        <p:cNvPr id="1" name=""/>
+        <p:cNvGrpSpPr/>
+        <p:nvPr/>
+      </p:nvGrpSpPr>
+      <p:grpSpPr>
+        <a:xfrm>
+          <a:off x="0" y="0"/>
+          <a:ext cx="0" cy="0"/>
+          <a:chOff x="0" y="0"/>
+          <a:chExt cx="0" cy="0"/>
+        </a:xfrm>
+      </p:grpSpPr>
+      <p:sp>
+        <p:nvSpPr>
+          <p:cNvPr id="2" name="Title 1">
+            <a:extLst>
+              <a:ext uri="{FF2B5EF4-FFF2-40B4-BE49-F238E27FC236}">
+                <a16:creationId xmlns:a16="http://schemas.microsoft.com/office/drawing/2014/main" id="{D3B1C1D4-955B-4E22-BA12-EE4187C75649}"/>
+              </a:ext>
+            </a:extLst>
+          </p:cNvPr>
+          <p:cNvSpPr>
+            <a:spLocks noGrp="1"/>
+          </p:cNvSpPr>
+          <p:nvPr>
+            <p:ph type="title"/>
+          </p:nvPr>
+        </p:nvSpPr>
+        <p:spPr/>
+        <p:txBody>
+          <a:bodyPr/>
+          <a:lstStyle/>
+          <a:p>
+            <a:r>
+              <a:rPr lang="en-US" dirty="0"/>
+              <a:t>Test function app locally</a:t>
+            </a:r>
+            <a:endParaRPr lang="nl-BE" dirty="0"/>
+          </a:p>
+        </p:txBody>
+      </p:sp>
+      <p:sp>
+        <p:nvSpPr>
+          <p:cNvPr id="3" name="Content Placeholder 2">
+            <a:extLst>
+              <a:ext uri="{FF2B5EF4-FFF2-40B4-BE49-F238E27FC236}">
+                <a16:creationId xmlns:a16="http://schemas.microsoft.com/office/drawing/2014/main" id="{7AA739D4-4BD9-4EFF-A552-5AC629E33E5E}"/>
+              </a:ext>
+            </a:extLst>
+          </p:cNvPr>
+          <p:cNvSpPr>
+            <a:spLocks noGrp="1"/>
+          </p:cNvSpPr>
+          <p:nvPr>
+            <p:ph idx="1"/>
+          </p:nvPr>
+        </p:nvSpPr>
+        <p:spPr/>
+        <p:txBody>
+          <a:bodyPr>
+            <a:normAutofit/>
+          </a:bodyPr>
+          <a:lstStyle/>
+          <a:p>
+            <a:pPr marL="0" indent="0">
+              <a:buNone/>
+            </a:pPr>
+            <a:r>
+              <a:rPr lang="en-US" sz="2000" u="sng" dirty="0" err="1">
+                <a:solidFill>
+                  <a:schemeClr val="accent1"/>
+                </a:solidFill>
+              </a:rPr>
+              <a:t>func</a:t>
+            </a:r>
+            <a:r>
+              <a:rPr lang="en-US" sz="2000" u="sng" dirty="0">
+                <a:solidFill>
+                  <a:schemeClr val="accent1"/>
+                </a:solidFill>
+              </a:rPr>
+              <a:t> start</a:t>
+            </a:r>
+          </a:p>
+          <a:p>
+            <a:pPr marL="0" indent="0">
+              <a:buNone/>
+            </a:pPr>
+            <a:r>
+              <a:rPr lang="en-US" sz="2000" dirty="0"/>
+              <a:t>Run your function app locally</a:t>
+            </a:r>
+            <a:endParaRPr lang="nl-BE" sz="2000" dirty="0"/>
+          </a:p>
+        </p:txBody>
+      </p:sp>
+      <p:pic>
+        <p:nvPicPr>
+          <p:cNvPr id="4" name="Picture 3">
+            <a:extLst>
+              <a:ext uri="{FF2B5EF4-FFF2-40B4-BE49-F238E27FC236}">
+                <a16:creationId xmlns:a16="http://schemas.microsoft.com/office/drawing/2014/main" id="{3090A008-D464-4C81-982E-DAA99CACB2ED}"/>
+              </a:ext>
+            </a:extLst>
+          </p:cNvPr>
+          <p:cNvPicPr>
+            <a:picLocks noChangeAspect="1"/>
+          </p:cNvPicPr>
+          <p:nvPr/>
+        </p:nvPicPr>
+        <p:blipFill>
+          <a:blip r:embed="rId2"/>
+          <a:stretch>
+            <a:fillRect/>
+          </a:stretch>
+        </p:blipFill>
+        <p:spPr>
+          <a:xfrm>
+            <a:off x="231493" y="2481398"/>
+            <a:ext cx="11272384" cy="3917353"/>
+          </a:xfrm>
+          <a:prstGeom prst="rect">
+            <a:avLst/>
+          </a:prstGeom>
+        </p:spPr>
+      </p:pic>
+      <p:cxnSp>
+        <p:nvCxnSpPr>
+          <p:cNvPr id="6" name="Straight Arrow Connector 5">
+            <a:extLst>
+              <a:ext uri="{FF2B5EF4-FFF2-40B4-BE49-F238E27FC236}">
+                <a16:creationId xmlns:a16="http://schemas.microsoft.com/office/drawing/2014/main" id="{BE28FD31-0790-48D3-AF10-1CE16A6C66D1}"/>
+              </a:ext>
+            </a:extLst>
+          </p:cNvPr>
+          <p:cNvCxnSpPr/>
+          <p:nvPr/>
+        </p:nvCxnSpPr>
+        <p:spPr>
+          <a:xfrm>
+            <a:off x="4756558" y="5108895"/>
+            <a:ext cx="2105636" cy="0"/>
+          </a:xfrm>
+          <a:prstGeom prst="straightConnector1">
+            <a:avLst/>
+          </a:prstGeom>
+          <a:ln>
+            <a:tailEnd type="triangle"/>
+          </a:ln>
+        </p:spPr>
+        <p:style>
+          <a:lnRef idx="1">
+            <a:schemeClr val="accent1"/>
+          </a:lnRef>
+          <a:fillRef idx="0">
+            <a:schemeClr val="accent1"/>
+          </a:fillRef>
+          <a:effectRef idx="0">
+            <a:schemeClr val="accent1"/>
+          </a:effectRef>
+          <a:fontRef idx="minor">
+            <a:schemeClr val="tx1"/>
+          </a:fontRef>
+        </p:style>
+      </p:cxnSp>
+      <p:sp>
+        <p:nvSpPr>
+          <p:cNvPr id="7" name="TextBox 6">
+            <a:extLst>
+              <a:ext uri="{FF2B5EF4-FFF2-40B4-BE49-F238E27FC236}">
+                <a16:creationId xmlns:a16="http://schemas.microsoft.com/office/drawing/2014/main" id="{97560B35-5906-4DFE-81AD-9C31D17CFC5A}"/>
+              </a:ext>
+            </a:extLst>
+          </p:cNvPr>
+          <p:cNvSpPr txBox="1"/>
+          <p:nvPr/>
+        </p:nvSpPr>
+        <p:spPr>
+          <a:xfrm>
+            <a:off x="6929306" y="4924229"/>
+            <a:ext cx="2957284" cy="369332"/>
+          </a:xfrm>
+          <a:prstGeom prst="rect">
+            <a:avLst/>
+          </a:prstGeom>
+          <a:noFill/>
+        </p:spPr>
+        <p:txBody>
+          <a:bodyPr wrap="none" rtlCol="0">
+            <a:spAutoFit/>
+          </a:bodyPr>
+          <a:lstStyle/>
+          <a:p>
+            <a:r>
+              <a:rPr lang="en-US" dirty="0">
+                <a:solidFill>
+                  <a:schemeClr val="accent1"/>
+                </a:solidFill>
+              </a:rPr>
+              <a:t>Http endpoint of the function</a:t>
+            </a:r>
+            <a:endParaRPr lang="nl-BE" dirty="0">
+              <a:solidFill>
+                <a:schemeClr val="accent1"/>
+              </a:solidFill>
+            </a:endParaRPr>
+          </a:p>
+        </p:txBody>
+      </p:sp>
+    </p:spTree>
+    <p:extLst>
+      <p:ext uri="{BB962C8B-B14F-4D97-AF65-F5344CB8AC3E}">
+        <p14:creationId xmlns:p14="http://schemas.microsoft.com/office/powerpoint/2010/main" val="119912343"/>
+      </p:ext>
+    </p:extLst>
+  </p:cSld>
+  <p:clrMapOvr>
+    <a:masterClrMapping/>
+  </p:clrMapOvr>
+</p:sld>
+</file>
+
+<file path=ppt/slides/slide31.xml><?xml version="1.0" encoding="utf-8"?>
+<p:sld xmlns:a="http://schemas.openxmlformats.org/drawingml/2006/main" xmlns:r="http://schemas.openxmlformats.org/officeDocument/2006/relationships" xmlns:p="http://schemas.openxmlformats.org/presentationml/2006/main">
+  <p:cSld>
+    <p:spTree>
+      <p:nvGrpSpPr>
+        <p:cNvPr id="1" name=""/>
+        <p:cNvGrpSpPr/>
+        <p:nvPr/>
+      </p:nvGrpSpPr>
+      <p:grpSpPr>
+        <a:xfrm>
+          <a:off x="0" y="0"/>
+          <a:ext cx="0" cy="0"/>
+          <a:chOff x="0" y="0"/>
+          <a:chExt cx="0" cy="0"/>
+        </a:xfrm>
+      </p:grpSpPr>
+      <p:sp>
+        <p:nvSpPr>
+          <p:cNvPr id="2" name="Title 1">
+            <a:extLst>
+              <a:ext uri="{FF2B5EF4-FFF2-40B4-BE49-F238E27FC236}">
+                <a16:creationId xmlns:a16="http://schemas.microsoft.com/office/drawing/2014/main" id="{21F133B8-2F10-45A8-90B3-F9C6A34038DA}"/>
+              </a:ext>
+            </a:extLst>
+          </p:cNvPr>
+          <p:cNvSpPr>
+            <a:spLocks noGrp="1"/>
+          </p:cNvSpPr>
+          <p:nvPr>
+            <p:ph type="title"/>
+          </p:nvPr>
+        </p:nvSpPr>
+        <p:spPr/>
+        <p:txBody>
+          <a:bodyPr/>
+          <a:lstStyle/>
+          <a:p>
+            <a:r>
+              <a:rPr lang="en-US" dirty="0"/>
+              <a:t>Test function app on Azure</a:t>
+            </a:r>
+            <a:endParaRPr lang="nl-BE" dirty="0"/>
+          </a:p>
+        </p:txBody>
+      </p:sp>
+      <p:sp>
+        <p:nvSpPr>
+          <p:cNvPr id="3" name="Content Placeholder 2">
+            <a:extLst>
+              <a:ext uri="{FF2B5EF4-FFF2-40B4-BE49-F238E27FC236}">
+                <a16:creationId xmlns:a16="http://schemas.microsoft.com/office/drawing/2014/main" id="{F9574AFF-3058-4D5D-826C-C472DA282E65}"/>
+              </a:ext>
+            </a:extLst>
+          </p:cNvPr>
+          <p:cNvSpPr>
+            <a:spLocks noGrp="1"/>
+          </p:cNvSpPr>
+          <p:nvPr>
+            <p:ph idx="1"/>
+          </p:nvPr>
+        </p:nvSpPr>
+        <p:spPr>
+          <a:xfrm>
+            <a:off x="231493" y="902824"/>
+            <a:ext cx="11597833" cy="5632199"/>
+          </a:xfrm>
+        </p:spPr>
+        <p:txBody>
+          <a:bodyPr/>
+          <a:lstStyle/>
+          <a:p>
+            <a:pPr marL="0" indent="0">
+              <a:buNone/>
+            </a:pPr>
+            <a:r>
+              <a:rPr lang="en-US" sz="2000" dirty="0" err="1">
+                <a:solidFill>
+                  <a:schemeClr val="accent1"/>
+                </a:solidFill>
+              </a:rPr>
+              <a:t>func</a:t>
+            </a:r>
+            <a:r>
+              <a:rPr lang="en-US" sz="2000" dirty="0">
+                <a:solidFill>
+                  <a:schemeClr val="accent1"/>
+                </a:solidFill>
+              </a:rPr>
+              <a:t> azure </a:t>
+            </a:r>
+            <a:r>
+              <a:rPr lang="en-US" sz="2000" dirty="0" err="1">
+                <a:solidFill>
+                  <a:schemeClr val="accent1"/>
+                </a:solidFill>
+              </a:rPr>
+              <a:t>functionapp</a:t>
+            </a:r>
+            <a:r>
+              <a:rPr lang="en-US" sz="2000" dirty="0">
+                <a:solidFill>
+                  <a:schemeClr val="accent1"/>
+                </a:solidFill>
+              </a:rPr>
+              <a:t> publish &lt;name function app&gt;</a:t>
+            </a:r>
+          </a:p>
+          <a:p>
+            <a:pPr marL="0" indent="0">
+              <a:buNone/>
+            </a:pPr>
+            <a:endParaRPr lang="en-US" sz="2000" dirty="0">
+              <a:solidFill>
+                <a:schemeClr val="accent1"/>
+              </a:solidFill>
+            </a:endParaRPr>
+          </a:p>
+          <a:p>
+            <a:pPr marL="0" indent="0">
+              <a:buNone/>
+            </a:pPr>
+            <a:endParaRPr lang="en-US" sz="2000" dirty="0">
+              <a:solidFill>
+                <a:schemeClr val="accent1"/>
+              </a:solidFill>
+            </a:endParaRPr>
+          </a:p>
+          <a:p>
+            <a:pPr marL="0" indent="0">
+              <a:buNone/>
+            </a:pPr>
+            <a:endParaRPr lang="en-US" sz="2000" dirty="0">
+              <a:solidFill>
+                <a:schemeClr val="accent1"/>
+              </a:solidFill>
+            </a:endParaRPr>
+          </a:p>
+          <a:p>
+            <a:pPr marL="0" indent="0">
+              <a:buNone/>
+            </a:pPr>
+            <a:endParaRPr lang="en-US" sz="2000" dirty="0">
+              <a:solidFill>
+                <a:schemeClr val="accent1"/>
+              </a:solidFill>
+            </a:endParaRPr>
+          </a:p>
+          <a:p>
+            <a:pPr marL="0" indent="0">
+              <a:buNone/>
+            </a:pPr>
+            <a:endParaRPr lang="en-US" sz="2000" dirty="0">
+              <a:solidFill>
+                <a:schemeClr val="accent1"/>
+              </a:solidFill>
+            </a:endParaRPr>
+          </a:p>
+          <a:p>
+            <a:pPr marL="0" indent="0">
+              <a:buNone/>
+            </a:pPr>
+            <a:endParaRPr lang="en-US" sz="2000" dirty="0">
+              <a:solidFill>
+                <a:schemeClr val="accent1"/>
+              </a:solidFill>
+            </a:endParaRPr>
+          </a:p>
+          <a:p>
+            <a:pPr marL="0" indent="0">
+              <a:buNone/>
+            </a:pPr>
+            <a:endParaRPr lang="en-US" sz="2000" dirty="0">
+              <a:solidFill>
+                <a:schemeClr val="accent1"/>
+              </a:solidFill>
+            </a:endParaRPr>
+          </a:p>
+          <a:p>
+            <a:pPr marL="0" indent="0">
+              <a:buNone/>
+            </a:pPr>
+            <a:r>
+              <a:rPr lang="en-US" sz="2000" dirty="0"/>
+              <a:t>By default, requires authentication (in the form of an API key) for accessing HTTP endpoints </a:t>
+            </a:r>
+          </a:p>
+          <a:p>
+            <a:pPr marL="0" indent="0">
+              <a:buNone/>
+            </a:pPr>
+            <a:r>
+              <a:rPr lang="en-US" sz="2000" dirty="0"/>
+              <a:t> </a:t>
+            </a:r>
+          </a:p>
+          <a:p>
+            <a:pPr marL="0" indent="0">
+              <a:buNone/>
+            </a:pPr>
+            <a:br>
+              <a:rPr lang="en-US" dirty="0"/>
+            </a:br>
+            <a:endParaRPr lang="en-US" dirty="0"/>
+          </a:p>
+          <a:p>
+            <a:pPr marL="0" indent="0">
+              <a:buNone/>
+            </a:pPr>
+            <a:endParaRPr lang="en-US" sz="2000" dirty="0"/>
+          </a:p>
+          <a:p>
+            <a:pPr marL="0" indent="0">
+              <a:buNone/>
+            </a:pPr>
+            <a:r>
+              <a:rPr lang="en-US" sz="2000" dirty="0"/>
+              <a:t>Browse </a:t>
+            </a:r>
+            <a:r>
+              <a:rPr lang="en-US" sz="2000" dirty="0">
+                <a:hlinkClick r:id="rId2"/>
+              </a:rPr>
+              <a:t>https://jcrevecoeur.azurewebsites.net/api/time?code=&lt;API KEY&gt;</a:t>
+            </a:r>
+            <a:endParaRPr lang="en-US" sz="2000" dirty="0"/>
+          </a:p>
+          <a:p>
+            <a:endParaRPr lang="nl-BE" dirty="0"/>
+          </a:p>
+        </p:txBody>
+      </p:sp>
+      <p:pic>
+        <p:nvPicPr>
+          <p:cNvPr id="6" name="Picture 5">
+            <a:extLst>
+              <a:ext uri="{FF2B5EF4-FFF2-40B4-BE49-F238E27FC236}">
+                <a16:creationId xmlns:a16="http://schemas.microsoft.com/office/drawing/2014/main" id="{4B96A42E-7A43-44E9-B1C7-1FE5B9E61FFB}"/>
+              </a:ext>
+            </a:extLst>
+          </p:cNvPr>
+          <p:cNvPicPr>
+            <a:picLocks noChangeAspect="1"/>
+          </p:cNvPicPr>
+          <p:nvPr/>
+        </p:nvPicPr>
+        <p:blipFill>
+          <a:blip r:embed="rId3"/>
+          <a:stretch>
+            <a:fillRect/>
+          </a:stretch>
+        </p:blipFill>
+        <p:spPr>
+          <a:xfrm>
+            <a:off x="362674" y="1390493"/>
+            <a:ext cx="6878010" cy="2248214"/>
+          </a:xfrm>
+          <a:prstGeom prst="rect">
+            <a:avLst/>
+          </a:prstGeom>
+        </p:spPr>
+      </p:pic>
+      <p:pic>
+        <p:nvPicPr>
+          <p:cNvPr id="7" name="Picture 6">
+            <a:extLst>
+              <a:ext uri="{FF2B5EF4-FFF2-40B4-BE49-F238E27FC236}">
+                <a16:creationId xmlns:a16="http://schemas.microsoft.com/office/drawing/2014/main" id="{33C766D2-2447-4F78-AD14-45F543906D4E}"/>
+              </a:ext>
+            </a:extLst>
+          </p:cNvPr>
+          <p:cNvPicPr>
+            <a:picLocks noChangeAspect="1"/>
+          </p:cNvPicPr>
+          <p:nvPr/>
+        </p:nvPicPr>
+        <p:blipFill>
+          <a:blip r:embed="rId4"/>
+          <a:stretch>
+            <a:fillRect/>
+          </a:stretch>
+        </p:blipFill>
+        <p:spPr>
+          <a:xfrm>
+            <a:off x="362674" y="4523417"/>
+            <a:ext cx="6697010" cy="1200318"/>
+          </a:xfrm>
+          <a:prstGeom prst="rect">
+            <a:avLst/>
+          </a:prstGeom>
+        </p:spPr>
+      </p:pic>
+    </p:spTree>
+    <p:extLst>
+      <p:ext uri="{BB962C8B-B14F-4D97-AF65-F5344CB8AC3E}">
+        <p14:creationId xmlns:p14="http://schemas.microsoft.com/office/powerpoint/2010/main" val="1090254882"/>
+      </p:ext>
+    </p:extLst>
+  </p:cSld>
+  <p:clrMapOvr>
+    <a:masterClrMapping/>
+  </p:clrMapOvr>
+</p:sld>
+</file>
+
+<file path=ppt/slides/slide32.xml><?xml version="1.0" encoding="utf-8"?>
 <p:sld xmlns:a="http://schemas.openxmlformats.org/drawingml/2006/main" xmlns:r="http://schemas.openxmlformats.org/officeDocument/2006/relationships" xmlns:p="http://schemas.openxmlformats.org/presentationml/2006/main">
   <p:cSld>
     <p:spTree>
@@ -9905,7 +10258,7 @@
 </p:sld>
 </file>
 
-<file path=ppt/slides/slide31.xml><?xml version="1.0" encoding="utf-8"?>
+<file path=ppt/slides/slide33.xml><?xml version="1.0" encoding="utf-8"?>
 <p:sld xmlns:a="http://schemas.openxmlformats.org/drawingml/2006/main" xmlns:r="http://schemas.openxmlformats.org/officeDocument/2006/relationships" xmlns:p="http://schemas.openxmlformats.org/presentationml/2006/main">
   <p:cSld>
     <p:spTree>
@@ -10333,7 +10686,7 @@
 </p:sld>
 </file>
 
-<file path=ppt/slides/slide32.xml><?xml version="1.0" encoding="utf-8"?>
+<file path=ppt/slides/slide34.xml><?xml version="1.0" encoding="utf-8"?>
 <p:sld xmlns:a="http://schemas.openxmlformats.org/drawingml/2006/main" xmlns:r="http://schemas.openxmlformats.org/officeDocument/2006/relationships" xmlns:p="http://schemas.openxmlformats.org/presentationml/2006/main">
   <p:cSld>
     <p:spTree>
@@ -10532,7 +10885,7 @@
 </p:sld>
 </file>
 
-<file path=ppt/slides/slide33.xml><?xml version="1.0" encoding="utf-8"?>
+<file path=ppt/slides/slide35.xml><?xml version="1.0" encoding="utf-8"?>
 <p:sld xmlns:a="http://schemas.openxmlformats.org/drawingml/2006/main" xmlns:r="http://schemas.openxmlformats.org/officeDocument/2006/relationships" xmlns:p="http://schemas.openxmlformats.org/presentationml/2006/main">
   <p:cSld>
     <p:spTree>
@@ -10731,7 +11084,7 @@
 </p:sld>
 </file>
 
-<file path=ppt/slides/slide34.xml><?xml version="1.0" encoding="utf-8"?>
+<file path=ppt/slides/slide36.xml><?xml version="1.0" encoding="utf-8"?>
 <p:sld xmlns:a="http://schemas.openxmlformats.org/drawingml/2006/main" xmlns:r="http://schemas.openxmlformats.org/officeDocument/2006/relationships" xmlns:p="http://schemas.openxmlformats.org/presentationml/2006/main">
   <p:cSld>
     <p:spTree>
@@ -11104,7 +11457,7 @@
 </p:sld>
 </file>
 
-<file path=ppt/slides/slide35.xml><?xml version="1.0" encoding="utf-8"?>
+<file path=ppt/slides/slide37.xml><?xml version="1.0" encoding="utf-8"?>
 <p:sld xmlns:a="http://schemas.openxmlformats.org/drawingml/2006/main" xmlns:r="http://schemas.openxmlformats.org/officeDocument/2006/relationships" xmlns:p="http://schemas.openxmlformats.org/presentationml/2006/main">
   <p:cSld>
     <p:spTree>
@@ -11434,1113 +11787,6 @@
     <p:extLst>
       <p:ext uri="{BB962C8B-B14F-4D97-AF65-F5344CB8AC3E}">
         <p14:creationId xmlns:p14="http://schemas.microsoft.com/office/powerpoint/2010/main" val="3099483630"/>
-      </p:ext>
-    </p:extLst>
-  </p:cSld>
-  <p:clrMapOvr>
-    <a:masterClrMapping/>
-  </p:clrMapOvr>
-</p:sld>
-</file>
-
-<file path=ppt/slides/slide36.xml><?xml version="1.0" encoding="utf-8"?>
-<p:sld xmlns:a="http://schemas.openxmlformats.org/drawingml/2006/main" xmlns:r="http://schemas.openxmlformats.org/officeDocument/2006/relationships" xmlns:p="http://schemas.openxmlformats.org/presentationml/2006/main">
-  <p:cSld>
-    <p:spTree>
-      <p:nvGrpSpPr>
-        <p:cNvPr id="1" name=""/>
-        <p:cNvGrpSpPr/>
-        <p:nvPr/>
-      </p:nvGrpSpPr>
-      <p:grpSpPr>
-        <a:xfrm>
-          <a:off x="0" y="0"/>
-          <a:ext cx="0" cy="0"/>
-          <a:chOff x="0" y="0"/>
-          <a:chExt cx="0" cy="0"/>
-        </a:xfrm>
-      </p:grpSpPr>
-      <p:sp>
-        <p:nvSpPr>
-          <p:cNvPr id="5" name="Title 5">
-            <a:extLst>
-              <a:ext uri="{FF2B5EF4-FFF2-40B4-BE49-F238E27FC236}">
-                <a16:creationId xmlns:a16="http://schemas.microsoft.com/office/drawing/2014/main" id="{FAF41BCC-C7BA-43A3-936E-74072B203176}"/>
-              </a:ext>
-            </a:extLst>
-          </p:cNvPr>
-          <p:cNvSpPr>
-            <a:spLocks noGrp="1"/>
-          </p:cNvSpPr>
-          <p:nvPr>
-            <p:ph type="title"/>
-          </p:nvPr>
-        </p:nvSpPr>
-        <p:spPr>
-          <a:xfrm>
-            <a:off x="95250" y="-142875"/>
-            <a:ext cx="10515600" cy="1325563"/>
-          </a:xfrm>
-        </p:spPr>
-        <p:txBody>
-          <a:bodyPr/>
-          <a:lstStyle/>
-          <a:p>
-            <a:r>
-              <a:rPr lang="en-US" dirty="0"/>
-              <a:t>Access &amp; security</a:t>
-            </a:r>
-            <a:endParaRPr lang="nl-BE" dirty="0"/>
-          </a:p>
-        </p:txBody>
-      </p:sp>
-      <p:sp>
-        <p:nvSpPr>
-          <p:cNvPr id="2" name="TextBox 1">
-            <a:extLst>
-              <a:ext uri="{FF2B5EF4-FFF2-40B4-BE49-F238E27FC236}">
-                <a16:creationId xmlns:a16="http://schemas.microsoft.com/office/drawing/2014/main" id="{2B1EDFC8-F09C-48FA-8266-693CCF80121D}"/>
-              </a:ext>
-            </a:extLst>
-          </p:cNvPr>
-          <p:cNvSpPr txBox="1"/>
-          <p:nvPr/>
-        </p:nvSpPr>
-        <p:spPr>
-          <a:xfrm>
-            <a:off x="355107" y="1491447"/>
-            <a:ext cx="4102277" cy="430887"/>
-          </a:xfrm>
-          <a:prstGeom prst="rect">
-            <a:avLst/>
-          </a:prstGeom>
-          <a:noFill/>
-        </p:spPr>
-        <p:txBody>
-          <a:bodyPr wrap="none" rtlCol="0">
-            <a:spAutoFit/>
-          </a:bodyPr>
-          <a:lstStyle/>
-          <a:p>
-            <a:r>
-              <a:rPr lang="en-US" sz="2200" dirty="0"/>
-              <a:t>Role Based Access Control (RBAC):</a:t>
-            </a:r>
-            <a:endParaRPr lang="nl-BE" sz="2200" dirty="0"/>
-          </a:p>
-        </p:txBody>
-      </p:sp>
-      <p:pic>
-        <p:nvPicPr>
-          <p:cNvPr id="3" name="Picture 2">
-            <a:extLst>
-              <a:ext uri="{FF2B5EF4-FFF2-40B4-BE49-F238E27FC236}">
-                <a16:creationId xmlns:a16="http://schemas.microsoft.com/office/drawing/2014/main" id="{4E71DE42-7D0A-40E7-8F02-FFAF2428080F}"/>
-              </a:ext>
-            </a:extLst>
-          </p:cNvPr>
-          <p:cNvPicPr>
-            <a:picLocks noChangeAspect="1"/>
-          </p:cNvPicPr>
-          <p:nvPr/>
-        </p:nvPicPr>
-        <p:blipFill>
-          <a:blip r:embed="rId2"/>
-          <a:stretch>
-            <a:fillRect/>
-          </a:stretch>
-        </p:blipFill>
-        <p:spPr>
-          <a:xfrm>
-            <a:off x="1546335" y="2073513"/>
-            <a:ext cx="1060816" cy="936015"/>
-          </a:xfrm>
-          <a:prstGeom prst="rect">
-            <a:avLst/>
-          </a:prstGeom>
-        </p:spPr>
-      </p:pic>
-      <p:sp>
-        <p:nvSpPr>
-          <p:cNvPr id="6" name="TextBox 5">
-            <a:extLst>
-              <a:ext uri="{FF2B5EF4-FFF2-40B4-BE49-F238E27FC236}">
-                <a16:creationId xmlns:a16="http://schemas.microsoft.com/office/drawing/2014/main" id="{6F54E86C-261E-427B-B6A1-86CC4BCD7300}"/>
-              </a:ext>
-            </a:extLst>
-          </p:cNvPr>
-          <p:cNvSpPr txBox="1"/>
-          <p:nvPr/>
-        </p:nvSpPr>
-        <p:spPr>
-          <a:xfrm>
-            <a:off x="1621586" y="3015278"/>
-            <a:ext cx="910314" cy="369332"/>
-          </a:xfrm>
-          <a:prstGeom prst="rect">
-            <a:avLst/>
-          </a:prstGeom>
-          <a:noFill/>
-        </p:spPr>
-        <p:txBody>
-          <a:bodyPr wrap="none" rtlCol="0">
-            <a:spAutoFit/>
-          </a:bodyPr>
-          <a:lstStyle/>
-          <a:p>
-            <a:r>
-              <a:rPr lang="en-US" dirty="0"/>
-              <a:t>Identity</a:t>
-            </a:r>
-            <a:endParaRPr lang="nl-BE" dirty="0"/>
-          </a:p>
-        </p:txBody>
-      </p:sp>
-      <p:pic>
-        <p:nvPicPr>
-          <p:cNvPr id="9" name="Graphic 8" descr="Tools">
-            <a:extLst>
-              <a:ext uri="{FF2B5EF4-FFF2-40B4-BE49-F238E27FC236}">
-                <a16:creationId xmlns:a16="http://schemas.microsoft.com/office/drawing/2014/main" id="{FF617E00-D50D-4034-8238-99E3168DAA0A}"/>
-              </a:ext>
-            </a:extLst>
-          </p:cNvPr>
-          <p:cNvPicPr>
-            <a:picLocks noChangeAspect="1"/>
-          </p:cNvPicPr>
-          <p:nvPr/>
-        </p:nvPicPr>
-        <p:blipFill>
-          <a:blip r:embed="rId3">
-            <a:extLst>
-              <a:ext uri="{28A0092B-C50C-407E-A947-70E740481C1C}">
-                <a14:useLocalDpi xmlns:a14="http://schemas.microsoft.com/office/drawing/2010/main" val="0"/>
-              </a:ext>
-              <a:ext uri="{96DAC541-7B7A-43D3-8B79-37D633B846F1}">
-                <asvg:svgBlip xmlns:asvg="http://schemas.microsoft.com/office/drawing/2016/SVG/main" r:embed="rId4"/>
-              </a:ext>
-            </a:extLst>
-          </a:blip>
-          <a:stretch>
-            <a:fillRect/>
-          </a:stretch>
-        </p:blipFill>
-        <p:spPr>
-          <a:xfrm>
-            <a:off x="5057815" y="2073513"/>
-            <a:ext cx="914400" cy="914400"/>
-          </a:xfrm>
-          <a:prstGeom prst="rect">
-            <a:avLst/>
-          </a:prstGeom>
-        </p:spPr>
-      </p:pic>
-      <p:sp>
-        <p:nvSpPr>
-          <p:cNvPr id="31" name="TextBox 30">
-            <a:extLst>
-              <a:ext uri="{FF2B5EF4-FFF2-40B4-BE49-F238E27FC236}">
-                <a16:creationId xmlns:a16="http://schemas.microsoft.com/office/drawing/2014/main" id="{0E6EC958-678E-420F-A175-088288E25882}"/>
-              </a:ext>
-            </a:extLst>
-          </p:cNvPr>
-          <p:cNvSpPr txBox="1"/>
-          <p:nvPr/>
-        </p:nvSpPr>
-        <p:spPr>
-          <a:xfrm>
-            <a:off x="4715276" y="2996789"/>
-            <a:ext cx="1599477" cy="646331"/>
-          </a:xfrm>
-          <a:prstGeom prst="rect">
-            <a:avLst/>
-          </a:prstGeom>
-          <a:noFill/>
-        </p:spPr>
-        <p:txBody>
-          <a:bodyPr wrap="none" rtlCol="0">
-            <a:spAutoFit/>
-          </a:bodyPr>
-          <a:lstStyle/>
-          <a:p>
-            <a:pPr algn="ctr"/>
-            <a:r>
-              <a:rPr lang="en-US" dirty="0"/>
-              <a:t>Role</a:t>
-            </a:r>
-          </a:p>
-          <a:p>
-            <a:pPr algn="ctr"/>
-            <a:r>
-              <a:rPr lang="en-US" dirty="0"/>
-              <a:t>“has access to”</a:t>
-            </a:r>
-            <a:endParaRPr lang="nl-BE" dirty="0"/>
-          </a:p>
-        </p:txBody>
-      </p:sp>
-      <p:pic>
-        <p:nvPicPr>
-          <p:cNvPr id="10" name="Picture 9">
-            <a:extLst>
-              <a:ext uri="{FF2B5EF4-FFF2-40B4-BE49-F238E27FC236}">
-                <a16:creationId xmlns:a16="http://schemas.microsoft.com/office/drawing/2014/main" id="{1D33D1D0-0BE0-45BC-B5CF-F4DC99D49F9D}"/>
-              </a:ext>
-            </a:extLst>
-          </p:cNvPr>
-          <p:cNvPicPr>
-            <a:picLocks noChangeAspect="1"/>
-          </p:cNvPicPr>
-          <p:nvPr/>
-        </p:nvPicPr>
-        <p:blipFill>
-          <a:blip r:embed="rId5"/>
-          <a:stretch>
-            <a:fillRect/>
-          </a:stretch>
-        </p:blipFill>
-        <p:spPr>
-          <a:xfrm>
-            <a:off x="8422878" y="1842432"/>
-            <a:ext cx="1276528" cy="1190791"/>
-          </a:xfrm>
-          <a:prstGeom prst="rect">
-            <a:avLst/>
-          </a:prstGeom>
-        </p:spPr>
-      </p:pic>
-      <p:sp>
-        <p:nvSpPr>
-          <p:cNvPr id="33" name="TextBox 32">
-            <a:extLst>
-              <a:ext uri="{FF2B5EF4-FFF2-40B4-BE49-F238E27FC236}">
-                <a16:creationId xmlns:a16="http://schemas.microsoft.com/office/drawing/2014/main" id="{3D67E989-4101-48D8-9D69-DA07FA841C95}"/>
-              </a:ext>
-            </a:extLst>
-          </p:cNvPr>
-          <p:cNvSpPr txBox="1"/>
-          <p:nvPr/>
-        </p:nvSpPr>
-        <p:spPr>
-          <a:xfrm>
-            <a:off x="8538915" y="3009528"/>
-            <a:ext cx="1044453" cy="369332"/>
-          </a:xfrm>
-          <a:prstGeom prst="rect">
-            <a:avLst/>
-          </a:prstGeom>
-          <a:noFill/>
-        </p:spPr>
-        <p:txBody>
-          <a:bodyPr wrap="none" rtlCol="0">
-            <a:spAutoFit/>
-          </a:bodyPr>
-          <a:lstStyle/>
-          <a:p>
-            <a:r>
-              <a:rPr lang="en-US" dirty="0"/>
-              <a:t>Resource</a:t>
-            </a:r>
-            <a:endParaRPr lang="nl-BE" dirty="0"/>
-          </a:p>
-        </p:txBody>
-      </p:sp>
-      <p:sp>
-        <p:nvSpPr>
-          <p:cNvPr id="36" name="TextBox 35">
-            <a:extLst>
-              <a:ext uri="{FF2B5EF4-FFF2-40B4-BE49-F238E27FC236}">
-                <a16:creationId xmlns:a16="http://schemas.microsoft.com/office/drawing/2014/main" id="{49F0BD25-7AB8-4499-8032-ED32C29FEC46}"/>
-              </a:ext>
-            </a:extLst>
-          </p:cNvPr>
-          <p:cNvSpPr txBox="1"/>
-          <p:nvPr/>
-        </p:nvSpPr>
-        <p:spPr>
-          <a:xfrm>
-            <a:off x="355106" y="3943164"/>
-            <a:ext cx="1663853" cy="430887"/>
-          </a:xfrm>
-          <a:prstGeom prst="rect">
-            <a:avLst/>
-          </a:prstGeom>
-          <a:noFill/>
-        </p:spPr>
-        <p:txBody>
-          <a:bodyPr wrap="none" rtlCol="0">
-            <a:spAutoFit/>
-          </a:bodyPr>
-          <a:lstStyle/>
-          <a:p>
-            <a:r>
-              <a:rPr lang="en-US" sz="2200" dirty="0"/>
-              <a:t>For example:</a:t>
-            </a:r>
-            <a:endParaRPr lang="nl-BE" sz="2200" dirty="0"/>
-          </a:p>
-        </p:txBody>
-      </p:sp>
-      <p:pic>
-        <p:nvPicPr>
-          <p:cNvPr id="37" name="Picture 36">
-            <a:extLst>
-              <a:ext uri="{FF2B5EF4-FFF2-40B4-BE49-F238E27FC236}">
-                <a16:creationId xmlns:a16="http://schemas.microsoft.com/office/drawing/2014/main" id="{2CBDC5A9-6EA5-471A-B3F8-A665E68ACFEF}"/>
-              </a:ext>
-            </a:extLst>
-          </p:cNvPr>
-          <p:cNvPicPr>
-            <a:picLocks noChangeAspect="1"/>
-          </p:cNvPicPr>
-          <p:nvPr/>
-        </p:nvPicPr>
-        <p:blipFill>
-          <a:blip r:embed="rId2"/>
-          <a:stretch>
-            <a:fillRect/>
-          </a:stretch>
-        </p:blipFill>
-        <p:spPr>
-          <a:xfrm>
-            <a:off x="1546335" y="4749550"/>
-            <a:ext cx="1060816" cy="936015"/>
-          </a:xfrm>
-          <a:prstGeom prst="rect">
-            <a:avLst/>
-          </a:prstGeom>
-        </p:spPr>
-      </p:pic>
-      <p:sp>
-        <p:nvSpPr>
-          <p:cNvPr id="40" name="TextBox 39">
-            <a:extLst>
-              <a:ext uri="{FF2B5EF4-FFF2-40B4-BE49-F238E27FC236}">
-                <a16:creationId xmlns:a16="http://schemas.microsoft.com/office/drawing/2014/main" id="{6E1CBF69-2911-4A79-9BEF-601D001995A4}"/>
-              </a:ext>
-            </a:extLst>
-          </p:cNvPr>
-          <p:cNvSpPr txBox="1"/>
-          <p:nvPr/>
-        </p:nvSpPr>
-        <p:spPr>
-          <a:xfrm>
-            <a:off x="1451411" y="5685565"/>
-            <a:ext cx="1250663" cy="369332"/>
-          </a:xfrm>
-          <a:prstGeom prst="rect">
-            <a:avLst/>
-          </a:prstGeom>
-          <a:noFill/>
-        </p:spPr>
-        <p:txBody>
-          <a:bodyPr wrap="none" rtlCol="0">
-            <a:spAutoFit/>
-          </a:bodyPr>
-          <a:lstStyle/>
-          <a:p>
-            <a:r>
-              <a:rPr lang="en-US" dirty="0"/>
-              <a:t>User: Jonas</a:t>
-            </a:r>
-            <a:endParaRPr lang="nl-BE" dirty="0"/>
-          </a:p>
-        </p:txBody>
-      </p:sp>
-      <p:pic>
-        <p:nvPicPr>
-          <p:cNvPr id="41" name="Graphic 40" descr="Tools">
-            <a:extLst>
-              <a:ext uri="{FF2B5EF4-FFF2-40B4-BE49-F238E27FC236}">
-                <a16:creationId xmlns:a16="http://schemas.microsoft.com/office/drawing/2014/main" id="{AF77C702-401A-4921-B25F-164E8C3DCD72}"/>
-              </a:ext>
-            </a:extLst>
-          </p:cNvPr>
-          <p:cNvPicPr>
-            <a:picLocks noChangeAspect="1"/>
-          </p:cNvPicPr>
-          <p:nvPr/>
-        </p:nvPicPr>
-        <p:blipFill>
-          <a:blip r:embed="rId3">
-            <a:extLst>
-              <a:ext uri="{28A0092B-C50C-407E-A947-70E740481C1C}">
-                <a14:useLocalDpi xmlns:a14="http://schemas.microsoft.com/office/drawing/2010/main" val="0"/>
-              </a:ext>
-              <a:ext uri="{96DAC541-7B7A-43D3-8B79-37D633B846F1}">
-                <asvg:svgBlip xmlns:asvg="http://schemas.microsoft.com/office/drawing/2016/SVG/main" r:embed="rId4"/>
-              </a:ext>
-            </a:extLst>
-          </a:blip>
-          <a:stretch>
-            <a:fillRect/>
-          </a:stretch>
-        </p:blipFill>
-        <p:spPr>
-          <a:xfrm>
-            <a:off x="5057815" y="4749550"/>
-            <a:ext cx="914400" cy="914400"/>
-          </a:xfrm>
-          <a:prstGeom prst="rect">
-            <a:avLst/>
-          </a:prstGeom>
-        </p:spPr>
-      </p:pic>
-      <p:sp>
-        <p:nvSpPr>
-          <p:cNvPr id="42" name="TextBox 41">
-            <a:extLst>
-              <a:ext uri="{FF2B5EF4-FFF2-40B4-BE49-F238E27FC236}">
-                <a16:creationId xmlns:a16="http://schemas.microsoft.com/office/drawing/2014/main" id="{26293BF7-BF8F-4882-91F4-7A4D0CC82AA5}"/>
-              </a:ext>
-            </a:extLst>
-          </p:cNvPr>
-          <p:cNvSpPr txBox="1"/>
-          <p:nvPr/>
-        </p:nvSpPr>
-        <p:spPr>
-          <a:xfrm>
-            <a:off x="4559691" y="5681704"/>
-            <a:ext cx="1910651" cy="369332"/>
-          </a:xfrm>
-          <a:prstGeom prst="rect">
-            <a:avLst/>
-          </a:prstGeom>
-          <a:noFill/>
-        </p:spPr>
-        <p:txBody>
-          <a:bodyPr wrap="none" rtlCol="0">
-            <a:spAutoFit/>
-          </a:bodyPr>
-          <a:lstStyle/>
-          <a:p>
-            <a:pPr algn="ctr"/>
-            <a:r>
-              <a:rPr lang="en-US" dirty="0"/>
-              <a:t>Has read access to</a:t>
-            </a:r>
-            <a:endParaRPr lang="nl-BE" dirty="0"/>
-          </a:p>
-        </p:txBody>
-      </p:sp>
-      <p:sp>
-        <p:nvSpPr>
-          <p:cNvPr id="44" name="TextBox 43">
-            <a:extLst>
-              <a:ext uri="{FF2B5EF4-FFF2-40B4-BE49-F238E27FC236}">
-                <a16:creationId xmlns:a16="http://schemas.microsoft.com/office/drawing/2014/main" id="{1B500F8E-D96D-4D04-A442-C4968C18EE83}"/>
-              </a:ext>
-            </a:extLst>
-          </p:cNvPr>
-          <p:cNvSpPr txBox="1"/>
-          <p:nvPr/>
-        </p:nvSpPr>
-        <p:spPr>
-          <a:xfrm>
-            <a:off x="7622893" y="5685565"/>
-            <a:ext cx="2876493" cy="369332"/>
-          </a:xfrm>
-          <a:prstGeom prst="rect">
-            <a:avLst/>
-          </a:prstGeom>
-          <a:noFill/>
-        </p:spPr>
-        <p:txBody>
-          <a:bodyPr wrap="none" rtlCol="0">
-            <a:spAutoFit/>
-          </a:bodyPr>
-          <a:lstStyle/>
-          <a:p>
-            <a:r>
-              <a:rPr lang="en-US" dirty="0"/>
-              <a:t>A specific Azure blob storage</a:t>
-            </a:r>
-            <a:endParaRPr lang="nl-BE" dirty="0"/>
-          </a:p>
-        </p:txBody>
-      </p:sp>
-      <p:pic>
-        <p:nvPicPr>
-          <p:cNvPr id="45" name="Picture 2" descr="Microsoft Azure Blob Storage | element61">
-            <a:extLst>
-              <a:ext uri="{FF2B5EF4-FFF2-40B4-BE49-F238E27FC236}">
-                <a16:creationId xmlns:a16="http://schemas.microsoft.com/office/drawing/2014/main" id="{E4345C44-5BD9-4C9D-9864-7E2CE8E3F51A}"/>
-              </a:ext>
-            </a:extLst>
-          </p:cNvPr>
-          <p:cNvPicPr>
-            <a:picLocks noChangeAspect="1" noChangeArrowheads="1"/>
-          </p:cNvPicPr>
-          <p:nvPr/>
-        </p:nvPicPr>
-        <p:blipFill>
-          <a:blip r:embed="rId6">
-            <a:extLst>
-              <a:ext uri="{28A0092B-C50C-407E-A947-70E740481C1C}">
-                <a14:useLocalDpi xmlns:a14="http://schemas.microsoft.com/office/drawing/2010/main" val="0"/>
-              </a:ext>
-            </a:extLst>
-          </a:blip>
-          <a:srcRect/>
-          <a:stretch>
-            <a:fillRect/>
-          </a:stretch>
-        </p:blipFill>
-        <p:spPr bwMode="auto">
-          <a:xfrm>
-            <a:off x="8510497" y="4656106"/>
-            <a:ext cx="1101287" cy="1101287"/>
-          </a:xfrm>
-          <a:prstGeom prst="rect">
-            <a:avLst/>
-          </a:prstGeom>
-          <a:noFill/>
-          <a:extLst>
-            <a:ext uri="{909E8E84-426E-40DD-AFC4-6F175D3DCCD1}">
-              <a14:hiddenFill xmlns:a14="http://schemas.microsoft.com/office/drawing/2010/main">
-                <a:solidFill>
-                  <a:srgbClr val="FFFFFF"/>
-                </a:solidFill>
-              </a14:hiddenFill>
-            </a:ext>
-          </a:extLst>
-        </p:spPr>
-      </p:pic>
-    </p:spTree>
-    <p:extLst>
-      <p:ext uri="{BB962C8B-B14F-4D97-AF65-F5344CB8AC3E}">
-        <p14:creationId xmlns:p14="http://schemas.microsoft.com/office/powerpoint/2010/main" val="1106902608"/>
-      </p:ext>
-    </p:extLst>
-  </p:cSld>
-  <p:clrMapOvr>
-    <a:masterClrMapping/>
-  </p:clrMapOvr>
-</p:sld>
-</file>
-
-<file path=ppt/slides/slide37.xml><?xml version="1.0" encoding="utf-8"?>
-<p:sld xmlns:a="http://schemas.openxmlformats.org/drawingml/2006/main" xmlns:r="http://schemas.openxmlformats.org/officeDocument/2006/relationships" xmlns:p="http://schemas.openxmlformats.org/presentationml/2006/main">
-  <p:cSld>
-    <p:spTree>
-      <p:nvGrpSpPr>
-        <p:cNvPr id="1" name=""/>
-        <p:cNvGrpSpPr/>
-        <p:nvPr/>
-      </p:nvGrpSpPr>
-      <p:grpSpPr>
-        <a:xfrm>
-          <a:off x="0" y="0"/>
-          <a:ext cx="0" cy="0"/>
-          <a:chOff x="0" y="0"/>
-          <a:chExt cx="0" cy="0"/>
-        </a:xfrm>
-      </p:grpSpPr>
-      <p:sp>
-        <p:nvSpPr>
-          <p:cNvPr id="5" name="Title 5">
-            <a:extLst>
-              <a:ext uri="{FF2B5EF4-FFF2-40B4-BE49-F238E27FC236}">
-                <a16:creationId xmlns:a16="http://schemas.microsoft.com/office/drawing/2014/main" id="{FAF41BCC-C7BA-43A3-936E-74072B203176}"/>
-              </a:ext>
-            </a:extLst>
-          </p:cNvPr>
-          <p:cNvSpPr>
-            <a:spLocks noGrp="1"/>
-          </p:cNvSpPr>
-          <p:nvPr>
-            <p:ph type="title"/>
-          </p:nvPr>
-        </p:nvSpPr>
-        <p:spPr>
-          <a:xfrm>
-            <a:off x="95250" y="-142875"/>
-            <a:ext cx="10515600" cy="1325563"/>
-          </a:xfrm>
-        </p:spPr>
-        <p:txBody>
-          <a:bodyPr/>
-          <a:lstStyle/>
-          <a:p>
-            <a:r>
-              <a:rPr lang="en-US" dirty="0"/>
-              <a:t>Access &amp; security</a:t>
-            </a:r>
-            <a:endParaRPr lang="nl-BE" dirty="0"/>
-          </a:p>
-        </p:txBody>
-      </p:sp>
-      <p:sp>
-        <p:nvSpPr>
-          <p:cNvPr id="2" name="TextBox 1">
-            <a:extLst>
-              <a:ext uri="{FF2B5EF4-FFF2-40B4-BE49-F238E27FC236}">
-                <a16:creationId xmlns:a16="http://schemas.microsoft.com/office/drawing/2014/main" id="{2B1EDFC8-F09C-48FA-8266-693CCF80121D}"/>
-              </a:ext>
-            </a:extLst>
-          </p:cNvPr>
-          <p:cNvSpPr txBox="1"/>
-          <p:nvPr/>
-        </p:nvSpPr>
-        <p:spPr>
-          <a:xfrm>
-            <a:off x="355107" y="1491447"/>
-            <a:ext cx="4102277" cy="430887"/>
-          </a:xfrm>
-          <a:prstGeom prst="rect">
-            <a:avLst/>
-          </a:prstGeom>
-          <a:noFill/>
-        </p:spPr>
-        <p:txBody>
-          <a:bodyPr wrap="none" rtlCol="0">
-            <a:spAutoFit/>
-          </a:bodyPr>
-          <a:lstStyle/>
-          <a:p>
-            <a:r>
-              <a:rPr lang="en-US" sz="2200" dirty="0"/>
-              <a:t>Role Based Access Control (RBAC):</a:t>
-            </a:r>
-            <a:endParaRPr lang="nl-BE" sz="2200" dirty="0"/>
-          </a:p>
-        </p:txBody>
-      </p:sp>
-      <p:pic>
-        <p:nvPicPr>
-          <p:cNvPr id="3" name="Picture 2">
-            <a:extLst>
-              <a:ext uri="{FF2B5EF4-FFF2-40B4-BE49-F238E27FC236}">
-                <a16:creationId xmlns:a16="http://schemas.microsoft.com/office/drawing/2014/main" id="{4E71DE42-7D0A-40E7-8F02-FFAF2428080F}"/>
-              </a:ext>
-            </a:extLst>
-          </p:cNvPr>
-          <p:cNvPicPr>
-            <a:picLocks noChangeAspect="1"/>
-          </p:cNvPicPr>
-          <p:nvPr/>
-        </p:nvPicPr>
-        <p:blipFill>
-          <a:blip r:embed="rId2"/>
-          <a:stretch>
-            <a:fillRect/>
-          </a:stretch>
-        </p:blipFill>
-        <p:spPr>
-          <a:xfrm>
-            <a:off x="1546335" y="2073513"/>
-            <a:ext cx="1060816" cy="936015"/>
-          </a:xfrm>
-          <a:prstGeom prst="rect">
-            <a:avLst/>
-          </a:prstGeom>
-        </p:spPr>
-      </p:pic>
-      <p:sp>
-        <p:nvSpPr>
-          <p:cNvPr id="6" name="TextBox 5">
-            <a:extLst>
-              <a:ext uri="{FF2B5EF4-FFF2-40B4-BE49-F238E27FC236}">
-                <a16:creationId xmlns:a16="http://schemas.microsoft.com/office/drawing/2014/main" id="{6F54E86C-261E-427B-B6A1-86CC4BCD7300}"/>
-              </a:ext>
-            </a:extLst>
-          </p:cNvPr>
-          <p:cNvSpPr txBox="1"/>
-          <p:nvPr/>
-        </p:nvSpPr>
-        <p:spPr>
-          <a:xfrm>
-            <a:off x="1621586" y="3015278"/>
-            <a:ext cx="910314" cy="369332"/>
-          </a:xfrm>
-          <a:prstGeom prst="rect">
-            <a:avLst/>
-          </a:prstGeom>
-          <a:noFill/>
-        </p:spPr>
-        <p:txBody>
-          <a:bodyPr wrap="none" rtlCol="0">
-            <a:spAutoFit/>
-          </a:bodyPr>
-          <a:lstStyle/>
-          <a:p>
-            <a:r>
-              <a:rPr lang="en-US" dirty="0"/>
-              <a:t>Identity</a:t>
-            </a:r>
-            <a:endParaRPr lang="nl-BE" dirty="0"/>
-          </a:p>
-        </p:txBody>
-      </p:sp>
-      <p:pic>
-        <p:nvPicPr>
-          <p:cNvPr id="9" name="Graphic 8" descr="Tools">
-            <a:extLst>
-              <a:ext uri="{FF2B5EF4-FFF2-40B4-BE49-F238E27FC236}">
-                <a16:creationId xmlns:a16="http://schemas.microsoft.com/office/drawing/2014/main" id="{FF617E00-D50D-4034-8238-99E3168DAA0A}"/>
-              </a:ext>
-            </a:extLst>
-          </p:cNvPr>
-          <p:cNvPicPr>
-            <a:picLocks noChangeAspect="1"/>
-          </p:cNvPicPr>
-          <p:nvPr/>
-        </p:nvPicPr>
-        <p:blipFill>
-          <a:blip r:embed="rId3">
-            <a:extLst>
-              <a:ext uri="{28A0092B-C50C-407E-A947-70E740481C1C}">
-                <a14:useLocalDpi xmlns:a14="http://schemas.microsoft.com/office/drawing/2010/main" val="0"/>
-              </a:ext>
-              <a:ext uri="{96DAC541-7B7A-43D3-8B79-37D633B846F1}">
-                <asvg:svgBlip xmlns:asvg="http://schemas.microsoft.com/office/drawing/2016/SVG/main" r:embed="rId4"/>
-              </a:ext>
-            </a:extLst>
-          </a:blip>
-          <a:stretch>
-            <a:fillRect/>
-          </a:stretch>
-        </p:blipFill>
-        <p:spPr>
-          <a:xfrm>
-            <a:off x="5057815" y="2073513"/>
-            <a:ext cx="914400" cy="914400"/>
-          </a:xfrm>
-          <a:prstGeom prst="rect">
-            <a:avLst/>
-          </a:prstGeom>
-        </p:spPr>
-      </p:pic>
-      <p:sp>
-        <p:nvSpPr>
-          <p:cNvPr id="31" name="TextBox 30">
-            <a:extLst>
-              <a:ext uri="{FF2B5EF4-FFF2-40B4-BE49-F238E27FC236}">
-                <a16:creationId xmlns:a16="http://schemas.microsoft.com/office/drawing/2014/main" id="{0E6EC958-678E-420F-A175-088288E25882}"/>
-              </a:ext>
-            </a:extLst>
-          </p:cNvPr>
-          <p:cNvSpPr txBox="1"/>
-          <p:nvPr/>
-        </p:nvSpPr>
-        <p:spPr>
-          <a:xfrm>
-            <a:off x="4715276" y="2996789"/>
-            <a:ext cx="1599477" cy="646331"/>
-          </a:xfrm>
-          <a:prstGeom prst="rect">
-            <a:avLst/>
-          </a:prstGeom>
-          <a:noFill/>
-        </p:spPr>
-        <p:txBody>
-          <a:bodyPr wrap="none" rtlCol="0">
-            <a:spAutoFit/>
-          </a:bodyPr>
-          <a:lstStyle/>
-          <a:p>
-            <a:pPr algn="ctr"/>
-            <a:r>
-              <a:rPr lang="en-US" dirty="0"/>
-              <a:t>Role</a:t>
-            </a:r>
-          </a:p>
-          <a:p>
-            <a:pPr algn="ctr"/>
-            <a:r>
-              <a:rPr lang="en-US" dirty="0"/>
-              <a:t>“has access to”</a:t>
-            </a:r>
-            <a:endParaRPr lang="nl-BE" dirty="0"/>
-          </a:p>
-        </p:txBody>
-      </p:sp>
-      <p:pic>
-        <p:nvPicPr>
-          <p:cNvPr id="10" name="Picture 9">
-            <a:extLst>
-              <a:ext uri="{FF2B5EF4-FFF2-40B4-BE49-F238E27FC236}">
-                <a16:creationId xmlns:a16="http://schemas.microsoft.com/office/drawing/2014/main" id="{1D33D1D0-0BE0-45BC-B5CF-F4DC99D49F9D}"/>
-              </a:ext>
-            </a:extLst>
-          </p:cNvPr>
-          <p:cNvPicPr>
-            <a:picLocks noChangeAspect="1"/>
-          </p:cNvPicPr>
-          <p:nvPr/>
-        </p:nvPicPr>
-        <p:blipFill>
-          <a:blip r:embed="rId5"/>
-          <a:stretch>
-            <a:fillRect/>
-          </a:stretch>
-        </p:blipFill>
-        <p:spPr>
-          <a:xfrm>
-            <a:off x="8422878" y="1842432"/>
-            <a:ext cx="1276528" cy="1190791"/>
-          </a:xfrm>
-          <a:prstGeom prst="rect">
-            <a:avLst/>
-          </a:prstGeom>
-        </p:spPr>
-      </p:pic>
-      <p:sp>
-        <p:nvSpPr>
-          <p:cNvPr id="33" name="TextBox 32">
-            <a:extLst>
-              <a:ext uri="{FF2B5EF4-FFF2-40B4-BE49-F238E27FC236}">
-                <a16:creationId xmlns:a16="http://schemas.microsoft.com/office/drawing/2014/main" id="{3D67E989-4101-48D8-9D69-DA07FA841C95}"/>
-              </a:ext>
-            </a:extLst>
-          </p:cNvPr>
-          <p:cNvSpPr txBox="1"/>
-          <p:nvPr/>
-        </p:nvSpPr>
-        <p:spPr>
-          <a:xfrm>
-            <a:off x="8538915" y="3009528"/>
-            <a:ext cx="1044453" cy="369332"/>
-          </a:xfrm>
-          <a:prstGeom prst="rect">
-            <a:avLst/>
-          </a:prstGeom>
-          <a:noFill/>
-        </p:spPr>
-        <p:txBody>
-          <a:bodyPr wrap="none" rtlCol="0">
-            <a:spAutoFit/>
-          </a:bodyPr>
-          <a:lstStyle/>
-          <a:p>
-            <a:r>
-              <a:rPr lang="en-US" dirty="0"/>
-              <a:t>Resource</a:t>
-            </a:r>
-            <a:endParaRPr lang="nl-BE" dirty="0"/>
-          </a:p>
-        </p:txBody>
-      </p:sp>
-      <p:pic>
-        <p:nvPicPr>
-          <p:cNvPr id="4" name="Picture 3">
-            <a:extLst>
-              <a:ext uri="{FF2B5EF4-FFF2-40B4-BE49-F238E27FC236}">
-                <a16:creationId xmlns:a16="http://schemas.microsoft.com/office/drawing/2014/main" id="{EB4EB2A2-E76E-42E2-8EAE-340033C581FB}"/>
-              </a:ext>
-            </a:extLst>
-          </p:cNvPr>
-          <p:cNvPicPr>
-            <a:picLocks noChangeAspect="1"/>
-          </p:cNvPicPr>
-          <p:nvPr/>
-        </p:nvPicPr>
-        <p:blipFill>
-          <a:blip r:embed="rId6"/>
-          <a:stretch>
-            <a:fillRect/>
-          </a:stretch>
-        </p:blipFill>
-        <p:spPr>
-          <a:xfrm>
-            <a:off x="7255901" y="3378860"/>
-            <a:ext cx="4231804" cy="3271553"/>
-          </a:xfrm>
-          <a:prstGeom prst="rect">
-            <a:avLst/>
-          </a:prstGeom>
-        </p:spPr>
-      </p:pic>
-      <p:pic>
-        <p:nvPicPr>
-          <p:cNvPr id="8" name="Picture 7">
-            <a:extLst>
-              <a:ext uri="{FF2B5EF4-FFF2-40B4-BE49-F238E27FC236}">
-                <a16:creationId xmlns:a16="http://schemas.microsoft.com/office/drawing/2014/main" id="{7EFF8157-B179-42D6-A606-605748242E7E}"/>
-              </a:ext>
-            </a:extLst>
-          </p:cNvPr>
-          <p:cNvPicPr>
-            <a:picLocks noChangeAspect="1"/>
-          </p:cNvPicPr>
-          <p:nvPr/>
-        </p:nvPicPr>
-        <p:blipFill>
-          <a:blip r:embed="rId7"/>
-          <a:stretch>
-            <a:fillRect/>
-          </a:stretch>
-        </p:blipFill>
-        <p:spPr>
-          <a:xfrm>
-            <a:off x="83177" y="3388584"/>
-            <a:ext cx="4128780" cy="1462276"/>
-          </a:xfrm>
-          <a:prstGeom prst="rect">
-            <a:avLst/>
-          </a:prstGeom>
-        </p:spPr>
-      </p:pic>
-      <p:cxnSp>
-        <p:nvCxnSpPr>
-          <p:cNvPr id="12" name="Straight Arrow Connector 11">
-            <a:extLst>
-              <a:ext uri="{FF2B5EF4-FFF2-40B4-BE49-F238E27FC236}">
-                <a16:creationId xmlns:a16="http://schemas.microsoft.com/office/drawing/2014/main" id="{555BAB4F-304C-4F7E-9E74-C03FA03039A2}"/>
-              </a:ext>
-            </a:extLst>
-          </p:cNvPr>
-          <p:cNvCxnSpPr/>
-          <p:nvPr/>
-        </p:nvCxnSpPr>
-        <p:spPr>
-          <a:xfrm>
-            <a:off x="239697" y="5273338"/>
-            <a:ext cx="3604334" cy="0"/>
-          </a:xfrm>
-          <a:prstGeom prst="straightConnector1">
-            <a:avLst/>
-          </a:prstGeom>
-          <a:ln w="28575">
-            <a:solidFill>
-              <a:schemeClr val="tx1"/>
-            </a:solidFill>
-            <a:tailEnd type="triangle"/>
-          </a:ln>
-        </p:spPr>
-        <p:style>
-          <a:lnRef idx="1">
-            <a:schemeClr val="dk1"/>
-          </a:lnRef>
-          <a:fillRef idx="0">
-            <a:schemeClr val="dk1"/>
-          </a:fillRef>
-          <a:effectRef idx="0">
-            <a:schemeClr val="dk1"/>
-          </a:effectRef>
-          <a:fontRef idx="minor">
-            <a:schemeClr val="tx1"/>
-          </a:fontRef>
-        </p:style>
-      </p:cxnSp>
-      <p:sp>
-        <p:nvSpPr>
-          <p:cNvPr id="13" name="TextBox 12">
-            <a:extLst>
-              <a:ext uri="{FF2B5EF4-FFF2-40B4-BE49-F238E27FC236}">
-                <a16:creationId xmlns:a16="http://schemas.microsoft.com/office/drawing/2014/main" id="{841EF006-0479-4203-9814-EC8CF2536D4C}"/>
-              </a:ext>
-            </a:extLst>
-          </p:cNvPr>
-          <p:cNvSpPr txBox="1"/>
-          <p:nvPr/>
-        </p:nvSpPr>
-        <p:spPr>
-          <a:xfrm>
-            <a:off x="608640" y="4846092"/>
-            <a:ext cx="2593659" cy="369332"/>
-          </a:xfrm>
-          <a:prstGeom prst="rect">
-            <a:avLst/>
-          </a:prstGeom>
-          <a:noFill/>
-        </p:spPr>
-        <p:txBody>
-          <a:bodyPr wrap="none" rtlCol="0">
-            <a:spAutoFit/>
-          </a:bodyPr>
-          <a:lstStyle/>
-          <a:p>
-            <a:r>
-              <a:rPr lang="en-US" dirty="0"/>
-              <a:t>Principle of least privilege</a:t>
-            </a:r>
-          </a:p>
-        </p:txBody>
-      </p:sp>
-      <p:cxnSp>
-        <p:nvCxnSpPr>
-          <p:cNvPr id="17" name="Straight Arrow Connector 16">
-            <a:extLst>
-              <a:ext uri="{FF2B5EF4-FFF2-40B4-BE49-F238E27FC236}">
-                <a16:creationId xmlns:a16="http://schemas.microsoft.com/office/drawing/2014/main" id="{C73E76B3-6D9A-490B-A553-B69C5CD1C435}"/>
-              </a:ext>
-            </a:extLst>
-          </p:cNvPr>
-          <p:cNvCxnSpPr>
-            <a:cxnSpLocks/>
-          </p:cNvCxnSpPr>
-          <p:nvPr/>
-        </p:nvCxnSpPr>
-        <p:spPr>
-          <a:xfrm flipH="1">
-            <a:off x="7255901" y="3643120"/>
-            <a:ext cx="1" cy="2802068"/>
-          </a:xfrm>
-          <a:prstGeom prst="straightConnector1">
-            <a:avLst/>
-          </a:prstGeom>
-          <a:ln w="28575">
-            <a:solidFill>
-              <a:schemeClr val="tx1"/>
-            </a:solidFill>
-            <a:tailEnd type="triangle"/>
-          </a:ln>
-        </p:spPr>
-        <p:style>
-          <a:lnRef idx="1">
-            <a:schemeClr val="dk1"/>
-          </a:lnRef>
-          <a:fillRef idx="0">
-            <a:schemeClr val="dk1"/>
-          </a:fillRef>
-          <a:effectRef idx="0">
-            <a:schemeClr val="dk1"/>
-          </a:effectRef>
-          <a:fontRef idx="minor">
-            <a:schemeClr val="tx1"/>
-          </a:fontRef>
-        </p:style>
-      </p:cxnSp>
-      <p:sp>
-        <p:nvSpPr>
-          <p:cNvPr id="18" name="TextBox 17">
-            <a:extLst>
-              <a:ext uri="{FF2B5EF4-FFF2-40B4-BE49-F238E27FC236}">
-                <a16:creationId xmlns:a16="http://schemas.microsoft.com/office/drawing/2014/main" id="{78F29F05-882C-4125-ABD1-E12ED2B40AF1}"/>
-              </a:ext>
-            </a:extLst>
-          </p:cNvPr>
-          <p:cNvSpPr txBox="1"/>
-          <p:nvPr/>
-        </p:nvSpPr>
-        <p:spPr>
-          <a:xfrm rot="16200000">
-            <a:off x="5756955" y="4829969"/>
-            <a:ext cx="2593659" cy="369332"/>
-          </a:xfrm>
-          <a:prstGeom prst="rect">
-            <a:avLst/>
-          </a:prstGeom>
-          <a:noFill/>
-        </p:spPr>
-        <p:txBody>
-          <a:bodyPr wrap="none" rtlCol="0">
-            <a:spAutoFit/>
-          </a:bodyPr>
-          <a:lstStyle/>
-          <a:p>
-            <a:r>
-              <a:rPr lang="en-US" dirty="0"/>
-              <a:t>Principle of least privilege</a:t>
-            </a:r>
-          </a:p>
-        </p:txBody>
-      </p:sp>
-    </p:spTree>
-    <p:extLst>
-      <p:ext uri="{BB962C8B-B14F-4D97-AF65-F5344CB8AC3E}">
-        <p14:creationId xmlns:p14="http://schemas.microsoft.com/office/powerpoint/2010/main" val="3814429817"/>
       </p:ext>
     </p:extLst>
   </p:cSld>
@@ -12569,10 +11815,10 @@
       </p:grpSpPr>
       <p:sp>
         <p:nvSpPr>
-          <p:cNvPr id="2" name="Title 1">
-            <a:extLst>
-              <a:ext uri="{FF2B5EF4-FFF2-40B4-BE49-F238E27FC236}">
-                <a16:creationId xmlns:a16="http://schemas.microsoft.com/office/drawing/2014/main" id="{115EEB8E-4736-4983-A81C-6A5B7FEF7B9E}"/>
+          <p:cNvPr id="5" name="Title 5">
+            <a:extLst>
+              <a:ext uri="{FF2B5EF4-FFF2-40B4-BE49-F238E27FC236}">
+                <a16:creationId xmlns:a16="http://schemas.microsoft.com/office/drawing/2014/main" id="{FAF41BCC-C7BA-43A3-936E-74072B203176}"/>
               </a:ext>
             </a:extLst>
           </p:cNvPr>
@@ -12583,14 +11829,19 @@
             <p:ph type="title"/>
           </p:nvPr>
         </p:nvSpPr>
-        <p:spPr/>
+        <p:spPr>
+          <a:xfrm>
+            <a:off x="95250" y="-142875"/>
+            <a:ext cx="10515600" cy="1325563"/>
+          </a:xfrm>
+        </p:spPr>
         <p:txBody>
           <a:bodyPr/>
           <a:lstStyle/>
           <a:p>
             <a:r>
               <a:rPr lang="en-US" dirty="0"/>
-              <a:t>Azure identity</a:t>
+              <a:t>Access &amp; security</a:t>
             </a:r>
             <a:endParaRPr lang="nl-BE" dirty="0"/>
           </a:p>
@@ -12598,62 +11849,475 @@
       </p:sp>
       <p:sp>
         <p:nvSpPr>
-          <p:cNvPr id="3" name="Content Placeholder 2">
-            <a:extLst>
-              <a:ext uri="{FF2B5EF4-FFF2-40B4-BE49-F238E27FC236}">
-                <a16:creationId xmlns:a16="http://schemas.microsoft.com/office/drawing/2014/main" id="{9F5F23C8-030C-464C-8F67-ADA5FD7B259A}"/>
-              </a:ext>
-            </a:extLst>
-          </p:cNvPr>
-          <p:cNvSpPr>
-            <a:spLocks noGrp="1"/>
-          </p:cNvSpPr>
-          <p:nvPr>
-            <p:ph idx="1"/>
-          </p:nvPr>
-        </p:nvSpPr>
-        <p:spPr>
-          <a:xfrm>
-            <a:off x="231493" y="902825"/>
-            <a:ext cx="11597833" cy="1748096"/>
-          </a:xfrm>
-        </p:spPr>
-        <p:txBody>
-          <a:bodyPr/>
-          <a:lstStyle/>
-          <a:p>
-            <a:pPr marL="0" indent="0">
-              <a:buNone/>
-            </a:pPr>
-            <a:r>
-              <a:rPr lang="en-US" dirty="0"/>
-              <a:t>Assign an identity to Azure functions</a:t>
-            </a:r>
-          </a:p>
-          <a:p>
-            <a:pPr marL="0" indent="0">
-              <a:buNone/>
-            </a:pPr>
-            <a:endParaRPr lang="en-US" dirty="0"/>
-          </a:p>
-          <a:p>
-            <a:pPr marL="0" indent="0">
-              <a:buNone/>
-            </a:pPr>
-            <a:r>
-              <a:rPr lang="en-US" dirty="0"/>
-              <a:t>Give the assigned identity read access to the key vault</a:t>
-            </a:r>
-            <a:endParaRPr lang="nl-BE" dirty="0"/>
+          <p:cNvPr id="2" name="TextBox 1">
+            <a:extLst>
+              <a:ext uri="{FF2B5EF4-FFF2-40B4-BE49-F238E27FC236}">
+                <a16:creationId xmlns:a16="http://schemas.microsoft.com/office/drawing/2014/main" id="{2B1EDFC8-F09C-48FA-8266-693CCF80121D}"/>
+              </a:ext>
+            </a:extLst>
+          </p:cNvPr>
+          <p:cNvSpPr txBox="1"/>
+          <p:nvPr/>
+        </p:nvSpPr>
+        <p:spPr>
+          <a:xfrm>
+            <a:off x="355107" y="1491447"/>
+            <a:ext cx="4102277" cy="430887"/>
+          </a:xfrm>
+          <a:prstGeom prst="rect">
+            <a:avLst/>
+          </a:prstGeom>
+          <a:noFill/>
+        </p:spPr>
+        <p:txBody>
+          <a:bodyPr wrap="none" rtlCol="0">
+            <a:spAutoFit/>
+          </a:bodyPr>
+          <a:lstStyle/>
+          <a:p>
+            <a:r>
+              <a:rPr lang="en-US" sz="2200" dirty="0"/>
+              <a:t>Role Based Access Control (RBAC):</a:t>
+            </a:r>
+            <a:endParaRPr lang="nl-BE" sz="2200" dirty="0"/>
           </a:p>
         </p:txBody>
       </p:sp>
       <p:pic>
         <p:nvPicPr>
-          <p:cNvPr id="4" name="Picture 4" descr="How to set environment variables for use with an Azure Function - Azure Greg">
-            <a:extLst>
-              <a:ext uri="{FF2B5EF4-FFF2-40B4-BE49-F238E27FC236}">
-                <a16:creationId xmlns:a16="http://schemas.microsoft.com/office/drawing/2014/main" id="{2DCB2ED9-19A5-428D-ACE1-714A41720CE8}"/>
+          <p:cNvPr id="3" name="Picture 2">
+            <a:extLst>
+              <a:ext uri="{FF2B5EF4-FFF2-40B4-BE49-F238E27FC236}">
+                <a16:creationId xmlns:a16="http://schemas.microsoft.com/office/drawing/2014/main" id="{4E71DE42-7D0A-40E7-8F02-FFAF2428080F}"/>
+              </a:ext>
+            </a:extLst>
+          </p:cNvPr>
+          <p:cNvPicPr>
+            <a:picLocks noChangeAspect="1"/>
+          </p:cNvPicPr>
+          <p:nvPr/>
+        </p:nvPicPr>
+        <p:blipFill>
+          <a:blip r:embed="rId2"/>
+          <a:stretch>
+            <a:fillRect/>
+          </a:stretch>
+        </p:blipFill>
+        <p:spPr>
+          <a:xfrm>
+            <a:off x="1546335" y="2073513"/>
+            <a:ext cx="1060816" cy="936015"/>
+          </a:xfrm>
+          <a:prstGeom prst="rect">
+            <a:avLst/>
+          </a:prstGeom>
+        </p:spPr>
+      </p:pic>
+      <p:sp>
+        <p:nvSpPr>
+          <p:cNvPr id="6" name="TextBox 5">
+            <a:extLst>
+              <a:ext uri="{FF2B5EF4-FFF2-40B4-BE49-F238E27FC236}">
+                <a16:creationId xmlns:a16="http://schemas.microsoft.com/office/drawing/2014/main" id="{6F54E86C-261E-427B-B6A1-86CC4BCD7300}"/>
+              </a:ext>
+            </a:extLst>
+          </p:cNvPr>
+          <p:cNvSpPr txBox="1"/>
+          <p:nvPr/>
+        </p:nvSpPr>
+        <p:spPr>
+          <a:xfrm>
+            <a:off x="1621586" y="3015278"/>
+            <a:ext cx="910314" cy="369332"/>
+          </a:xfrm>
+          <a:prstGeom prst="rect">
+            <a:avLst/>
+          </a:prstGeom>
+          <a:noFill/>
+        </p:spPr>
+        <p:txBody>
+          <a:bodyPr wrap="none" rtlCol="0">
+            <a:spAutoFit/>
+          </a:bodyPr>
+          <a:lstStyle/>
+          <a:p>
+            <a:r>
+              <a:rPr lang="en-US" dirty="0"/>
+              <a:t>Identity</a:t>
+            </a:r>
+            <a:endParaRPr lang="nl-BE" dirty="0"/>
+          </a:p>
+        </p:txBody>
+      </p:sp>
+      <p:pic>
+        <p:nvPicPr>
+          <p:cNvPr id="9" name="Graphic 8" descr="Tools">
+            <a:extLst>
+              <a:ext uri="{FF2B5EF4-FFF2-40B4-BE49-F238E27FC236}">
+                <a16:creationId xmlns:a16="http://schemas.microsoft.com/office/drawing/2014/main" id="{FF617E00-D50D-4034-8238-99E3168DAA0A}"/>
+              </a:ext>
+            </a:extLst>
+          </p:cNvPr>
+          <p:cNvPicPr>
+            <a:picLocks noChangeAspect="1"/>
+          </p:cNvPicPr>
+          <p:nvPr/>
+        </p:nvPicPr>
+        <p:blipFill>
+          <a:blip r:embed="rId3">
+            <a:extLst>
+              <a:ext uri="{28A0092B-C50C-407E-A947-70E740481C1C}">
+                <a14:useLocalDpi xmlns:a14="http://schemas.microsoft.com/office/drawing/2010/main" val="0"/>
+              </a:ext>
+              <a:ext uri="{96DAC541-7B7A-43D3-8B79-37D633B846F1}">
+                <asvg:svgBlip xmlns:asvg="http://schemas.microsoft.com/office/drawing/2016/SVG/main" r:embed="rId4"/>
+              </a:ext>
+            </a:extLst>
+          </a:blip>
+          <a:stretch>
+            <a:fillRect/>
+          </a:stretch>
+        </p:blipFill>
+        <p:spPr>
+          <a:xfrm>
+            <a:off x="5057815" y="2073513"/>
+            <a:ext cx="914400" cy="914400"/>
+          </a:xfrm>
+          <a:prstGeom prst="rect">
+            <a:avLst/>
+          </a:prstGeom>
+        </p:spPr>
+      </p:pic>
+      <p:sp>
+        <p:nvSpPr>
+          <p:cNvPr id="31" name="TextBox 30">
+            <a:extLst>
+              <a:ext uri="{FF2B5EF4-FFF2-40B4-BE49-F238E27FC236}">
+                <a16:creationId xmlns:a16="http://schemas.microsoft.com/office/drawing/2014/main" id="{0E6EC958-678E-420F-A175-088288E25882}"/>
+              </a:ext>
+            </a:extLst>
+          </p:cNvPr>
+          <p:cNvSpPr txBox="1"/>
+          <p:nvPr/>
+        </p:nvSpPr>
+        <p:spPr>
+          <a:xfrm>
+            <a:off x="4715276" y="2996789"/>
+            <a:ext cx="1599477" cy="646331"/>
+          </a:xfrm>
+          <a:prstGeom prst="rect">
+            <a:avLst/>
+          </a:prstGeom>
+          <a:noFill/>
+        </p:spPr>
+        <p:txBody>
+          <a:bodyPr wrap="none" rtlCol="0">
+            <a:spAutoFit/>
+          </a:bodyPr>
+          <a:lstStyle/>
+          <a:p>
+            <a:pPr algn="ctr"/>
+            <a:r>
+              <a:rPr lang="en-US" dirty="0"/>
+              <a:t>Role</a:t>
+            </a:r>
+          </a:p>
+          <a:p>
+            <a:pPr algn="ctr"/>
+            <a:r>
+              <a:rPr lang="en-US" dirty="0"/>
+              <a:t>“has access to”</a:t>
+            </a:r>
+            <a:endParaRPr lang="nl-BE" dirty="0"/>
+          </a:p>
+        </p:txBody>
+      </p:sp>
+      <p:pic>
+        <p:nvPicPr>
+          <p:cNvPr id="10" name="Picture 9">
+            <a:extLst>
+              <a:ext uri="{FF2B5EF4-FFF2-40B4-BE49-F238E27FC236}">
+                <a16:creationId xmlns:a16="http://schemas.microsoft.com/office/drawing/2014/main" id="{1D33D1D0-0BE0-45BC-B5CF-F4DC99D49F9D}"/>
+              </a:ext>
+            </a:extLst>
+          </p:cNvPr>
+          <p:cNvPicPr>
+            <a:picLocks noChangeAspect="1"/>
+          </p:cNvPicPr>
+          <p:nvPr/>
+        </p:nvPicPr>
+        <p:blipFill>
+          <a:blip r:embed="rId5"/>
+          <a:stretch>
+            <a:fillRect/>
+          </a:stretch>
+        </p:blipFill>
+        <p:spPr>
+          <a:xfrm>
+            <a:off x="8422878" y="1842432"/>
+            <a:ext cx="1276528" cy="1190791"/>
+          </a:xfrm>
+          <a:prstGeom prst="rect">
+            <a:avLst/>
+          </a:prstGeom>
+        </p:spPr>
+      </p:pic>
+      <p:sp>
+        <p:nvSpPr>
+          <p:cNvPr id="33" name="TextBox 32">
+            <a:extLst>
+              <a:ext uri="{FF2B5EF4-FFF2-40B4-BE49-F238E27FC236}">
+                <a16:creationId xmlns:a16="http://schemas.microsoft.com/office/drawing/2014/main" id="{3D67E989-4101-48D8-9D69-DA07FA841C95}"/>
+              </a:ext>
+            </a:extLst>
+          </p:cNvPr>
+          <p:cNvSpPr txBox="1"/>
+          <p:nvPr/>
+        </p:nvSpPr>
+        <p:spPr>
+          <a:xfrm>
+            <a:off x="8538915" y="3009528"/>
+            <a:ext cx="1044453" cy="369332"/>
+          </a:xfrm>
+          <a:prstGeom prst="rect">
+            <a:avLst/>
+          </a:prstGeom>
+          <a:noFill/>
+        </p:spPr>
+        <p:txBody>
+          <a:bodyPr wrap="none" rtlCol="0">
+            <a:spAutoFit/>
+          </a:bodyPr>
+          <a:lstStyle/>
+          <a:p>
+            <a:r>
+              <a:rPr lang="en-US" dirty="0"/>
+              <a:t>Resource</a:t>
+            </a:r>
+            <a:endParaRPr lang="nl-BE" dirty="0"/>
+          </a:p>
+        </p:txBody>
+      </p:sp>
+      <p:sp>
+        <p:nvSpPr>
+          <p:cNvPr id="36" name="TextBox 35">
+            <a:extLst>
+              <a:ext uri="{FF2B5EF4-FFF2-40B4-BE49-F238E27FC236}">
+                <a16:creationId xmlns:a16="http://schemas.microsoft.com/office/drawing/2014/main" id="{49F0BD25-7AB8-4499-8032-ED32C29FEC46}"/>
+              </a:ext>
+            </a:extLst>
+          </p:cNvPr>
+          <p:cNvSpPr txBox="1"/>
+          <p:nvPr/>
+        </p:nvSpPr>
+        <p:spPr>
+          <a:xfrm>
+            <a:off x="355106" y="3943164"/>
+            <a:ext cx="1663853" cy="430887"/>
+          </a:xfrm>
+          <a:prstGeom prst="rect">
+            <a:avLst/>
+          </a:prstGeom>
+          <a:noFill/>
+        </p:spPr>
+        <p:txBody>
+          <a:bodyPr wrap="none" rtlCol="0">
+            <a:spAutoFit/>
+          </a:bodyPr>
+          <a:lstStyle/>
+          <a:p>
+            <a:r>
+              <a:rPr lang="en-US" sz="2200" dirty="0"/>
+              <a:t>For example:</a:t>
+            </a:r>
+            <a:endParaRPr lang="nl-BE" sz="2200" dirty="0"/>
+          </a:p>
+        </p:txBody>
+      </p:sp>
+      <p:pic>
+        <p:nvPicPr>
+          <p:cNvPr id="37" name="Picture 36">
+            <a:extLst>
+              <a:ext uri="{FF2B5EF4-FFF2-40B4-BE49-F238E27FC236}">
+                <a16:creationId xmlns:a16="http://schemas.microsoft.com/office/drawing/2014/main" id="{2CBDC5A9-6EA5-471A-B3F8-A665E68ACFEF}"/>
+              </a:ext>
+            </a:extLst>
+          </p:cNvPr>
+          <p:cNvPicPr>
+            <a:picLocks noChangeAspect="1"/>
+          </p:cNvPicPr>
+          <p:nvPr/>
+        </p:nvPicPr>
+        <p:blipFill>
+          <a:blip r:embed="rId2"/>
+          <a:stretch>
+            <a:fillRect/>
+          </a:stretch>
+        </p:blipFill>
+        <p:spPr>
+          <a:xfrm>
+            <a:off x="1546335" y="4749550"/>
+            <a:ext cx="1060816" cy="936015"/>
+          </a:xfrm>
+          <a:prstGeom prst="rect">
+            <a:avLst/>
+          </a:prstGeom>
+        </p:spPr>
+      </p:pic>
+      <p:sp>
+        <p:nvSpPr>
+          <p:cNvPr id="40" name="TextBox 39">
+            <a:extLst>
+              <a:ext uri="{FF2B5EF4-FFF2-40B4-BE49-F238E27FC236}">
+                <a16:creationId xmlns:a16="http://schemas.microsoft.com/office/drawing/2014/main" id="{6E1CBF69-2911-4A79-9BEF-601D001995A4}"/>
+              </a:ext>
+            </a:extLst>
+          </p:cNvPr>
+          <p:cNvSpPr txBox="1"/>
+          <p:nvPr/>
+        </p:nvSpPr>
+        <p:spPr>
+          <a:xfrm>
+            <a:off x="1451411" y="5685565"/>
+            <a:ext cx="1250663" cy="369332"/>
+          </a:xfrm>
+          <a:prstGeom prst="rect">
+            <a:avLst/>
+          </a:prstGeom>
+          <a:noFill/>
+        </p:spPr>
+        <p:txBody>
+          <a:bodyPr wrap="none" rtlCol="0">
+            <a:spAutoFit/>
+          </a:bodyPr>
+          <a:lstStyle/>
+          <a:p>
+            <a:r>
+              <a:rPr lang="en-US" dirty="0"/>
+              <a:t>User: Jonas</a:t>
+            </a:r>
+            <a:endParaRPr lang="nl-BE" dirty="0"/>
+          </a:p>
+        </p:txBody>
+      </p:sp>
+      <p:pic>
+        <p:nvPicPr>
+          <p:cNvPr id="41" name="Graphic 40" descr="Tools">
+            <a:extLst>
+              <a:ext uri="{FF2B5EF4-FFF2-40B4-BE49-F238E27FC236}">
+                <a16:creationId xmlns:a16="http://schemas.microsoft.com/office/drawing/2014/main" id="{AF77C702-401A-4921-B25F-164E8C3DCD72}"/>
+              </a:ext>
+            </a:extLst>
+          </p:cNvPr>
+          <p:cNvPicPr>
+            <a:picLocks noChangeAspect="1"/>
+          </p:cNvPicPr>
+          <p:nvPr/>
+        </p:nvPicPr>
+        <p:blipFill>
+          <a:blip r:embed="rId3">
+            <a:extLst>
+              <a:ext uri="{28A0092B-C50C-407E-A947-70E740481C1C}">
+                <a14:useLocalDpi xmlns:a14="http://schemas.microsoft.com/office/drawing/2010/main" val="0"/>
+              </a:ext>
+              <a:ext uri="{96DAC541-7B7A-43D3-8B79-37D633B846F1}">
+                <asvg:svgBlip xmlns:asvg="http://schemas.microsoft.com/office/drawing/2016/SVG/main" r:embed="rId4"/>
+              </a:ext>
+            </a:extLst>
+          </a:blip>
+          <a:stretch>
+            <a:fillRect/>
+          </a:stretch>
+        </p:blipFill>
+        <p:spPr>
+          <a:xfrm>
+            <a:off x="5057815" y="4749550"/>
+            <a:ext cx="914400" cy="914400"/>
+          </a:xfrm>
+          <a:prstGeom prst="rect">
+            <a:avLst/>
+          </a:prstGeom>
+        </p:spPr>
+      </p:pic>
+      <p:sp>
+        <p:nvSpPr>
+          <p:cNvPr id="42" name="TextBox 41">
+            <a:extLst>
+              <a:ext uri="{FF2B5EF4-FFF2-40B4-BE49-F238E27FC236}">
+                <a16:creationId xmlns:a16="http://schemas.microsoft.com/office/drawing/2014/main" id="{26293BF7-BF8F-4882-91F4-7A4D0CC82AA5}"/>
+              </a:ext>
+            </a:extLst>
+          </p:cNvPr>
+          <p:cNvSpPr txBox="1"/>
+          <p:nvPr/>
+        </p:nvSpPr>
+        <p:spPr>
+          <a:xfrm>
+            <a:off x="4559691" y="5681704"/>
+            <a:ext cx="1910651" cy="369332"/>
+          </a:xfrm>
+          <a:prstGeom prst="rect">
+            <a:avLst/>
+          </a:prstGeom>
+          <a:noFill/>
+        </p:spPr>
+        <p:txBody>
+          <a:bodyPr wrap="none" rtlCol="0">
+            <a:spAutoFit/>
+          </a:bodyPr>
+          <a:lstStyle/>
+          <a:p>
+            <a:pPr algn="ctr"/>
+            <a:r>
+              <a:rPr lang="en-US" dirty="0"/>
+              <a:t>Has read access to</a:t>
+            </a:r>
+            <a:endParaRPr lang="nl-BE" dirty="0"/>
+          </a:p>
+        </p:txBody>
+      </p:sp>
+      <p:sp>
+        <p:nvSpPr>
+          <p:cNvPr id="44" name="TextBox 43">
+            <a:extLst>
+              <a:ext uri="{FF2B5EF4-FFF2-40B4-BE49-F238E27FC236}">
+                <a16:creationId xmlns:a16="http://schemas.microsoft.com/office/drawing/2014/main" id="{1B500F8E-D96D-4D04-A442-C4968C18EE83}"/>
+              </a:ext>
+            </a:extLst>
+          </p:cNvPr>
+          <p:cNvSpPr txBox="1"/>
+          <p:nvPr/>
+        </p:nvSpPr>
+        <p:spPr>
+          <a:xfrm>
+            <a:off x="7622893" y="5685565"/>
+            <a:ext cx="2876493" cy="369332"/>
+          </a:xfrm>
+          <a:prstGeom prst="rect">
+            <a:avLst/>
+          </a:prstGeom>
+          <a:noFill/>
+        </p:spPr>
+        <p:txBody>
+          <a:bodyPr wrap="none" rtlCol="0">
+            <a:spAutoFit/>
+          </a:bodyPr>
+          <a:lstStyle/>
+          <a:p>
+            <a:r>
+              <a:rPr lang="en-US" dirty="0"/>
+              <a:t>A specific Azure blob storage</a:t>
+            </a:r>
+            <a:endParaRPr lang="nl-BE" dirty="0"/>
+          </a:p>
+        </p:txBody>
+      </p:sp>
+      <p:pic>
+        <p:nvPicPr>
+          <p:cNvPr id="45" name="Picture 2" descr="Microsoft Azure Blob Storage | element61">
+            <a:extLst>
+              <a:ext uri="{FF2B5EF4-FFF2-40B4-BE49-F238E27FC236}">
+                <a16:creationId xmlns:a16="http://schemas.microsoft.com/office/drawing/2014/main" id="{E4345C44-5BD9-4C9D-9864-7E2CE8E3F51A}"/>
               </a:ext>
             </a:extLst>
           </p:cNvPr>
@@ -12663,17 +12327,7 @@
           <p:nvPr/>
         </p:nvPicPr>
         <p:blipFill>
-          <a:blip r:embed="rId2">
-            <a:clrChange>
-              <a:clrFrom>
-                <a:srgbClr val="FFFFFF"/>
-              </a:clrFrom>
-              <a:clrTo>
-                <a:srgbClr val="FFFFFF">
-                  <a:alpha val="0"/>
-                </a:srgbClr>
-              </a:clrTo>
-            </a:clrChange>
+          <a:blip r:embed="rId6">
             <a:extLst>
               <a:ext uri="{28A0092B-C50C-407E-A947-70E740481C1C}">
                 <a14:useLocalDpi xmlns:a14="http://schemas.microsoft.com/office/drawing/2010/main" val="0"/>
@@ -12687,8 +12341,8 @@
         </p:blipFill>
         <p:spPr bwMode="auto">
           <a:xfrm>
-            <a:off x="750716" y="3163818"/>
-            <a:ext cx="3957662" cy="1935679"/>
+            <a:off x="8510497" y="4656106"/>
+            <a:ext cx="1101287" cy="1101287"/>
           </a:xfrm>
           <a:prstGeom prst="rect">
             <a:avLst/>
@@ -12705,295 +12359,10 @@
           </a:extLst>
         </p:spPr>
       </p:pic>
-      <p:pic>
-        <p:nvPicPr>
-          <p:cNvPr id="5" name="Picture 4">
-            <a:extLst>
-              <a:ext uri="{FF2B5EF4-FFF2-40B4-BE49-F238E27FC236}">
-                <a16:creationId xmlns:a16="http://schemas.microsoft.com/office/drawing/2014/main" id="{9CE0C44B-B82A-49BE-B915-FB726DBA289E}"/>
-              </a:ext>
-            </a:extLst>
-          </p:cNvPr>
-          <p:cNvPicPr>
-            <a:picLocks noChangeAspect="1"/>
-          </p:cNvPicPr>
-          <p:nvPr/>
-        </p:nvPicPr>
-        <p:blipFill>
-          <a:blip r:embed="rId3">
-            <a:clrChange>
-              <a:clrFrom>
-                <a:srgbClr val="FFFFFF"/>
-              </a:clrFrom>
-              <a:clrTo>
-                <a:srgbClr val="FFFFFF">
-                  <a:alpha val="0"/>
-                </a:srgbClr>
-              </a:clrTo>
-            </a:clrChange>
-          </a:blip>
-          <a:stretch>
-            <a:fillRect/>
-          </a:stretch>
-        </p:blipFill>
-        <p:spPr>
-          <a:xfrm>
-            <a:off x="2846982" y="4142964"/>
-            <a:ext cx="1095528" cy="990738"/>
-          </a:xfrm>
-          <a:prstGeom prst="rect">
-            <a:avLst/>
-          </a:prstGeom>
-        </p:spPr>
-      </p:pic>
-      <p:pic>
-        <p:nvPicPr>
-          <p:cNvPr id="6" name="Picture 2" descr="Belangrijke Azure-services voor .NET-ontwikkelaars | Microsoft Learn">
-            <a:extLst>
-              <a:ext uri="{FF2B5EF4-FFF2-40B4-BE49-F238E27FC236}">
-                <a16:creationId xmlns:a16="http://schemas.microsoft.com/office/drawing/2014/main" id="{47848646-F74F-4001-8FAE-B84F7BCA4DA6}"/>
-              </a:ext>
-            </a:extLst>
-          </p:cNvPr>
-          <p:cNvPicPr>
-            <a:picLocks noChangeAspect="1" noChangeArrowheads="1"/>
-          </p:cNvPicPr>
-          <p:nvPr/>
-        </p:nvPicPr>
-        <p:blipFill>
-          <a:blip r:embed="rId4">
-            <a:extLst>
-              <a:ext uri="{28A0092B-C50C-407E-A947-70E740481C1C}">
-                <a14:useLocalDpi xmlns:a14="http://schemas.microsoft.com/office/drawing/2010/main" val="0"/>
-              </a:ext>
-            </a:extLst>
-          </a:blip>
-          <a:srcRect/>
-          <a:stretch>
-            <a:fillRect/>
-          </a:stretch>
-        </p:blipFill>
-        <p:spPr bwMode="auto">
-          <a:xfrm>
-            <a:off x="7661938" y="3431801"/>
-            <a:ext cx="1575864" cy="1575864"/>
-          </a:xfrm>
-          <a:prstGeom prst="rect">
-            <a:avLst/>
-          </a:prstGeom>
-          <a:noFill/>
-          <a:extLst>
-            <a:ext uri="{909E8E84-426E-40DD-AFC4-6F175D3DCCD1}">
-              <a14:hiddenFill xmlns:a14="http://schemas.microsoft.com/office/drawing/2010/main">
-                <a:solidFill>
-                  <a:srgbClr val="FFFFFF"/>
-                </a:solidFill>
-              </a14:hiddenFill>
-            </a:ext>
-          </a:extLst>
-        </p:spPr>
-      </p:pic>
-      <p:cxnSp>
-        <p:nvCxnSpPr>
-          <p:cNvPr id="8" name="Straight Arrow Connector 7">
-            <a:extLst>
-              <a:ext uri="{FF2B5EF4-FFF2-40B4-BE49-F238E27FC236}">
-                <a16:creationId xmlns:a16="http://schemas.microsoft.com/office/drawing/2014/main" id="{C223E650-ACA6-44F0-B7F8-17803A2DB57F}"/>
-              </a:ext>
-            </a:extLst>
-          </p:cNvPr>
-          <p:cNvCxnSpPr>
-            <a:cxnSpLocks/>
-          </p:cNvCxnSpPr>
-          <p:nvPr/>
-        </p:nvCxnSpPr>
-        <p:spPr>
-          <a:xfrm>
-            <a:off x="4286774" y="4102635"/>
-            <a:ext cx="3115208" cy="0"/>
-          </a:xfrm>
-          <a:prstGeom prst="straightConnector1">
-            <a:avLst/>
-          </a:prstGeom>
-          <a:ln>
-            <a:tailEnd type="triangle"/>
-          </a:ln>
-        </p:spPr>
-        <p:style>
-          <a:lnRef idx="1">
-            <a:schemeClr val="accent1"/>
-          </a:lnRef>
-          <a:fillRef idx="0">
-            <a:schemeClr val="accent1"/>
-          </a:fillRef>
-          <a:effectRef idx="0">
-            <a:schemeClr val="accent1"/>
-          </a:effectRef>
-          <a:fontRef idx="minor">
-            <a:schemeClr val="tx1"/>
-          </a:fontRef>
-        </p:style>
-      </p:cxnSp>
-      <p:sp>
-        <p:nvSpPr>
-          <p:cNvPr id="9" name="TextBox 8">
-            <a:extLst>
-              <a:ext uri="{FF2B5EF4-FFF2-40B4-BE49-F238E27FC236}">
-                <a16:creationId xmlns:a16="http://schemas.microsoft.com/office/drawing/2014/main" id="{7687FC67-4F82-4141-8BCA-2ECAC2F38B9E}"/>
-              </a:ext>
-            </a:extLst>
-          </p:cNvPr>
-          <p:cNvSpPr txBox="1"/>
-          <p:nvPr/>
-        </p:nvSpPr>
-        <p:spPr>
-          <a:xfrm>
-            <a:off x="4393572" y="3733303"/>
-            <a:ext cx="2845779" cy="369332"/>
-          </a:xfrm>
-          <a:prstGeom prst="rect">
-            <a:avLst/>
-          </a:prstGeom>
-          <a:noFill/>
-        </p:spPr>
-        <p:txBody>
-          <a:bodyPr wrap="none" rtlCol="0">
-            <a:spAutoFit/>
-          </a:bodyPr>
-          <a:lstStyle/>
-          <a:p>
-            <a:r>
-              <a:rPr lang="en-US" dirty="0" err="1"/>
-              <a:t>Passwordless</a:t>
-            </a:r>
-            <a:r>
-              <a:rPr lang="en-US" dirty="0"/>
-              <a:t> authentication</a:t>
-            </a:r>
-            <a:endParaRPr lang="nl-BE" dirty="0"/>
-          </a:p>
-        </p:txBody>
-      </p:sp>
-      <p:sp>
-        <p:nvSpPr>
-          <p:cNvPr id="10" name="TextBox 9">
-            <a:extLst>
-              <a:ext uri="{FF2B5EF4-FFF2-40B4-BE49-F238E27FC236}">
-                <a16:creationId xmlns:a16="http://schemas.microsoft.com/office/drawing/2014/main" id="{BE579A25-901E-441B-B362-826015667CF6}"/>
-              </a:ext>
-            </a:extLst>
-          </p:cNvPr>
-          <p:cNvSpPr txBox="1"/>
-          <p:nvPr/>
-        </p:nvSpPr>
-        <p:spPr>
-          <a:xfrm>
-            <a:off x="2530646" y="5007665"/>
-            <a:ext cx="1842940" cy="369332"/>
-          </a:xfrm>
-          <a:prstGeom prst="rect">
-            <a:avLst/>
-          </a:prstGeom>
-          <a:noFill/>
-        </p:spPr>
-        <p:txBody>
-          <a:bodyPr wrap="none" rtlCol="0">
-            <a:spAutoFit/>
-          </a:bodyPr>
-          <a:lstStyle/>
-          <a:p>
-            <a:r>
-              <a:rPr lang="en-US" dirty="0"/>
-              <a:t>Managed identity</a:t>
-            </a:r>
-            <a:endParaRPr lang="nl-BE" dirty="0"/>
-          </a:p>
-        </p:txBody>
-      </p:sp>
-      <p:cxnSp>
-        <p:nvCxnSpPr>
-          <p:cNvPr id="11" name="Straight Arrow Connector 10">
-            <a:extLst>
-              <a:ext uri="{FF2B5EF4-FFF2-40B4-BE49-F238E27FC236}">
-                <a16:creationId xmlns:a16="http://schemas.microsoft.com/office/drawing/2014/main" id="{B321BA17-5705-4E90-A525-A894382F446F}"/>
-              </a:ext>
-            </a:extLst>
-          </p:cNvPr>
-          <p:cNvCxnSpPr>
-            <a:cxnSpLocks/>
-          </p:cNvCxnSpPr>
-          <p:nvPr/>
-        </p:nvCxnSpPr>
-        <p:spPr>
-          <a:xfrm flipH="1">
-            <a:off x="4177717" y="4639732"/>
-            <a:ext cx="3155659" cy="0"/>
-          </a:xfrm>
-          <a:prstGeom prst="straightConnector1">
-            <a:avLst/>
-          </a:prstGeom>
-          <a:ln>
-            <a:tailEnd type="triangle"/>
-          </a:ln>
-        </p:spPr>
-        <p:style>
-          <a:lnRef idx="1">
-            <a:schemeClr val="accent1"/>
-          </a:lnRef>
-          <a:fillRef idx="0">
-            <a:schemeClr val="accent1"/>
-          </a:fillRef>
-          <a:effectRef idx="0">
-            <a:schemeClr val="accent1"/>
-          </a:effectRef>
-          <a:fontRef idx="minor">
-            <a:schemeClr val="tx1"/>
-          </a:fontRef>
-        </p:style>
-      </p:cxnSp>
-      <p:pic>
-        <p:nvPicPr>
-          <p:cNvPr id="13" name="Content Placeholder 6" descr="Key">
-            <a:extLst>
-              <a:ext uri="{FF2B5EF4-FFF2-40B4-BE49-F238E27FC236}">
-                <a16:creationId xmlns:a16="http://schemas.microsoft.com/office/drawing/2014/main" id="{708E6491-202D-4F36-8004-860394E7AE5E}"/>
-              </a:ext>
-            </a:extLst>
-          </p:cNvPr>
-          <p:cNvPicPr>
-            <a:picLocks noChangeAspect="1"/>
-          </p:cNvPicPr>
-          <p:nvPr/>
-        </p:nvPicPr>
-        <p:blipFill>
-          <a:blip r:embed="rId5">
-            <a:extLst>
-              <a:ext uri="{28A0092B-C50C-407E-A947-70E740481C1C}">
-                <a14:useLocalDpi xmlns:a14="http://schemas.microsoft.com/office/drawing/2010/main" val="0"/>
-              </a:ext>
-              <a:ext uri="{96DAC541-7B7A-43D3-8B79-37D633B846F1}">
-                <asvg:svgBlip xmlns:asvg="http://schemas.microsoft.com/office/drawing/2016/SVG/main" r:embed="rId6"/>
-              </a:ext>
-            </a:extLst>
-          </a:blip>
-          <a:stretch>
-            <a:fillRect/>
-          </a:stretch>
-        </p:blipFill>
-        <p:spPr>
-          <a:xfrm>
-            <a:off x="5421474" y="4496572"/>
-            <a:ext cx="789973" cy="789973"/>
-          </a:xfrm>
-          <a:prstGeom prst="rect">
-            <a:avLst/>
-          </a:prstGeom>
-        </p:spPr>
-      </p:pic>
     </p:spTree>
     <p:extLst>
       <p:ext uri="{BB962C8B-B14F-4D97-AF65-F5344CB8AC3E}">
-        <p14:creationId xmlns:p14="http://schemas.microsoft.com/office/powerpoint/2010/main" val="4138115695"/>
+        <p14:creationId xmlns:p14="http://schemas.microsoft.com/office/powerpoint/2010/main" val="1106902608"/>
       </p:ext>
     </p:extLst>
   </p:cSld>
@@ -13022,10 +12391,10 @@
       </p:grpSpPr>
       <p:sp>
         <p:nvSpPr>
-          <p:cNvPr id="2" name="Title 1">
-            <a:extLst>
-              <a:ext uri="{FF2B5EF4-FFF2-40B4-BE49-F238E27FC236}">
-                <a16:creationId xmlns:a16="http://schemas.microsoft.com/office/drawing/2014/main" id="{4E5C8076-E6C6-4592-8718-3E9A20E0C220}"/>
+          <p:cNvPr id="5" name="Title 5">
+            <a:extLst>
+              <a:ext uri="{FF2B5EF4-FFF2-40B4-BE49-F238E27FC236}">
+                <a16:creationId xmlns:a16="http://schemas.microsoft.com/office/drawing/2014/main" id="{FAF41BCC-C7BA-43A3-936E-74072B203176}"/>
               </a:ext>
             </a:extLst>
           </p:cNvPr>
@@ -13036,115 +12405,487 @@
             <p:ph type="title"/>
           </p:nvPr>
         </p:nvSpPr>
-        <p:spPr/>
+        <p:spPr>
+          <a:xfrm>
+            <a:off x="95250" y="-142875"/>
+            <a:ext cx="10515600" cy="1325563"/>
+          </a:xfrm>
+        </p:spPr>
         <p:txBody>
           <a:bodyPr/>
           <a:lstStyle/>
           <a:p>
             <a:r>
-              <a:rPr lang="en-US" dirty="0">
-                <a:solidFill>
-                  <a:schemeClr val="accent2"/>
-                </a:solidFill>
-              </a:rPr>
-              <a:t>Your turn!</a:t>
-            </a:r>
-            <a:endParaRPr lang="nl-BE" dirty="0">
-              <a:solidFill>
-                <a:schemeClr val="accent2"/>
-              </a:solidFill>
-            </a:endParaRPr>
-          </a:p>
-        </p:txBody>
-      </p:sp>
-      <p:sp>
-        <p:nvSpPr>
-          <p:cNvPr id="3" name="Content Placeholder 2">
-            <a:extLst>
-              <a:ext uri="{FF2B5EF4-FFF2-40B4-BE49-F238E27FC236}">
-                <a16:creationId xmlns:a16="http://schemas.microsoft.com/office/drawing/2014/main" id="{9B24A5E1-6C34-47E7-A236-0B194B9B06F2}"/>
-              </a:ext>
-            </a:extLst>
-          </p:cNvPr>
-          <p:cNvSpPr>
-            <a:spLocks noGrp="1"/>
-          </p:cNvSpPr>
-          <p:nvPr>
-            <p:ph idx="1"/>
-          </p:nvPr>
-        </p:nvSpPr>
-        <p:spPr/>
-        <p:txBody>
-          <a:bodyPr>
-            <a:normAutofit/>
+              <a:rPr lang="en-US" dirty="0"/>
+              <a:t>Access &amp; security</a:t>
+            </a:r>
+            <a:endParaRPr lang="nl-BE" dirty="0"/>
+          </a:p>
+        </p:txBody>
+      </p:sp>
+      <p:sp>
+        <p:nvSpPr>
+          <p:cNvPr id="2" name="TextBox 1">
+            <a:extLst>
+              <a:ext uri="{FF2B5EF4-FFF2-40B4-BE49-F238E27FC236}">
+                <a16:creationId xmlns:a16="http://schemas.microsoft.com/office/drawing/2014/main" id="{2B1EDFC8-F09C-48FA-8266-693CCF80121D}"/>
+              </a:ext>
+            </a:extLst>
+          </p:cNvPr>
+          <p:cNvSpPr txBox="1"/>
+          <p:nvPr/>
+        </p:nvSpPr>
+        <p:spPr>
+          <a:xfrm>
+            <a:off x="355107" y="1491447"/>
+            <a:ext cx="4102277" cy="430887"/>
+          </a:xfrm>
+          <a:prstGeom prst="rect">
+            <a:avLst/>
+          </a:prstGeom>
+          <a:noFill/>
+        </p:spPr>
+        <p:txBody>
+          <a:bodyPr wrap="none" rtlCol="0">
+            <a:spAutoFit/>
           </a:bodyPr>
           <a:lstStyle/>
           <a:p>
-            <a:pPr marL="0" indent="0">
-              <a:buNone/>
-            </a:pPr>
-            <a:r>
-              <a:rPr lang="en-US" dirty="0"/>
-              <a:t>Add an Azure function </a:t>
-            </a:r>
-            <a:r>
-              <a:rPr lang="en-US" dirty="0" err="1"/>
-              <a:t>store_string_in_file</a:t>
-            </a:r>
-            <a:r>
-              <a:rPr lang="en-US" dirty="0"/>
-              <a:t> with the following properties:</a:t>
-            </a:r>
-          </a:p>
-          <a:p>
-            <a:pPr marL="0" indent="0">
-              <a:buNone/>
-            </a:pPr>
-            <a:endParaRPr lang="en-US" dirty="0"/>
-          </a:p>
-          <a:p>
-            <a:pPr lvl="1"/>
-            <a:r>
-              <a:rPr lang="en-US" dirty="0"/>
-              <a:t>Http trigger, </a:t>
-            </a:r>
-            <a:r>
-              <a:rPr lang="en-US" dirty="0" err="1"/>
-              <a:t>url</a:t>
-            </a:r>
-            <a:r>
-              <a:rPr lang="en-US" dirty="0"/>
-              <a:t> </a:t>
-            </a:r>
-            <a:r>
-              <a:rPr lang="en-US" dirty="0" err="1"/>
-              <a:t>store_string_in_file</a:t>
-            </a:r>
-            <a:r>
-              <a:rPr lang="en-US" dirty="0"/>
-              <a:t>/{file}/{content}</a:t>
-            </a:r>
-          </a:p>
-          <a:p>
-            <a:pPr lvl="1"/>
-            <a:endParaRPr lang="en-US" dirty="0"/>
-          </a:p>
-          <a:p>
-            <a:pPr lvl="1"/>
-            <a:r>
-              <a:rPr lang="en-US" dirty="0"/>
-              <a:t>No API key required to connect</a:t>
-            </a:r>
-          </a:p>
-          <a:p>
-            <a:pPr lvl="1"/>
-            <a:endParaRPr lang="en-US" dirty="0"/>
-          </a:p>
-          <a:p>
-            <a:pPr lvl="1"/>
-            <a:r>
-              <a:rPr lang="en-US" dirty="0"/>
-              <a:t>Create a new file named {file} in the raw container of your storage account with content {content}</a:t>
+            <a:r>
+              <a:rPr lang="en-US" sz="2200" dirty="0"/>
+              <a:t>Role Based Access Control (RBAC):</a:t>
+            </a:r>
+            <a:endParaRPr lang="nl-BE" sz="2200" dirty="0"/>
+          </a:p>
+        </p:txBody>
+      </p:sp>
+      <p:pic>
+        <p:nvPicPr>
+          <p:cNvPr id="3" name="Picture 2">
+            <a:extLst>
+              <a:ext uri="{FF2B5EF4-FFF2-40B4-BE49-F238E27FC236}">
+                <a16:creationId xmlns:a16="http://schemas.microsoft.com/office/drawing/2014/main" id="{4E71DE42-7D0A-40E7-8F02-FFAF2428080F}"/>
+              </a:ext>
+            </a:extLst>
+          </p:cNvPr>
+          <p:cNvPicPr>
+            <a:picLocks noChangeAspect="1"/>
+          </p:cNvPicPr>
+          <p:nvPr/>
+        </p:nvPicPr>
+        <p:blipFill>
+          <a:blip r:embed="rId2"/>
+          <a:stretch>
+            <a:fillRect/>
+          </a:stretch>
+        </p:blipFill>
+        <p:spPr>
+          <a:xfrm>
+            <a:off x="1546335" y="2073513"/>
+            <a:ext cx="1060816" cy="936015"/>
+          </a:xfrm>
+          <a:prstGeom prst="rect">
+            <a:avLst/>
+          </a:prstGeom>
+        </p:spPr>
+      </p:pic>
+      <p:sp>
+        <p:nvSpPr>
+          <p:cNvPr id="6" name="TextBox 5">
+            <a:extLst>
+              <a:ext uri="{FF2B5EF4-FFF2-40B4-BE49-F238E27FC236}">
+                <a16:creationId xmlns:a16="http://schemas.microsoft.com/office/drawing/2014/main" id="{6F54E86C-261E-427B-B6A1-86CC4BCD7300}"/>
+              </a:ext>
+            </a:extLst>
+          </p:cNvPr>
+          <p:cNvSpPr txBox="1"/>
+          <p:nvPr/>
+        </p:nvSpPr>
+        <p:spPr>
+          <a:xfrm>
+            <a:off x="1621586" y="3015278"/>
+            <a:ext cx="910314" cy="369332"/>
+          </a:xfrm>
+          <a:prstGeom prst="rect">
+            <a:avLst/>
+          </a:prstGeom>
+          <a:noFill/>
+        </p:spPr>
+        <p:txBody>
+          <a:bodyPr wrap="none" rtlCol="0">
+            <a:spAutoFit/>
+          </a:bodyPr>
+          <a:lstStyle/>
+          <a:p>
+            <a:r>
+              <a:rPr lang="en-US" dirty="0"/>
+              <a:t>Identity</a:t>
+            </a:r>
+            <a:endParaRPr lang="nl-BE" dirty="0"/>
+          </a:p>
+        </p:txBody>
+      </p:sp>
+      <p:pic>
+        <p:nvPicPr>
+          <p:cNvPr id="9" name="Graphic 8" descr="Tools">
+            <a:extLst>
+              <a:ext uri="{FF2B5EF4-FFF2-40B4-BE49-F238E27FC236}">
+                <a16:creationId xmlns:a16="http://schemas.microsoft.com/office/drawing/2014/main" id="{FF617E00-D50D-4034-8238-99E3168DAA0A}"/>
+              </a:ext>
+            </a:extLst>
+          </p:cNvPr>
+          <p:cNvPicPr>
+            <a:picLocks noChangeAspect="1"/>
+          </p:cNvPicPr>
+          <p:nvPr/>
+        </p:nvPicPr>
+        <p:blipFill>
+          <a:blip r:embed="rId3">
+            <a:extLst>
+              <a:ext uri="{28A0092B-C50C-407E-A947-70E740481C1C}">
+                <a14:useLocalDpi xmlns:a14="http://schemas.microsoft.com/office/drawing/2010/main" val="0"/>
+              </a:ext>
+              <a:ext uri="{96DAC541-7B7A-43D3-8B79-37D633B846F1}">
+                <asvg:svgBlip xmlns:asvg="http://schemas.microsoft.com/office/drawing/2016/SVG/main" r:embed="rId4"/>
+              </a:ext>
+            </a:extLst>
+          </a:blip>
+          <a:stretch>
+            <a:fillRect/>
+          </a:stretch>
+        </p:blipFill>
+        <p:spPr>
+          <a:xfrm>
+            <a:off x="5057815" y="2073513"/>
+            <a:ext cx="914400" cy="914400"/>
+          </a:xfrm>
+          <a:prstGeom prst="rect">
+            <a:avLst/>
+          </a:prstGeom>
+        </p:spPr>
+      </p:pic>
+      <p:sp>
+        <p:nvSpPr>
+          <p:cNvPr id="31" name="TextBox 30">
+            <a:extLst>
+              <a:ext uri="{FF2B5EF4-FFF2-40B4-BE49-F238E27FC236}">
+                <a16:creationId xmlns:a16="http://schemas.microsoft.com/office/drawing/2014/main" id="{0E6EC958-678E-420F-A175-088288E25882}"/>
+              </a:ext>
+            </a:extLst>
+          </p:cNvPr>
+          <p:cNvSpPr txBox="1"/>
+          <p:nvPr/>
+        </p:nvSpPr>
+        <p:spPr>
+          <a:xfrm>
+            <a:off x="4715276" y="2996789"/>
+            <a:ext cx="1599477" cy="646331"/>
+          </a:xfrm>
+          <a:prstGeom prst="rect">
+            <a:avLst/>
+          </a:prstGeom>
+          <a:noFill/>
+        </p:spPr>
+        <p:txBody>
+          <a:bodyPr wrap="none" rtlCol="0">
+            <a:spAutoFit/>
+          </a:bodyPr>
+          <a:lstStyle/>
+          <a:p>
+            <a:pPr algn="ctr"/>
+            <a:r>
+              <a:rPr lang="en-US" dirty="0"/>
+              <a:t>Role</a:t>
+            </a:r>
+          </a:p>
+          <a:p>
+            <a:pPr algn="ctr"/>
+            <a:r>
+              <a:rPr lang="en-US" dirty="0"/>
+              <a:t>“has access to”</a:t>
+            </a:r>
+            <a:endParaRPr lang="nl-BE" dirty="0"/>
+          </a:p>
+        </p:txBody>
+      </p:sp>
+      <p:pic>
+        <p:nvPicPr>
+          <p:cNvPr id="10" name="Picture 9">
+            <a:extLst>
+              <a:ext uri="{FF2B5EF4-FFF2-40B4-BE49-F238E27FC236}">
+                <a16:creationId xmlns:a16="http://schemas.microsoft.com/office/drawing/2014/main" id="{1D33D1D0-0BE0-45BC-B5CF-F4DC99D49F9D}"/>
+              </a:ext>
+            </a:extLst>
+          </p:cNvPr>
+          <p:cNvPicPr>
+            <a:picLocks noChangeAspect="1"/>
+          </p:cNvPicPr>
+          <p:nvPr/>
+        </p:nvPicPr>
+        <p:blipFill>
+          <a:blip r:embed="rId5"/>
+          <a:stretch>
+            <a:fillRect/>
+          </a:stretch>
+        </p:blipFill>
+        <p:spPr>
+          <a:xfrm>
+            <a:off x="8422878" y="1842432"/>
+            <a:ext cx="1276528" cy="1190791"/>
+          </a:xfrm>
+          <a:prstGeom prst="rect">
+            <a:avLst/>
+          </a:prstGeom>
+        </p:spPr>
+      </p:pic>
+      <p:sp>
+        <p:nvSpPr>
+          <p:cNvPr id="33" name="TextBox 32">
+            <a:extLst>
+              <a:ext uri="{FF2B5EF4-FFF2-40B4-BE49-F238E27FC236}">
+                <a16:creationId xmlns:a16="http://schemas.microsoft.com/office/drawing/2014/main" id="{3D67E989-4101-48D8-9D69-DA07FA841C95}"/>
+              </a:ext>
+            </a:extLst>
+          </p:cNvPr>
+          <p:cNvSpPr txBox="1"/>
+          <p:nvPr/>
+        </p:nvSpPr>
+        <p:spPr>
+          <a:xfrm>
+            <a:off x="8538915" y="3009528"/>
+            <a:ext cx="1044453" cy="369332"/>
+          </a:xfrm>
+          <a:prstGeom prst="rect">
+            <a:avLst/>
+          </a:prstGeom>
+          <a:noFill/>
+        </p:spPr>
+        <p:txBody>
+          <a:bodyPr wrap="none" rtlCol="0">
+            <a:spAutoFit/>
+          </a:bodyPr>
+          <a:lstStyle/>
+          <a:p>
+            <a:r>
+              <a:rPr lang="en-US" dirty="0"/>
+              <a:t>Resource</a:t>
+            </a:r>
+            <a:endParaRPr lang="nl-BE" dirty="0"/>
+          </a:p>
+        </p:txBody>
+      </p:sp>
+      <p:pic>
+        <p:nvPicPr>
+          <p:cNvPr id="4" name="Picture 3">
+            <a:extLst>
+              <a:ext uri="{FF2B5EF4-FFF2-40B4-BE49-F238E27FC236}">
+                <a16:creationId xmlns:a16="http://schemas.microsoft.com/office/drawing/2014/main" id="{EB4EB2A2-E76E-42E2-8EAE-340033C581FB}"/>
+              </a:ext>
+            </a:extLst>
+          </p:cNvPr>
+          <p:cNvPicPr>
+            <a:picLocks noChangeAspect="1"/>
+          </p:cNvPicPr>
+          <p:nvPr/>
+        </p:nvPicPr>
+        <p:blipFill>
+          <a:blip r:embed="rId6"/>
+          <a:stretch>
+            <a:fillRect/>
+          </a:stretch>
+        </p:blipFill>
+        <p:spPr>
+          <a:xfrm>
+            <a:off x="7255901" y="3378860"/>
+            <a:ext cx="4231804" cy="3271553"/>
+          </a:xfrm>
+          <a:prstGeom prst="rect">
+            <a:avLst/>
+          </a:prstGeom>
+        </p:spPr>
+      </p:pic>
+      <p:pic>
+        <p:nvPicPr>
+          <p:cNvPr id="8" name="Picture 7">
+            <a:extLst>
+              <a:ext uri="{FF2B5EF4-FFF2-40B4-BE49-F238E27FC236}">
+                <a16:creationId xmlns:a16="http://schemas.microsoft.com/office/drawing/2014/main" id="{7EFF8157-B179-42D6-A606-605748242E7E}"/>
+              </a:ext>
+            </a:extLst>
+          </p:cNvPr>
+          <p:cNvPicPr>
+            <a:picLocks noChangeAspect="1"/>
+          </p:cNvPicPr>
+          <p:nvPr/>
+        </p:nvPicPr>
+        <p:blipFill>
+          <a:blip r:embed="rId7"/>
+          <a:stretch>
+            <a:fillRect/>
+          </a:stretch>
+        </p:blipFill>
+        <p:spPr>
+          <a:xfrm>
+            <a:off x="83177" y="3388584"/>
+            <a:ext cx="4128780" cy="1462276"/>
+          </a:xfrm>
+          <a:prstGeom prst="rect">
+            <a:avLst/>
+          </a:prstGeom>
+        </p:spPr>
+      </p:pic>
+      <p:cxnSp>
+        <p:nvCxnSpPr>
+          <p:cNvPr id="12" name="Straight Arrow Connector 11">
+            <a:extLst>
+              <a:ext uri="{FF2B5EF4-FFF2-40B4-BE49-F238E27FC236}">
+                <a16:creationId xmlns:a16="http://schemas.microsoft.com/office/drawing/2014/main" id="{555BAB4F-304C-4F7E-9E74-C03FA03039A2}"/>
+              </a:ext>
+            </a:extLst>
+          </p:cNvPr>
+          <p:cNvCxnSpPr/>
+          <p:nvPr/>
+        </p:nvCxnSpPr>
+        <p:spPr>
+          <a:xfrm>
+            <a:off x="239697" y="5273338"/>
+            <a:ext cx="3604334" cy="0"/>
+          </a:xfrm>
+          <a:prstGeom prst="straightConnector1">
+            <a:avLst/>
+          </a:prstGeom>
+          <a:ln w="28575">
+            <a:solidFill>
+              <a:schemeClr val="tx1"/>
+            </a:solidFill>
+            <a:tailEnd type="triangle"/>
+          </a:ln>
+        </p:spPr>
+        <p:style>
+          <a:lnRef idx="1">
+            <a:schemeClr val="dk1"/>
+          </a:lnRef>
+          <a:fillRef idx="0">
+            <a:schemeClr val="dk1"/>
+          </a:fillRef>
+          <a:effectRef idx="0">
+            <a:schemeClr val="dk1"/>
+          </a:effectRef>
+          <a:fontRef idx="minor">
+            <a:schemeClr val="tx1"/>
+          </a:fontRef>
+        </p:style>
+      </p:cxnSp>
+      <p:sp>
+        <p:nvSpPr>
+          <p:cNvPr id="13" name="TextBox 12">
+            <a:extLst>
+              <a:ext uri="{FF2B5EF4-FFF2-40B4-BE49-F238E27FC236}">
+                <a16:creationId xmlns:a16="http://schemas.microsoft.com/office/drawing/2014/main" id="{841EF006-0479-4203-9814-EC8CF2536D4C}"/>
+              </a:ext>
+            </a:extLst>
+          </p:cNvPr>
+          <p:cNvSpPr txBox="1"/>
+          <p:nvPr/>
+        </p:nvSpPr>
+        <p:spPr>
+          <a:xfrm>
+            <a:off x="608640" y="4846092"/>
+            <a:ext cx="2593659" cy="369332"/>
+          </a:xfrm>
+          <a:prstGeom prst="rect">
+            <a:avLst/>
+          </a:prstGeom>
+          <a:noFill/>
+        </p:spPr>
+        <p:txBody>
+          <a:bodyPr wrap="none" rtlCol="0">
+            <a:spAutoFit/>
+          </a:bodyPr>
+          <a:lstStyle/>
+          <a:p>
+            <a:r>
+              <a:rPr lang="en-US" dirty="0"/>
+              <a:t>Principle of least privilege</a:t>
+            </a:r>
+          </a:p>
+        </p:txBody>
+      </p:sp>
+      <p:cxnSp>
+        <p:nvCxnSpPr>
+          <p:cNvPr id="17" name="Straight Arrow Connector 16">
+            <a:extLst>
+              <a:ext uri="{FF2B5EF4-FFF2-40B4-BE49-F238E27FC236}">
+                <a16:creationId xmlns:a16="http://schemas.microsoft.com/office/drawing/2014/main" id="{C73E76B3-6D9A-490B-A553-B69C5CD1C435}"/>
+              </a:ext>
+            </a:extLst>
+          </p:cNvPr>
+          <p:cNvCxnSpPr>
+            <a:cxnSpLocks/>
+          </p:cNvCxnSpPr>
+          <p:nvPr/>
+        </p:nvCxnSpPr>
+        <p:spPr>
+          <a:xfrm flipH="1">
+            <a:off x="7255901" y="3643120"/>
+            <a:ext cx="1" cy="2802068"/>
+          </a:xfrm>
+          <a:prstGeom prst="straightConnector1">
+            <a:avLst/>
+          </a:prstGeom>
+          <a:ln w="28575">
+            <a:solidFill>
+              <a:schemeClr val="tx1"/>
+            </a:solidFill>
+            <a:tailEnd type="triangle"/>
+          </a:ln>
+        </p:spPr>
+        <p:style>
+          <a:lnRef idx="1">
+            <a:schemeClr val="dk1"/>
+          </a:lnRef>
+          <a:fillRef idx="0">
+            <a:schemeClr val="dk1"/>
+          </a:fillRef>
+          <a:effectRef idx="0">
+            <a:schemeClr val="dk1"/>
+          </a:effectRef>
+          <a:fontRef idx="minor">
+            <a:schemeClr val="tx1"/>
+          </a:fontRef>
+        </p:style>
+      </p:cxnSp>
+      <p:sp>
+        <p:nvSpPr>
+          <p:cNvPr id="18" name="TextBox 17">
+            <a:extLst>
+              <a:ext uri="{FF2B5EF4-FFF2-40B4-BE49-F238E27FC236}">
+                <a16:creationId xmlns:a16="http://schemas.microsoft.com/office/drawing/2014/main" id="{78F29F05-882C-4125-ABD1-E12ED2B40AF1}"/>
+              </a:ext>
+            </a:extLst>
+          </p:cNvPr>
+          <p:cNvSpPr txBox="1"/>
+          <p:nvPr/>
+        </p:nvSpPr>
+        <p:spPr>
+          <a:xfrm rot="16200000">
+            <a:off x="5756955" y="4829969"/>
+            <a:ext cx="2593659" cy="369332"/>
+          </a:xfrm>
+          <a:prstGeom prst="rect">
+            <a:avLst/>
+          </a:prstGeom>
+          <a:noFill/>
+        </p:spPr>
+        <p:txBody>
+          <a:bodyPr wrap="none" rtlCol="0">
+            <a:spAutoFit/>
+          </a:bodyPr>
+          <a:lstStyle/>
+          <a:p>
+            <a:r>
+              <a:rPr lang="en-US" dirty="0"/>
+              <a:t>Principle of least privilege</a:t>
             </a:r>
           </a:p>
         </p:txBody>
@@ -13152,7 +12893,7 @@
     </p:spTree>
     <p:extLst>
       <p:ext uri="{BB962C8B-B14F-4D97-AF65-F5344CB8AC3E}">
-        <p14:creationId xmlns:p14="http://schemas.microsoft.com/office/powerpoint/2010/main" val="4286541413"/>
+        <p14:creationId xmlns:p14="http://schemas.microsoft.com/office/powerpoint/2010/main" val="3814429817"/>
       </p:ext>
     </p:extLst>
   </p:cSld>
@@ -13409,6 +13150,618 @@
           <p:cNvPr id="2" name="Title 1">
             <a:extLst>
               <a:ext uri="{FF2B5EF4-FFF2-40B4-BE49-F238E27FC236}">
+                <a16:creationId xmlns:a16="http://schemas.microsoft.com/office/drawing/2014/main" id="{115EEB8E-4736-4983-A81C-6A5B7FEF7B9E}"/>
+              </a:ext>
+            </a:extLst>
+          </p:cNvPr>
+          <p:cNvSpPr>
+            <a:spLocks noGrp="1"/>
+          </p:cNvSpPr>
+          <p:nvPr>
+            <p:ph type="title"/>
+          </p:nvPr>
+        </p:nvSpPr>
+        <p:spPr/>
+        <p:txBody>
+          <a:bodyPr/>
+          <a:lstStyle/>
+          <a:p>
+            <a:r>
+              <a:rPr lang="en-US" dirty="0"/>
+              <a:t>Azure identity</a:t>
+            </a:r>
+            <a:endParaRPr lang="nl-BE" dirty="0"/>
+          </a:p>
+        </p:txBody>
+      </p:sp>
+      <p:sp>
+        <p:nvSpPr>
+          <p:cNvPr id="3" name="Content Placeholder 2">
+            <a:extLst>
+              <a:ext uri="{FF2B5EF4-FFF2-40B4-BE49-F238E27FC236}">
+                <a16:creationId xmlns:a16="http://schemas.microsoft.com/office/drawing/2014/main" id="{9F5F23C8-030C-464C-8F67-ADA5FD7B259A}"/>
+              </a:ext>
+            </a:extLst>
+          </p:cNvPr>
+          <p:cNvSpPr>
+            <a:spLocks noGrp="1"/>
+          </p:cNvSpPr>
+          <p:nvPr>
+            <p:ph idx="1"/>
+          </p:nvPr>
+        </p:nvSpPr>
+        <p:spPr>
+          <a:xfrm>
+            <a:off x="231493" y="902825"/>
+            <a:ext cx="11597833" cy="1748096"/>
+          </a:xfrm>
+        </p:spPr>
+        <p:txBody>
+          <a:bodyPr/>
+          <a:lstStyle/>
+          <a:p>
+            <a:pPr marL="0" indent="0">
+              <a:buNone/>
+            </a:pPr>
+            <a:r>
+              <a:rPr lang="en-US" dirty="0"/>
+              <a:t>Assign an identity to Azure functions</a:t>
+            </a:r>
+          </a:p>
+          <a:p>
+            <a:pPr marL="0" indent="0">
+              <a:buNone/>
+            </a:pPr>
+            <a:endParaRPr lang="en-US" dirty="0"/>
+          </a:p>
+          <a:p>
+            <a:pPr marL="0" indent="0">
+              <a:buNone/>
+            </a:pPr>
+            <a:r>
+              <a:rPr lang="en-US" dirty="0"/>
+              <a:t>Give the assigned identity read access to the key vault</a:t>
+            </a:r>
+            <a:endParaRPr lang="nl-BE" dirty="0"/>
+          </a:p>
+        </p:txBody>
+      </p:sp>
+      <p:pic>
+        <p:nvPicPr>
+          <p:cNvPr id="4" name="Picture 4" descr="How to set environment variables for use with an Azure Function - Azure Greg">
+            <a:extLst>
+              <a:ext uri="{FF2B5EF4-FFF2-40B4-BE49-F238E27FC236}">
+                <a16:creationId xmlns:a16="http://schemas.microsoft.com/office/drawing/2014/main" id="{2DCB2ED9-19A5-428D-ACE1-714A41720CE8}"/>
+              </a:ext>
+            </a:extLst>
+          </p:cNvPr>
+          <p:cNvPicPr>
+            <a:picLocks noChangeAspect="1" noChangeArrowheads="1"/>
+          </p:cNvPicPr>
+          <p:nvPr/>
+        </p:nvPicPr>
+        <p:blipFill>
+          <a:blip r:embed="rId2">
+            <a:clrChange>
+              <a:clrFrom>
+                <a:srgbClr val="FFFFFF"/>
+              </a:clrFrom>
+              <a:clrTo>
+                <a:srgbClr val="FFFFFF">
+                  <a:alpha val="0"/>
+                </a:srgbClr>
+              </a:clrTo>
+            </a:clrChange>
+            <a:extLst>
+              <a:ext uri="{28A0092B-C50C-407E-A947-70E740481C1C}">
+                <a14:useLocalDpi xmlns:a14="http://schemas.microsoft.com/office/drawing/2010/main" val="0"/>
+              </a:ext>
+            </a:extLst>
+          </a:blip>
+          <a:srcRect/>
+          <a:stretch>
+            <a:fillRect/>
+          </a:stretch>
+        </p:blipFill>
+        <p:spPr bwMode="auto">
+          <a:xfrm>
+            <a:off x="750716" y="3163818"/>
+            <a:ext cx="3957662" cy="1935679"/>
+          </a:xfrm>
+          <a:prstGeom prst="rect">
+            <a:avLst/>
+          </a:prstGeom>
+          <a:noFill/>
+          <a:extLst>
+            <a:ext uri="{909E8E84-426E-40DD-AFC4-6F175D3DCCD1}">
+              <a14:hiddenFill xmlns:a14="http://schemas.microsoft.com/office/drawing/2010/main">
+                <a:solidFill>
+                  <a:srgbClr val="FFFFFF"/>
+                </a:solidFill>
+              </a14:hiddenFill>
+            </a:ext>
+          </a:extLst>
+        </p:spPr>
+      </p:pic>
+      <p:pic>
+        <p:nvPicPr>
+          <p:cNvPr id="5" name="Picture 4">
+            <a:extLst>
+              <a:ext uri="{FF2B5EF4-FFF2-40B4-BE49-F238E27FC236}">
+                <a16:creationId xmlns:a16="http://schemas.microsoft.com/office/drawing/2014/main" id="{9CE0C44B-B82A-49BE-B915-FB726DBA289E}"/>
+              </a:ext>
+            </a:extLst>
+          </p:cNvPr>
+          <p:cNvPicPr>
+            <a:picLocks noChangeAspect="1"/>
+          </p:cNvPicPr>
+          <p:nvPr/>
+        </p:nvPicPr>
+        <p:blipFill>
+          <a:blip r:embed="rId3">
+            <a:clrChange>
+              <a:clrFrom>
+                <a:srgbClr val="FFFFFF"/>
+              </a:clrFrom>
+              <a:clrTo>
+                <a:srgbClr val="FFFFFF">
+                  <a:alpha val="0"/>
+                </a:srgbClr>
+              </a:clrTo>
+            </a:clrChange>
+          </a:blip>
+          <a:stretch>
+            <a:fillRect/>
+          </a:stretch>
+        </p:blipFill>
+        <p:spPr>
+          <a:xfrm>
+            <a:off x="2846982" y="4142964"/>
+            <a:ext cx="1095528" cy="990738"/>
+          </a:xfrm>
+          <a:prstGeom prst="rect">
+            <a:avLst/>
+          </a:prstGeom>
+        </p:spPr>
+      </p:pic>
+      <p:pic>
+        <p:nvPicPr>
+          <p:cNvPr id="6" name="Picture 2" descr="Belangrijke Azure-services voor .NET-ontwikkelaars | Microsoft Learn">
+            <a:extLst>
+              <a:ext uri="{FF2B5EF4-FFF2-40B4-BE49-F238E27FC236}">
+                <a16:creationId xmlns:a16="http://schemas.microsoft.com/office/drawing/2014/main" id="{47848646-F74F-4001-8FAE-B84F7BCA4DA6}"/>
+              </a:ext>
+            </a:extLst>
+          </p:cNvPr>
+          <p:cNvPicPr>
+            <a:picLocks noChangeAspect="1" noChangeArrowheads="1"/>
+          </p:cNvPicPr>
+          <p:nvPr/>
+        </p:nvPicPr>
+        <p:blipFill>
+          <a:blip r:embed="rId4">
+            <a:extLst>
+              <a:ext uri="{28A0092B-C50C-407E-A947-70E740481C1C}">
+                <a14:useLocalDpi xmlns:a14="http://schemas.microsoft.com/office/drawing/2010/main" val="0"/>
+              </a:ext>
+            </a:extLst>
+          </a:blip>
+          <a:srcRect/>
+          <a:stretch>
+            <a:fillRect/>
+          </a:stretch>
+        </p:blipFill>
+        <p:spPr bwMode="auto">
+          <a:xfrm>
+            <a:off x="7661938" y="3431801"/>
+            <a:ext cx="1575864" cy="1575864"/>
+          </a:xfrm>
+          <a:prstGeom prst="rect">
+            <a:avLst/>
+          </a:prstGeom>
+          <a:noFill/>
+          <a:extLst>
+            <a:ext uri="{909E8E84-426E-40DD-AFC4-6F175D3DCCD1}">
+              <a14:hiddenFill xmlns:a14="http://schemas.microsoft.com/office/drawing/2010/main">
+                <a:solidFill>
+                  <a:srgbClr val="FFFFFF"/>
+                </a:solidFill>
+              </a14:hiddenFill>
+            </a:ext>
+          </a:extLst>
+        </p:spPr>
+      </p:pic>
+      <p:cxnSp>
+        <p:nvCxnSpPr>
+          <p:cNvPr id="8" name="Straight Arrow Connector 7">
+            <a:extLst>
+              <a:ext uri="{FF2B5EF4-FFF2-40B4-BE49-F238E27FC236}">
+                <a16:creationId xmlns:a16="http://schemas.microsoft.com/office/drawing/2014/main" id="{C223E650-ACA6-44F0-B7F8-17803A2DB57F}"/>
+              </a:ext>
+            </a:extLst>
+          </p:cNvPr>
+          <p:cNvCxnSpPr>
+            <a:cxnSpLocks/>
+          </p:cNvCxnSpPr>
+          <p:nvPr/>
+        </p:nvCxnSpPr>
+        <p:spPr>
+          <a:xfrm>
+            <a:off x="4286774" y="4102635"/>
+            <a:ext cx="3115208" cy="0"/>
+          </a:xfrm>
+          <a:prstGeom prst="straightConnector1">
+            <a:avLst/>
+          </a:prstGeom>
+          <a:ln>
+            <a:tailEnd type="triangle"/>
+          </a:ln>
+        </p:spPr>
+        <p:style>
+          <a:lnRef idx="1">
+            <a:schemeClr val="accent1"/>
+          </a:lnRef>
+          <a:fillRef idx="0">
+            <a:schemeClr val="accent1"/>
+          </a:fillRef>
+          <a:effectRef idx="0">
+            <a:schemeClr val="accent1"/>
+          </a:effectRef>
+          <a:fontRef idx="minor">
+            <a:schemeClr val="tx1"/>
+          </a:fontRef>
+        </p:style>
+      </p:cxnSp>
+      <p:sp>
+        <p:nvSpPr>
+          <p:cNvPr id="9" name="TextBox 8">
+            <a:extLst>
+              <a:ext uri="{FF2B5EF4-FFF2-40B4-BE49-F238E27FC236}">
+                <a16:creationId xmlns:a16="http://schemas.microsoft.com/office/drawing/2014/main" id="{7687FC67-4F82-4141-8BCA-2ECAC2F38B9E}"/>
+              </a:ext>
+            </a:extLst>
+          </p:cNvPr>
+          <p:cNvSpPr txBox="1"/>
+          <p:nvPr/>
+        </p:nvSpPr>
+        <p:spPr>
+          <a:xfrm>
+            <a:off x="4393572" y="3733303"/>
+            <a:ext cx="2845779" cy="369332"/>
+          </a:xfrm>
+          <a:prstGeom prst="rect">
+            <a:avLst/>
+          </a:prstGeom>
+          <a:noFill/>
+        </p:spPr>
+        <p:txBody>
+          <a:bodyPr wrap="none" rtlCol="0">
+            <a:spAutoFit/>
+          </a:bodyPr>
+          <a:lstStyle/>
+          <a:p>
+            <a:r>
+              <a:rPr lang="en-US" dirty="0" err="1"/>
+              <a:t>Passwordless</a:t>
+            </a:r>
+            <a:r>
+              <a:rPr lang="en-US" dirty="0"/>
+              <a:t> authentication</a:t>
+            </a:r>
+            <a:endParaRPr lang="nl-BE" dirty="0"/>
+          </a:p>
+        </p:txBody>
+      </p:sp>
+      <p:sp>
+        <p:nvSpPr>
+          <p:cNvPr id="10" name="TextBox 9">
+            <a:extLst>
+              <a:ext uri="{FF2B5EF4-FFF2-40B4-BE49-F238E27FC236}">
+                <a16:creationId xmlns:a16="http://schemas.microsoft.com/office/drawing/2014/main" id="{BE579A25-901E-441B-B362-826015667CF6}"/>
+              </a:ext>
+            </a:extLst>
+          </p:cNvPr>
+          <p:cNvSpPr txBox="1"/>
+          <p:nvPr/>
+        </p:nvSpPr>
+        <p:spPr>
+          <a:xfrm>
+            <a:off x="2530646" y="5007665"/>
+            <a:ext cx="1842940" cy="369332"/>
+          </a:xfrm>
+          <a:prstGeom prst="rect">
+            <a:avLst/>
+          </a:prstGeom>
+          <a:noFill/>
+        </p:spPr>
+        <p:txBody>
+          <a:bodyPr wrap="none" rtlCol="0">
+            <a:spAutoFit/>
+          </a:bodyPr>
+          <a:lstStyle/>
+          <a:p>
+            <a:r>
+              <a:rPr lang="en-US" dirty="0"/>
+              <a:t>Managed identity</a:t>
+            </a:r>
+            <a:endParaRPr lang="nl-BE" dirty="0"/>
+          </a:p>
+        </p:txBody>
+      </p:sp>
+      <p:cxnSp>
+        <p:nvCxnSpPr>
+          <p:cNvPr id="11" name="Straight Arrow Connector 10">
+            <a:extLst>
+              <a:ext uri="{FF2B5EF4-FFF2-40B4-BE49-F238E27FC236}">
+                <a16:creationId xmlns:a16="http://schemas.microsoft.com/office/drawing/2014/main" id="{B321BA17-5705-4E90-A525-A894382F446F}"/>
+              </a:ext>
+            </a:extLst>
+          </p:cNvPr>
+          <p:cNvCxnSpPr>
+            <a:cxnSpLocks/>
+          </p:cNvCxnSpPr>
+          <p:nvPr/>
+        </p:nvCxnSpPr>
+        <p:spPr>
+          <a:xfrm flipH="1">
+            <a:off x="4177717" y="4639732"/>
+            <a:ext cx="3155659" cy="0"/>
+          </a:xfrm>
+          <a:prstGeom prst="straightConnector1">
+            <a:avLst/>
+          </a:prstGeom>
+          <a:ln>
+            <a:tailEnd type="triangle"/>
+          </a:ln>
+        </p:spPr>
+        <p:style>
+          <a:lnRef idx="1">
+            <a:schemeClr val="accent1"/>
+          </a:lnRef>
+          <a:fillRef idx="0">
+            <a:schemeClr val="accent1"/>
+          </a:fillRef>
+          <a:effectRef idx="0">
+            <a:schemeClr val="accent1"/>
+          </a:effectRef>
+          <a:fontRef idx="minor">
+            <a:schemeClr val="tx1"/>
+          </a:fontRef>
+        </p:style>
+      </p:cxnSp>
+      <p:pic>
+        <p:nvPicPr>
+          <p:cNvPr id="13" name="Content Placeholder 6" descr="Key">
+            <a:extLst>
+              <a:ext uri="{FF2B5EF4-FFF2-40B4-BE49-F238E27FC236}">
+                <a16:creationId xmlns:a16="http://schemas.microsoft.com/office/drawing/2014/main" id="{708E6491-202D-4F36-8004-860394E7AE5E}"/>
+              </a:ext>
+            </a:extLst>
+          </p:cNvPr>
+          <p:cNvPicPr>
+            <a:picLocks noChangeAspect="1"/>
+          </p:cNvPicPr>
+          <p:nvPr/>
+        </p:nvPicPr>
+        <p:blipFill>
+          <a:blip r:embed="rId5">
+            <a:extLst>
+              <a:ext uri="{28A0092B-C50C-407E-A947-70E740481C1C}">
+                <a14:useLocalDpi xmlns:a14="http://schemas.microsoft.com/office/drawing/2010/main" val="0"/>
+              </a:ext>
+              <a:ext uri="{96DAC541-7B7A-43D3-8B79-37D633B846F1}">
+                <asvg:svgBlip xmlns:asvg="http://schemas.microsoft.com/office/drawing/2016/SVG/main" r:embed="rId6"/>
+              </a:ext>
+            </a:extLst>
+          </a:blip>
+          <a:stretch>
+            <a:fillRect/>
+          </a:stretch>
+        </p:blipFill>
+        <p:spPr>
+          <a:xfrm>
+            <a:off x="5421474" y="4496572"/>
+            <a:ext cx="789973" cy="789973"/>
+          </a:xfrm>
+          <a:prstGeom prst="rect">
+            <a:avLst/>
+          </a:prstGeom>
+        </p:spPr>
+      </p:pic>
+    </p:spTree>
+    <p:extLst>
+      <p:ext uri="{BB962C8B-B14F-4D97-AF65-F5344CB8AC3E}">
+        <p14:creationId xmlns:p14="http://schemas.microsoft.com/office/powerpoint/2010/main" val="4138115695"/>
+      </p:ext>
+    </p:extLst>
+  </p:cSld>
+  <p:clrMapOvr>
+    <a:masterClrMapping/>
+  </p:clrMapOvr>
+</p:sld>
+</file>
+
+<file path=ppt/slides/slide41.xml><?xml version="1.0" encoding="utf-8"?>
+<p:sld xmlns:a="http://schemas.openxmlformats.org/drawingml/2006/main" xmlns:r="http://schemas.openxmlformats.org/officeDocument/2006/relationships" xmlns:p="http://schemas.openxmlformats.org/presentationml/2006/main">
+  <p:cSld>
+    <p:spTree>
+      <p:nvGrpSpPr>
+        <p:cNvPr id="1" name=""/>
+        <p:cNvGrpSpPr/>
+        <p:nvPr/>
+      </p:nvGrpSpPr>
+      <p:grpSpPr>
+        <a:xfrm>
+          <a:off x="0" y="0"/>
+          <a:ext cx="0" cy="0"/>
+          <a:chOff x="0" y="0"/>
+          <a:chExt cx="0" cy="0"/>
+        </a:xfrm>
+      </p:grpSpPr>
+      <p:sp>
+        <p:nvSpPr>
+          <p:cNvPr id="2" name="Title 1">
+            <a:extLst>
+              <a:ext uri="{FF2B5EF4-FFF2-40B4-BE49-F238E27FC236}">
+                <a16:creationId xmlns:a16="http://schemas.microsoft.com/office/drawing/2014/main" id="{4E5C8076-E6C6-4592-8718-3E9A20E0C220}"/>
+              </a:ext>
+            </a:extLst>
+          </p:cNvPr>
+          <p:cNvSpPr>
+            <a:spLocks noGrp="1"/>
+          </p:cNvSpPr>
+          <p:nvPr>
+            <p:ph type="title"/>
+          </p:nvPr>
+        </p:nvSpPr>
+        <p:spPr/>
+        <p:txBody>
+          <a:bodyPr/>
+          <a:lstStyle/>
+          <a:p>
+            <a:r>
+              <a:rPr lang="en-US" dirty="0">
+                <a:solidFill>
+                  <a:schemeClr val="accent2"/>
+                </a:solidFill>
+              </a:rPr>
+              <a:t>Your turn!</a:t>
+            </a:r>
+            <a:endParaRPr lang="nl-BE" dirty="0">
+              <a:solidFill>
+                <a:schemeClr val="accent2"/>
+              </a:solidFill>
+            </a:endParaRPr>
+          </a:p>
+        </p:txBody>
+      </p:sp>
+      <p:sp>
+        <p:nvSpPr>
+          <p:cNvPr id="3" name="Content Placeholder 2">
+            <a:extLst>
+              <a:ext uri="{FF2B5EF4-FFF2-40B4-BE49-F238E27FC236}">
+                <a16:creationId xmlns:a16="http://schemas.microsoft.com/office/drawing/2014/main" id="{9B24A5E1-6C34-47E7-A236-0B194B9B06F2}"/>
+              </a:ext>
+            </a:extLst>
+          </p:cNvPr>
+          <p:cNvSpPr>
+            <a:spLocks noGrp="1"/>
+          </p:cNvSpPr>
+          <p:nvPr>
+            <p:ph idx="1"/>
+          </p:nvPr>
+        </p:nvSpPr>
+        <p:spPr/>
+        <p:txBody>
+          <a:bodyPr>
+            <a:normAutofit/>
+          </a:bodyPr>
+          <a:lstStyle/>
+          <a:p>
+            <a:pPr marL="0" indent="0">
+              <a:buNone/>
+            </a:pPr>
+            <a:r>
+              <a:rPr lang="en-US" dirty="0"/>
+              <a:t>Add an Azure function </a:t>
+            </a:r>
+            <a:r>
+              <a:rPr lang="en-US" dirty="0" err="1"/>
+              <a:t>store_string_in_file</a:t>
+            </a:r>
+            <a:r>
+              <a:rPr lang="en-US" dirty="0"/>
+              <a:t> with the following properties:</a:t>
+            </a:r>
+          </a:p>
+          <a:p>
+            <a:pPr marL="0" indent="0">
+              <a:buNone/>
+            </a:pPr>
+            <a:endParaRPr lang="en-US" dirty="0"/>
+          </a:p>
+          <a:p>
+            <a:pPr lvl="1"/>
+            <a:r>
+              <a:rPr lang="en-US" dirty="0"/>
+              <a:t>Http trigger, </a:t>
+            </a:r>
+            <a:r>
+              <a:rPr lang="en-US" dirty="0" err="1"/>
+              <a:t>url</a:t>
+            </a:r>
+            <a:r>
+              <a:rPr lang="en-US" dirty="0"/>
+              <a:t> </a:t>
+            </a:r>
+            <a:r>
+              <a:rPr lang="en-US" dirty="0" err="1"/>
+              <a:t>store_string_in_file</a:t>
+            </a:r>
+            <a:r>
+              <a:rPr lang="en-US" dirty="0"/>
+              <a:t>/{file}/{content}</a:t>
+            </a:r>
+          </a:p>
+          <a:p>
+            <a:pPr lvl="1"/>
+            <a:endParaRPr lang="en-US" dirty="0"/>
+          </a:p>
+          <a:p>
+            <a:pPr lvl="1"/>
+            <a:r>
+              <a:rPr lang="en-US" dirty="0"/>
+              <a:t>No API key required to connect</a:t>
+            </a:r>
+          </a:p>
+          <a:p>
+            <a:pPr lvl="1"/>
+            <a:endParaRPr lang="en-US" dirty="0"/>
+          </a:p>
+          <a:p>
+            <a:pPr lvl="1"/>
+            <a:r>
+              <a:rPr lang="en-US" dirty="0"/>
+              <a:t>Create a new file named {file} in the raw container of your storage account with content {content}</a:t>
+            </a:r>
+          </a:p>
+        </p:txBody>
+      </p:sp>
+    </p:spTree>
+    <p:extLst>
+      <p:ext uri="{BB962C8B-B14F-4D97-AF65-F5344CB8AC3E}">
+        <p14:creationId xmlns:p14="http://schemas.microsoft.com/office/powerpoint/2010/main" val="4286541413"/>
+      </p:ext>
+    </p:extLst>
+  </p:cSld>
+  <p:clrMapOvr>
+    <a:masterClrMapping/>
+  </p:clrMapOvr>
+</p:sld>
+</file>
+
+<file path=ppt/slides/slide42.xml><?xml version="1.0" encoding="utf-8"?>
+<p:sld xmlns:a="http://schemas.openxmlformats.org/drawingml/2006/main" xmlns:r="http://schemas.openxmlformats.org/officeDocument/2006/relationships" xmlns:p="http://schemas.openxmlformats.org/presentationml/2006/main">
+  <p:cSld>
+    <p:spTree>
+      <p:nvGrpSpPr>
+        <p:cNvPr id="1" name=""/>
+        <p:cNvGrpSpPr/>
+        <p:nvPr/>
+      </p:nvGrpSpPr>
+      <p:grpSpPr>
+        <a:xfrm>
+          <a:off x="0" y="0"/>
+          <a:ext cx="0" cy="0"/>
+          <a:chOff x="0" y="0"/>
+          <a:chExt cx="0" cy="0"/>
+        </a:xfrm>
+      </p:grpSpPr>
+      <p:sp>
+        <p:nvSpPr>
+          <p:cNvPr id="2" name="Title 1">
+            <a:extLst>
+              <a:ext uri="{FF2B5EF4-FFF2-40B4-BE49-F238E27FC236}">
                 <a16:creationId xmlns:a16="http://schemas.microsoft.com/office/drawing/2014/main" id="{F05B2001-C559-4D90-A09A-8BF29FCEFF04}"/>
               </a:ext>
             </a:extLst>
@@ -13899,7 +14252,7 @@
 </p:sld>
 </file>
 
-<file path=ppt/slides/slide41.xml><?xml version="1.0" encoding="utf-8"?>
+<file path=ppt/slides/slide43.xml><?xml version="1.0" encoding="utf-8"?>
 <p:sld xmlns:a="http://schemas.openxmlformats.org/drawingml/2006/main" xmlns:r="http://schemas.openxmlformats.org/officeDocument/2006/relationships" xmlns:p="http://schemas.openxmlformats.org/presentationml/2006/main">
   <p:cSld>
     <p:spTree>
@@ -14065,7 +14418,7 @@
 </p:sld>
 </file>
 
-<file path=ppt/slides/slide42.xml><?xml version="1.0" encoding="utf-8"?>
+<file path=ppt/slides/slide44.xml><?xml version="1.0" encoding="utf-8"?>
 <p:sld xmlns:a="http://schemas.openxmlformats.org/drawingml/2006/main" xmlns:r="http://schemas.openxmlformats.org/officeDocument/2006/relationships" xmlns:p="http://schemas.openxmlformats.org/presentationml/2006/main">
   <p:cSld>
     <p:spTree>
@@ -14154,7 +14507,7 @@
 </p:sld>
 </file>
 
-<file path=ppt/slides/slide43.xml><?xml version="1.0" encoding="utf-8"?>
+<file path=ppt/slides/slide45.xml><?xml version="1.0" encoding="utf-8"?>
 <p:sld xmlns:a="http://schemas.openxmlformats.org/drawingml/2006/main" xmlns:r="http://schemas.openxmlformats.org/officeDocument/2006/relationships" xmlns:p="http://schemas.openxmlformats.org/presentationml/2006/main">
   <p:cSld>
     <p:spTree>
